--- a/lecture-materials/Network&ContentDelivery/vpc/direct-connect.pptx
+++ b/lecture-materials/Network&ContentDelivery/vpc/direct-connect.pptx
@@ -6,13 +6,17 @@
   </p:sldMasterIdLst>
   <p:sldIdLst>
     <p:sldId id="256" r:id="rId2"/>
-    <p:sldId id="257" r:id="rId3"/>
-    <p:sldId id="258" r:id="rId4"/>
-    <p:sldId id="259" r:id="rId5"/>
-    <p:sldId id="261" r:id="rId6"/>
-    <p:sldId id="262" r:id="rId7"/>
-    <p:sldId id="263" r:id="rId8"/>
-    <p:sldId id="260" r:id="rId9"/>
+    <p:sldId id="259" r:id="rId3"/>
+    <p:sldId id="257" r:id="rId4"/>
+    <p:sldId id="268" r:id="rId5"/>
+    <p:sldId id="269" r:id="rId6"/>
+    <p:sldId id="258" r:id="rId7"/>
+    <p:sldId id="266" r:id="rId8"/>
+    <p:sldId id="267" r:id="rId9"/>
+    <p:sldId id="260" r:id="rId10"/>
+    <p:sldId id="270" r:id="rId11"/>
+    <p:sldId id="272" r:id="rId12"/>
+    <p:sldId id="271" r:id="rId13"/>
   </p:sldIdLst>
   <p:sldSz cx="12192000" cy="6858000"/>
   <p:notesSz cx="6858000" cy="9144000"/>
@@ -111,6 +115,11 @@
       </a:defRPr>
     </a:lvl9pPr>
   </p:defaultTextStyle>
+  <p:extLst>
+    <p:ext uri="{EFAFB233-063F-42B5-8137-9DF3F51BA10A}">
+      <p15:sldGuideLst xmlns:p15="http://schemas.microsoft.com/office/powerpoint/2012/main"/>
+    </p:ext>
+  </p:extLst>
 </p:presentation>
 </file>
 
@@ -263,7 +272,7 @@
           <a:p>
             <a:fld id="{382805DF-E6F2-444D-960C-D571190DD7D1}" type="datetimeFigureOut">
               <a:rPr lang="en-CH" smtClean="0"/>
-              <a:t>07.01.2024</a:t>
+              <a:t>10.01.2024</a:t>
             </a:fld>
             <a:endParaRPr lang="en-CH"/>
           </a:p>
@@ -463,7 +472,7 @@
           <a:p>
             <a:fld id="{382805DF-E6F2-444D-960C-D571190DD7D1}" type="datetimeFigureOut">
               <a:rPr lang="en-CH" smtClean="0"/>
-              <a:t>07.01.2024</a:t>
+              <a:t>10.01.2024</a:t>
             </a:fld>
             <a:endParaRPr lang="en-CH"/>
           </a:p>
@@ -673,7 +682,7 @@
           <a:p>
             <a:fld id="{382805DF-E6F2-444D-960C-D571190DD7D1}" type="datetimeFigureOut">
               <a:rPr lang="en-CH" smtClean="0"/>
-              <a:t>07.01.2024</a:t>
+              <a:t>10.01.2024</a:t>
             </a:fld>
             <a:endParaRPr lang="en-CH"/>
           </a:p>
@@ -873,7 +882,7 @@
           <a:p>
             <a:fld id="{382805DF-E6F2-444D-960C-D571190DD7D1}" type="datetimeFigureOut">
               <a:rPr lang="en-CH" smtClean="0"/>
-              <a:t>07.01.2024</a:t>
+              <a:t>10.01.2024</a:t>
             </a:fld>
             <a:endParaRPr lang="en-CH"/>
           </a:p>
@@ -1149,7 +1158,7 @@
           <a:p>
             <a:fld id="{382805DF-E6F2-444D-960C-D571190DD7D1}" type="datetimeFigureOut">
               <a:rPr lang="en-CH" smtClean="0"/>
-              <a:t>07.01.2024</a:t>
+              <a:t>10.01.2024</a:t>
             </a:fld>
             <a:endParaRPr lang="en-CH"/>
           </a:p>
@@ -1417,7 +1426,7 @@
           <a:p>
             <a:fld id="{382805DF-E6F2-444D-960C-D571190DD7D1}" type="datetimeFigureOut">
               <a:rPr lang="en-CH" smtClean="0"/>
-              <a:t>07.01.2024</a:t>
+              <a:t>10.01.2024</a:t>
             </a:fld>
             <a:endParaRPr lang="en-CH"/>
           </a:p>
@@ -1832,7 +1841,7 @@
           <a:p>
             <a:fld id="{382805DF-E6F2-444D-960C-D571190DD7D1}" type="datetimeFigureOut">
               <a:rPr lang="en-CH" smtClean="0"/>
-              <a:t>07.01.2024</a:t>
+              <a:t>10.01.2024</a:t>
             </a:fld>
             <a:endParaRPr lang="en-CH"/>
           </a:p>
@@ -1974,7 +1983,7 @@
           <a:p>
             <a:fld id="{382805DF-E6F2-444D-960C-D571190DD7D1}" type="datetimeFigureOut">
               <a:rPr lang="en-CH" smtClean="0"/>
-              <a:t>07.01.2024</a:t>
+              <a:t>10.01.2024</a:t>
             </a:fld>
             <a:endParaRPr lang="en-CH"/>
           </a:p>
@@ -2087,7 +2096,7 @@
           <a:p>
             <a:fld id="{382805DF-E6F2-444D-960C-D571190DD7D1}" type="datetimeFigureOut">
               <a:rPr lang="en-CH" smtClean="0"/>
-              <a:t>07.01.2024</a:t>
+              <a:t>10.01.2024</a:t>
             </a:fld>
             <a:endParaRPr lang="en-CH"/>
           </a:p>
@@ -2400,7 +2409,7 @@
           <a:p>
             <a:fld id="{382805DF-E6F2-444D-960C-D571190DD7D1}" type="datetimeFigureOut">
               <a:rPr lang="en-CH" smtClean="0"/>
-              <a:t>07.01.2024</a:t>
+              <a:t>10.01.2024</a:t>
             </a:fld>
             <a:endParaRPr lang="en-CH"/>
           </a:p>
@@ -2689,7 +2698,7 @@
           <a:p>
             <a:fld id="{382805DF-E6F2-444D-960C-D571190DD7D1}" type="datetimeFigureOut">
               <a:rPr lang="en-CH" smtClean="0"/>
-              <a:t>07.01.2024</a:t>
+              <a:t>10.01.2024</a:t>
             </a:fld>
             <a:endParaRPr lang="en-CH"/>
           </a:p>
@@ -2932,7 +2941,7 @@
           <a:p>
             <a:fld id="{382805DF-E6F2-444D-960C-D571190DD7D1}" type="datetimeFigureOut">
               <a:rPr lang="en-CH" smtClean="0"/>
-              <a:t>07.01.2024</a:t>
+              <a:t>10.01.2024</a:t>
             </a:fld>
             <a:endParaRPr lang="en-CH"/>
           </a:p>
@@ -3335,6 +3344,1038 @@
 <file path=ppt/slides/slide1.xml><?xml version="1.0" encoding="utf-8"?>
 <p:sld xmlns:a="http://schemas.openxmlformats.org/drawingml/2006/main" xmlns:r="http://schemas.openxmlformats.org/officeDocument/2006/relationships" xmlns:p="http://schemas.openxmlformats.org/presentationml/2006/main">
   <p:cSld>
+    <p:bg>
+      <p:bgPr>
+        <a:solidFill>
+          <a:schemeClr val="bg1"/>
+        </a:solidFill>
+        <a:effectLst/>
+      </p:bgPr>
+    </p:bg>
+    <p:spTree>
+      <p:nvGrpSpPr>
+        <p:cNvPr id="1" name=""/>
+        <p:cNvGrpSpPr/>
+        <p:nvPr/>
+      </p:nvGrpSpPr>
+      <p:grpSpPr>
+        <a:xfrm>
+          <a:off x="0" y="0"/>
+          <a:ext cx="0" cy="0"/>
+          <a:chOff x="0" y="0"/>
+          <a:chExt cx="0" cy="0"/>
+        </a:xfrm>
+      </p:grpSpPr>
+      <p:sp useBgFill="1">
+        <p:nvSpPr>
+          <p:cNvPr id="7" name="Rectangle 6">
+            <a:extLst>
+              <a:ext uri="{FF2B5EF4-FFF2-40B4-BE49-F238E27FC236}">
+                <a16:creationId xmlns:a16="http://schemas.microsoft.com/office/drawing/2014/main" id="{4D24BFD5-D814-402B-B6C4-EEF6AE14B0F2}"/>
+              </a:ext>
+              <a:ext uri="{C183D7F6-B498-43B3-948B-1728B52AA6E4}">
+                <adec:decorative xmlns:adec="http://schemas.microsoft.com/office/drawing/2017/decorative" val="1"/>
+              </a:ext>
+            </a:extLst>
+          </p:cNvPr>
+          <p:cNvSpPr>
+            <a:spLocks noGrp="1" noRot="1" noChangeAspect="1" noMove="1" noResize="1" noEditPoints="1" noAdjustHandles="1" noChangeArrowheads="1" noChangeShapeType="1" noTextEdit="1"/>
+          </p:cNvSpPr>
+          <p:nvPr>
+            <p:extLst>
+              <p:ext uri="{386F3935-93C4-4BCD-93E2-E3B085C9AB24}">
+                <p16:designElem xmlns:p16="http://schemas.microsoft.com/office/powerpoint/2015/main" val="1"/>
+              </p:ext>
+            </p:extLst>
+          </p:nvPr>
+        </p:nvSpPr>
+        <p:spPr>
+          <a:xfrm>
+            <a:off x="0" y="0"/>
+            <a:ext cx="12188952" cy="6858000"/>
+          </a:xfrm>
+          <a:prstGeom prst="rect">
+            <a:avLst/>
+          </a:prstGeom>
+          <a:ln>
+            <a:noFill/>
+          </a:ln>
+        </p:spPr>
+        <p:style>
+          <a:lnRef idx="2">
+            <a:schemeClr val="accent1">
+              <a:shade val="50000"/>
+            </a:schemeClr>
+          </a:lnRef>
+          <a:fillRef idx="1">
+            <a:schemeClr val="accent1"/>
+          </a:fillRef>
+          <a:effectRef idx="0">
+            <a:schemeClr val="accent1"/>
+          </a:effectRef>
+          <a:fontRef idx="minor">
+            <a:schemeClr val="lt1"/>
+          </a:fontRef>
+        </p:style>
+        <p:txBody>
+          <a:bodyPr rtlCol="0" anchor="ctr"/>
+          <a:lstStyle/>
+          <a:p>
+            <a:pPr algn="ctr"/>
+            <a:endParaRPr lang="en-US"/>
+          </a:p>
+        </p:txBody>
+      </p:sp>
+      <p:sp>
+        <p:nvSpPr>
+          <p:cNvPr id="2" name="Title 1">
+            <a:extLst>
+              <a:ext uri="{FF2B5EF4-FFF2-40B4-BE49-F238E27FC236}">
+                <a16:creationId xmlns:a16="http://schemas.microsoft.com/office/drawing/2014/main" id="{C9A7859D-88E0-C8C6-2AFC-D6BFF397D9EC}"/>
+              </a:ext>
+            </a:extLst>
+          </p:cNvPr>
+          <p:cNvSpPr>
+            <a:spLocks noGrp="1"/>
+          </p:cNvSpPr>
+          <p:nvPr>
+            <p:ph type="ctrTitle"/>
+          </p:nvPr>
+        </p:nvSpPr>
+        <p:spPr>
+          <a:xfrm>
+            <a:off x="838200" y="1122362"/>
+            <a:ext cx="6281928" cy="4135437"/>
+          </a:xfrm>
+        </p:spPr>
+        <p:txBody>
+          <a:bodyPr>
+            <a:normAutofit/>
+          </a:bodyPr>
+          <a:lstStyle/>
+          <a:p>
+            <a:pPr algn="l"/>
+            <a:r>
+              <a:rPr lang="en-CH" sz="6600"/>
+              <a:t>AWS Direct Connect</a:t>
+            </a:r>
+          </a:p>
+        </p:txBody>
+      </p:sp>
+      <p:sp>
+        <p:nvSpPr>
+          <p:cNvPr id="9" name="Rectangle 10">
+            <a:extLst>
+              <a:ext uri="{FF2B5EF4-FFF2-40B4-BE49-F238E27FC236}">
+                <a16:creationId xmlns:a16="http://schemas.microsoft.com/office/drawing/2014/main" id="{36FED7E8-9A97-475F-9FA4-113410D4433B}"/>
+              </a:ext>
+              <a:ext uri="{C183D7F6-B498-43B3-948B-1728B52AA6E4}">
+                <adec:decorative xmlns:adec="http://schemas.microsoft.com/office/drawing/2017/decorative" val="1"/>
+              </a:ext>
+            </a:extLst>
+          </p:cNvPr>
+          <p:cNvSpPr>
+            <a:spLocks noGrp="1" noRot="1" noChangeAspect="1" noMove="1" noResize="1" noEditPoints="1" noAdjustHandles="1" noChangeArrowheads="1" noChangeShapeType="1" noTextEdit="1"/>
+          </p:cNvSpPr>
+          <p:nvPr>
+            <p:extLst>
+              <p:ext uri="{386F3935-93C4-4BCD-93E2-E3B085C9AB24}">
+                <p16:designElem xmlns:p16="http://schemas.microsoft.com/office/powerpoint/2015/main" val="1"/>
+              </p:ext>
+            </p:extLst>
+          </p:nvPr>
+        </p:nvSpPr>
+        <p:spPr>
+          <a:xfrm>
+            <a:off x="7706139" y="1031284"/>
+            <a:ext cx="3647661" cy="4436126"/>
+          </a:xfrm>
+          <a:custGeom>
+            <a:avLst/>
+            <a:gdLst>
+              <a:gd name="connsiteX0" fmla="*/ 0 w 3647661"/>
+              <a:gd name="connsiteY0" fmla="*/ 0 h 4436126"/>
+              <a:gd name="connsiteX1" fmla="*/ 498514 w 3647661"/>
+              <a:gd name="connsiteY1" fmla="*/ 0 h 4436126"/>
+              <a:gd name="connsiteX2" fmla="*/ 1069981 w 3647661"/>
+              <a:gd name="connsiteY2" fmla="*/ 0 h 4436126"/>
+              <a:gd name="connsiteX3" fmla="*/ 1714401 w 3647661"/>
+              <a:gd name="connsiteY3" fmla="*/ 0 h 4436126"/>
+              <a:gd name="connsiteX4" fmla="*/ 2285868 w 3647661"/>
+              <a:gd name="connsiteY4" fmla="*/ 0 h 4436126"/>
+              <a:gd name="connsiteX5" fmla="*/ 2784381 w 3647661"/>
+              <a:gd name="connsiteY5" fmla="*/ 0 h 4436126"/>
+              <a:gd name="connsiteX6" fmla="*/ 3647661 w 3647661"/>
+              <a:gd name="connsiteY6" fmla="*/ 0 h 4436126"/>
+              <a:gd name="connsiteX7" fmla="*/ 3647661 w 3647661"/>
+              <a:gd name="connsiteY7" fmla="*/ 633732 h 4436126"/>
+              <a:gd name="connsiteX8" fmla="*/ 3647661 w 3647661"/>
+              <a:gd name="connsiteY8" fmla="*/ 1267465 h 4436126"/>
+              <a:gd name="connsiteX9" fmla="*/ 3647661 w 3647661"/>
+              <a:gd name="connsiteY9" fmla="*/ 1768113 h 4436126"/>
+              <a:gd name="connsiteX10" fmla="*/ 3647661 w 3647661"/>
+              <a:gd name="connsiteY10" fmla="*/ 2446207 h 4436126"/>
+              <a:gd name="connsiteX11" fmla="*/ 3647661 w 3647661"/>
+              <a:gd name="connsiteY11" fmla="*/ 2946855 h 4436126"/>
+              <a:gd name="connsiteX12" fmla="*/ 3647661 w 3647661"/>
+              <a:gd name="connsiteY12" fmla="*/ 3580587 h 4436126"/>
+              <a:gd name="connsiteX13" fmla="*/ 3647661 w 3647661"/>
+              <a:gd name="connsiteY13" fmla="*/ 4436126 h 4436126"/>
+              <a:gd name="connsiteX14" fmla="*/ 3039718 w 3647661"/>
+              <a:gd name="connsiteY14" fmla="*/ 4436126 h 4436126"/>
+              <a:gd name="connsiteX15" fmla="*/ 2431774 w 3647661"/>
+              <a:gd name="connsiteY15" fmla="*/ 4436126 h 4436126"/>
+              <a:gd name="connsiteX16" fmla="*/ 1823831 w 3647661"/>
+              <a:gd name="connsiteY16" fmla="*/ 4436126 h 4436126"/>
+              <a:gd name="connsiteX17" fmla="*/ 1288840 w 3647661"/>
+              <a:gd name="connsiteY17" fmla="*/ 4436126 h 4436126"/>
+              <a:gd name="connsiteX18" fmla="*/ 607943 w 3647661"/>
+              <a:gd name="connsiteY18" fmla="*/ 4436126 h 4436126"/>
+              <a:gd name="connsiteX19" fmla="*/ 0 w 3647661"/>
+              <a:gd name="connsiteY19" fmla="*/ 4436126 h 4436126"/>
+              <a:gd name="connsiteX20" fmla="*/ 0 w 3647661"/>
+              <a:gd name="connsiteY20" fmla="*/ 3758032 h 4436126"/>
+              <a:gd name="connsiteX21" fmla="*/ 0 w 3647661"/>
+              <a:gd name="connsiteY21" fmla="*/ 3035578 h 4436126"/>
+              <a:gd name="connsiteX22" fmla="*/ 0 w 3647661"/>
+              <a:gd name="connsiteY22" fmla="*/ 2401845 h 4436126"/>
+              <a:gd name="connsiteX23" fmla="*/ 0 w 3647661"/>
+              <a:gd name="connsiteY23" fmla="*/ 1768113 h 4436126"/>
+              <a:gd name="connsiteX24" fmla="*/ 0 w 3647661"/>
+              <a:gd name="connsiteY24" fmla="*/ 1178742 h 4436126"/>
+              <a:gd name="connsiteX25" fmla="*/ 0 w 3647661"/>
+              <a:gd name="connsiteY25" fmla="*/ 589371 h 4436126"/>
+              <a:gd name="connsiteX26" fmla="*/ 0 w 3647661"/>
+              <a:gd name="connsiteY26" fmla="*/ 0 h 4436126"/>
+            </a:gdLst>
+            <a:ahLst/>
+            <a:cxnLst>
+              <a:cxn ang="0">
+                <a:pos x="connsiteX0" y="connsiteY0"/>
+              </a:cxn>
+              <a:cxn ang="0">
+                <a:pos x="connsiteX1" y="connsiteY1"/>
+              </a:cxn>
+              <a:cxn ang="0">
+                <a:pos x="connsiteX2" y="connsiteY2"/>
+              </a:cxn>
+              <a:cxn ang="0">
+                <a:pos x="connsiteX3" y="connsiteY3"/>
+              </a:cxn>
+              <a:cxn ang="0">
+                <a:pos x="connsiteX4" y="connsiteY4"/>
+              </a:cxn>
+              <a:cxn ang="0">
+                <a:pos x="connsiteX5" y="connsiteY5"/>
+              </a:cxn>
+              <a:cxn ang="0">
+                <a:pos x="connsiteX6" y="connsiteY6"/>
+              </a:cxn>
+              <a:cxn ang="0">
+                <a:pos x="connsiteX7" y="connsiteY7"/>
+              </a:cxn>
+              <a:cxn ang="0">
+                <a:pos x="connsiteX8" y="connsiteY8"/>
+              </a:cxn>
+              <a:cxn ang="0">
+                <a:pos x="connsiteX9" y="connsiteY9"/>
+              </a:cxn>
+              <a:cxn ang="0">
+                <a:pos x="connsiteX10" y="connsiteY10"/>
+              </a:cxn>
+              <a:cxn ang="0">
+                <a:pos x="connsiteX11" y="connsiteY11"/>
+              </a:cxn>
+              <a:cxn ang="0">
+                <a:pos x="connsiteX12" y="connsiteY12"/>
+              </a:cxn>
+              <a:cxn ang="0">
+                <a:pos x="connsiteX13" y="connsiteY13"/>
+              </a:cxn>
+              <a:cxn ang="0">
+                <a:pos x="connsiteX14" y="connsiteY14"/>
+              </a:cxn>
+              <a:cxn ang="0">
+                <a:pos x="connsiteX15" y="connsiteY15"/>
+              </a:cxn>
+              <a:cxn ang="0">
+                <a:pos x="connsiteX16" y="connsiteY16"/>
+              </a:cxn>
+              <a:cxn ang="0">
+                <a:pos x="connsiteX17" y="connsiteY17"/>
+              </a:cxn>
+              <a:cxn ang="0">
+                <a:pos x="connsiteX18" y="connsiteY18"/>
+              </a:cxn>
+              <a:cxn ang="0">
+                <a:pos x="connsiteX19" y="connsiteY19"/>
+              </a:cxn>
+              <a:cxn ang="0">
+                <a:pos x="connsiteX20" y="connsiteY20"/>
+              </a:cxn>
+              <a:cxn ang="0">
+                <a:pos x="connsiteX21" y="connsiteY21"/>
+              </a:cxn>
+              <a:cxn ang="0">
+                <a:pos x="connsiteX22" y="connsiteY22"/>
+              </a:cxn>
+              <a:cxn ang="0">
+                <a:pos x="connsiteX23" y="connsiteY23"/>
+              </a:cxn>
+              <a:cxn ang="0">
+                <a:pos x="connsiteX24" y="connsiteY24"/>
+              </a:cxn>
+              <a:cxn ang="0">
+                <a:pos x="connsiteX25" y="connsiteY25"/>
+              </a:cxn>
+              <a:cxn ang="0">
+                <a:pos x="connsiteX26" y="connsiteY26"/>
+              </a:cxn>
+            </a:cxnLst>
+            <a:rect l="l" t="t" r="r" b="b"/>
+            <a:pathLst>
+              <a:path w="3647661" h="4436126" fill="none" extrusionOk="0">
+                <a:moveTo>
+                  <a:pt x="0" y="0"/>
+                </a:moveTo>
+                <a:cubicBezTo>
+                  <a:pt x="116158" y="-16963"/>
+                  <a:pt x="364681" y="-4006"/>
+                  <a:pt x="498514" y="0"/>
+                </a:cubicBezTo>
+                <a:cubicBezTo>
+                  <a:pt x="632347" y="4006"/>
+                  <a:pt x="950865" y="15164"/>
+                  <a:pt x="1069981" y="0"/>
+                </a:cubicBezTo>
+                <a:cubicBezTo>
+                  <a:pt x="1189097" y="-15164"/>
+                  <a:pt x="1556518" y="-23132"/>
+                  <a:pt x="1714401" y="0"/>
+                </a:cubicBezTo>
+                <a:cubicBezTo>
+                  <a:pt x="1872284" y="23132"/>
+                  <a:pt x="2015985" y="9364"/>
+                  <a:pt x="2285868" y="0"/>
+                </a:cubicBezTo>
+                <a:cubicBezTo>
+                  <a:pt x="2555751" y="-9364"/>
+                  <a:pt x="2555148" y="14141"/>
+                  <a:pt x="2784381" y="0"/>
+                </a:cubicBezTo>
+                <a:cubicBezTo>
+                  <a:pt x="3013614" y="-14141"/>
+                  <a:pt x="3216105" y="-3763"/>
+                  <a:pt x="3647661" y="0"/>
+                </a:cubicBezTo>
+                <a:cubicBezTo>
+                  <a:pt x="3623206" y="221859"/>
+                  <a:pt x="3622213" y="458853"/>
+                  <a:pt x="3647661" y="633732"/>
+                </a:cubicBezTo>
+                <a:cubicBezTo>
+                  <a:pt x="3673109" y="808611"/>
+                  <a:pt x="3674779" y="1138417"/>
+                  <a:pt x="3647661" y="1267465"/>
+                </a:cubicBezTo>
+                <a:cubicBezTo>
+                  <a:pt x="3620543" y="1396513"/>
+                  <a:pt x="3664792" y="1625185"/>
+                  <a:pt x="3647661" y="1768113"/>
+                </a:cubicBezTo>
+                <a:cubicBezTo>
+                  <a:pt x="3630530" y="1911041"/>
+                  <a:pt x="3671056" y="2135008"/>
+                  <a:pt x="3647661" y="2446207"/>
+                </a:cubicBezTo>
+                <a:cubicBezTo>
+                  <a:pt x="3624266" y="2757406"/>
+                  <a:pt x="3642702" y="2713342"/>
+                  <a:pt x="3647661" y="2946855"/>
+                </a:cubicBezTo>
+                <a:cubicBezTo>
+                  <a:pt x="3652620" y="3180368"/>
+                  <a:pt x="3664319" y="3290221"/>
+                  <a:pt x="3647661" y="3580587"/>
+                </a:cubicBezTo>
+                <a:cubicBezTo>
+                  <a:pt x="3631003" y="3870953"/>
+                  <a:pt x="3617531" y="4259425"/>
+                  <a:pt x="3647661" y="4436126"/>
+                </a:cubicBezTo>
+                <a:cubicBezTo>
+                  <a:pt x="3523929" y="4410412"/>
+                  <a:pt x="3241413" y="4436068"/>
+                  <a:pt x="3039718" y="4436126"/>
+                </a:cubicBezTo>
+                <a:cubicBezTo>
+                  <a:pt x="2838023" y="4436184"/>
+                  <a:pt x="2630387" y="4431142"/>
+                  <a:pt x="2431774" y="4436126"/>
+                </a:cubicBezTo>
+                <a:cubicBezTo>
+                  <a:pt x="2233161" y="4441110"/>
+                  <a:pt x="2003296" y="4449826"/>
+                  <a:pt x="1823831" y="4436126"/>
+                </a:cubicBezTo>
+                <a:cubicBezTo>
+                  <a:pt x="1644366" y="4422426"/>
+                  <a:pt x="1399453" y="4442442"/>
+                  <a:pt x="1288840" y="4436126"/>
+                </a:cubicBezTo>
+                <a:cubicBezTo>
+                  <a:pt x="1178227" y="4429810"/>
+                  <a:pt x="793482" y="4411099"/>
+                  <a:pt x="607943" y="4436126"/>
+                </a:cubicBezTo>
+                <a:cubicBezTo>
+                  <a:pt x="422404" y="4461153"/>
+                  <a:pt x="158703" y="4453091"/>
+                  <a:pt x="0" y="4436126"/>
+                </a:cubicBezTo>
+                <a:cubicBezTo>
+                  <a:pt x="8129" y="4099466"/>
+                  <a:pt x="23502" y="4014012"/>
+                  <a:pt x="0" y="3758032"/>
+                </a:cubicBezTo>
+                <a:cubicBezTo>
+                  <a:pt x="-23502" y="3502052"/>
+                  <a:pt x="8018" y="3295661"/>
+                  <a:pt x="0" y="3035578"/>
+                </a:cubicBezTo>
+                <a:cubicBezTo>
+                  <a:pt x="-8018" y="2775495"/>
+                  <a:pt x="-8720" y="2595880"/>
+                  <a:pt x="0" y="2401845"/>
+                </a:cubicBezTo>
+                <a:cubicBezTo>
+                  <a:pt x="8720" y="2207810"/>
+                  <a:pt x="9279" y="1982551"/>
+                  <a:pt x="0" y="1768113"/>
+                </a:cubicBezTo>
+                <a:cubicBezTo>
+                  <a:pt x="-9279" y="1553675"/>
+                  <a:pt x="7090" y="1354447"/>
+                  <a:pt x="0" y="1178742"/>
+                </a:cubicBezTo>
+                <a:cubicBezTo>
+                  <a:pt x="-7090" y="1003037"/>
+                  <a:pt x="-23786" y="768334"/>
+                  <a:pt x="0" y="589371"/>
+                </a:cubicBezTo>
+                <a:cubicBezTo>
+                  <a:pt x="23786" y="410408"/>
+                  <a:pt x="-16955" y="242082"/>
+                  <a:pt x="0" y="0"/>
+                </a:cubicBezTo>
+                <a:close/>
+              </a:path>
+              <a:path w="3647661" h="4436126" stroke="0" extrusionOk="0">
+                <a:moveTo>
+                  <a:pt x="0" y="0"/>
+                </a:moveTo>
+                <a:cubicBezTo>
+                  <a:pt x="171149" y="-7244"/>
+                  <a:pt x="374684" y="2591"/>
+                  <a:pt x="534990" y="0"/>
+                </a:cubicBezTo>
+                <a:cubicBezTo>
+                  <a:pt x="695296" y="-2591"/>
+                  <a:pt x="907320" y="7483"/>
+                  <a:pt x="1069981" y="0"/>
+                </a:cubicBezTo>
+                <a:cubicBezTo>
+                  <a:pt x="1232642" y="-7483"/>
+                  <a:pt x="1543604" y="-26203"/>
+                  <a:pt x="1677924" y="0"/>
+                </a:cubicBezTo>
+                <a:cubicBezTo>
+                  <a:pt x="1812244" y="26203"/>
+                  <a:pt x="2140632" y="31361"/>
+                  <a:pt x="2322344" y="0"/>
+                </a:cubicBezTo>
+                <a:cubicBezTo>
+                  <a:pt x="2504056" y="-31361"/>
+                  <a:pt x="2658834" y="3381"/>
+                  <a:pt x="2893811" y="0"/>
+                </a:cubicBezTo>
+                <a:cubicBezTo>
+                  <a:pt x="3128788" y="-3381"/>
+                  <a:pt x="3338741" y="-10376"/>
+                  <a:pt x="3647661" y="0"/>
+                </a:cubicBezTo>
+                <a:cubicBezTo>
+                  <a:pt x="3628986" y="244498"/>
+                  <a:pt x="3624774" y="362520"/>
+                  <a:pt x="3647661" y="545010"/>
+                </a:cubicBezTo>
+                <a:cubicBezTo>
+                  <a:pt x="3670549" y="727500"/>
+                  <a:pt x="3619543" y="968439"/>
+                  <a:pt x="3647661" y="1134381"/>
+                </a:cubicBezTo>
+                <a:cubicBezTo>
+                  <a:pt x="3675779" y="1300323"/>
+                  <a:pt x="3670065" y="1646297"/>
+                  <a:pt x="3647661" y="1856836"/>
+                </a:cubicBezTo>
+                <a:cubicBezTo>
+                  <a:pt x="3625257" y="2067375"/>
+                  <a:pt x="3632904" y="2315399"/>
+                  <a:pt x="3647661" y="2490568"/>
+                </a:cubicBezTo>
+                <a:cubicBezTo>
+                  <a:pt x="3662418" y="2665737"/>
+                  <a:pt x="3616073" y="2880164"/>
+                  <a:pt x="3647661" y="3124300"/>
+                </a:cubicBezTo>
+                <a:cubicBezTo>
+                  <a:pt x="3679249" y="3368436"/>
+                  <a:pt x="3677361" y="3519722"/>
+                  <a:pt x="3647661" y="3758032"/>
+                </a:cubicBezTo>
+                <a:cubicBezTo>
+                  <a:pt x="3617961" y="3996342"/>
+                  <a:pt x="3615180" y="4147465"/>
+                  <a:pt x="3647661" y="4436126"/>
+                </a:cubicBezTo>
+                <a:cubicBezTo>
+                  <a:pt x="3506685" y="4421969"/>
+                  <a:pt x="3266652" y="4433618"/>
+                  <a:pt x="3149147" y="4436126"/>
+                </a:cubicBezTo>
+                <a:cubicBezTo>
+                  <a:pt x="3031642" y="4438634"/>
+                  <a:pt x="2832267" y="4432536"/>
+                  <a:pt x="2650634" y="4436126"/>
+                </a:cubicBezTo>
+                <a:cubicBezTo>
+                  <a:pt x="2469001" y="4439716"/>
+                  <a:pt x="2324677" y="4416284"/>
+                  <a:pt x="2042690" y="4436126"/>
+                </a:cubicBezTo>
+                <a:cubicBezTo>
+                  <a:pt x="1760703" y="4455968"/>
+                  <a:pt x="1686949" y="4416099"/>
+                  <a:pt x="1398270" y="4436126"/>
+                </a:cubicBezTo>
+                <a:cubicBezTo>
+                  <a:pt x="1109591" y="4456153"/>
+                  <a:pt x="1071585" y="4455485"/>
+                  <a:pt x="899756" y="4436126"/>
+                </a:cubicBezTo>
+                <a:cubicBezTo>
+                  <a:pt x="727927" y="4416767"/>
+                  <a:pt x="344407" y="4430463"/>
+                  <a:pt x="0" y="4436126"/>
+                </a:cubicBezTo>
+                <a:cubicBezTo>
+                  <a:pt x="5440" y="4303018"/>
+                  <a:pt x="91" y="4161914"/>
+                  <a:pt x="0" y="3891116"/>
+                </a:cubicBezTo>
+                <a:cubicBezTo>
+                  <a:pt x="-91" y="3620318"/>
+                  <a:pt x="-11601" y="3462294"/>
+                  <a:pt x="0" y="3301745"/>
+                </a:cubicBezTo>
+                <a:cubicBezTo>
+                  <a:pt x="11601" y="3141196"/>
+                  <a:pt x="22776" y="2916996"/>
+                  <a:pt x="0" y="2756735"/>
+                </a:cubicBezTo>
+                <a:cubicBezTo>
+                  <a:pt x="-22776" y="2596474"/>
+                  <a:pt x="5257" y="2440491"/>
+                  <a:pt x="0" y="2256087"/>
+                </a:cubicBezTo>
+                <a:cubicBezTo>
+                  <a:pt x="-5257" y="2071683"/>
+                  <a:pt x="20189" y="1902567"/>
+                  <a:pt x="0" y="1666716"/>
+                </a:cubicBezTo>
+                <a:cubicBezTo>
+                  <a:pt x="-20189" y="1430865"/>
+                  <a:pt x="-21241" y="1161108"/>
+                  <a:pt x="0" y="988622"/>
+                </a:cubicBezTo>
+                <a:cubicBezTo>
+                  <a:pt x="21241" y="816136"/>
+                  <a:pt x="17108" y="406740"/>
+                  <a:pt x="0" y="0"/>
+                </a:cubicBezTo>
+                <a:close/>
+              </a:path>
+            </a:pathLst>
+          </a:custGeom>
+          <a:solidFill>
+            <a:schemeClr val="accent2"/>
+          </a:solidFill>
+          <a:ln w="57150">
+            <a:solidFill>
+              <a:schemeClr val="accent2"/>
+            </a:solidFill>
+            <a:extLst>
+              <a:ext uri="{C807C97D-BFC1-408E-A445-0C87EB9F89A2}">
+                <ask:lineSketchStyleProps xmlns:ask="http://schemas.microsoft.com/office/drawing/2018/sketchyshapes" sd="687283399">
+                  <a:prstGeom prst="rect">
+                    <a:avLst/>
+                  </a:prstGeom>
+                  <ask:type>
+                    <ask:lineSketchFreehand/>
+                  </ask:type>
+                </ask:lineSketchStyleProps>
+              </a:ext>
+            </a:extLst>
+          </a:ln>
+        </p:spPr>
+        <p:style>
+          <a:lnRef idx="2">
+            <a:schemeClr val="accent1">
+              <a:shade val="50000"/>
+            </a:schemeClr>
+          </a:lnRef>
+          <a:fillRef idx="1">
+            <a:schemeClr val="accent1"/>
+          </a:fillRef>
+          <a:effectRef idx="0">
+            <a:schemeClr val="accent1"/>
+          </a:effectRef>
+          <a:fontRef idx="minor">
+            <a:schemeClr val="lt1"/>
+          </a:fontRef>
+        </p:style>
+        <p:txBody>
+          <a:bodyPr rtlCol="0" anchor="ctr"/>
+          <a:lstStyle/>
+          <a:p>
+            <a:pPr algn="ctr"/>
+            <a:endParaRPr lang="en-US"/>
+          </a:p>
+        </p:txBody>
+      </p:sp>
+      <p:sp>
+        <p:nvSpPr>
+          <p:cNvPr id="11" name="sketch line">
+            <a:extLst>
+              <a:ext uri="{FF2B5EF4-FFF2-40B4-BE49-F238E27FC236}">
+                <a16:creationId xmlns:a16="http://schemas.microsoft.com/office/drawing/2014/main" id="{2A39B854-4B6C-4F7F-A602-6F97770CED70}"/>
+              </a:ext>
+              <a:ext uri="{C183D7F6-B498-43B3-948B-1728B52AA6E4}">
+                <adec:decorative xmlns:adec="http://schemas.microsoft.com/office/drawing/2017/decorative" val="1"/>
+              </a:ext>
+            </a:extLst>
+          </p:cNvPr>
+          <p:cNvSpPr>
+            <a:spLocks noGrp="1" noRot="1" noChangeAspect="1" noMove="1" noResize="1" noEditPoints="1" noAdjustHandles="1" noChangeArrowheads="1" noChangeShapeType="1" noTextEdit="1"/>
+          </p:cNvSpPr>
+          <p:nvPr>
+            <p:extLst>
+              <p:ext uri="{386F3935-93C4-4BCD-93E2-E3B085C9AB24}">
+                <p16:designElem xmlns:p16="http://schemas.microsoft.com/office/powerpoint/2015/main" val="1"/>
+              </p:ext>
+            </p:extLst>
+          </p:nvPr>
+        </p:nvSpPr>
+        <p:spPr>
+          <a:xfrm>
+            <a:off x="838199" y="5439978"/>
+            <a:ext cx="6281928" cy="18288"/>
+          </a:xfrm>
+          <a:custGeom>
+            <a:avLst/>
+            <a:gdLst>
+              <a:gd name="connsiteX0" fmla="*/ 0 w 6281928"/>
+              <a:gd name="connsiteY0" fmla="*/ 0 h 18288"/>
+              <a:gd name="connsiteX1" fmla="*/ 572353 w 6281928"/>
+              <a:gd name="connsiteY1" fmla="*/ 0 h 18288"/>
+              <a:gd name="connsiteX2" fmla="*/ 1207526 w 6281928"/>
+              <a:gd name="connsiteY2" fmla="*/ 0 h 18288"/>
+              <a:gd name="connsiteX3" fmla="*/ 1779880 w 6281928"/>
+              <a:gd name="connsiteY3" fmla="*/ 0 h 18288"/>
+              <a:gd name="connsiteX4" fmla="*/ 2540691 w 6281928"/>
+              <a:gd name="connsiteY4" fmla="*/ 0 h 18288"/>
+              <a:gd name="connsiteX5" fmla="*/ 3238683 w 6281928"/>
+              <a:gd name="connsiteY5" fmla="*/ 0 h 18288"/>
+              <a:gd name="connsiteX6" fmla="*/ 3936675 w 6281928"/>
+              <a:gd name="connsiteY6" fmla="*/ 0 h 18288"/>
+              <a:gd name="connsiteX7" fmla="*/ 4760305 w 6281928"/>
+              <a:gd name="connsiteY7" fmla="*/ 0 h 18288"/>
+              <a:gd name="connsiteX8" fmla="*/ 5521117 w 6281928"/>
+              <a:gd name="connsiteY8" fmla="*/ 0 h 18288"/>
+              <a:gd name="connsiteX9" fmla="*/ 6281928 w 6281928"/>
+              <a:gd name="connsiteY9" fmla="*/ 0 h 18288"/>
+              <a:gd name="connsiteX10" fmla="*/ 6281928 w 6281928"/>
+              <a:gd name="connsiteY10" fmla="*/ 18288 h 18288"/>
+              <a:gd name="connsiteX11" fmla="*/ 5772394 w 6281928"/>
+              <a:gd name="connsiteY11" fmla="*/ 18288 h 18288"/>
+              <a:gd name="connsiteX12" fmla="*/ 5200040 w 6281928"/>
+              <a:gd name="connsiteY12" fmla="*/ 18288 h 18288"/>
+              <a:gd name="connsiteX13" fmla="*/ 4439229 w 6281928"/>
+              <a:gd name="connsiteY13" fmla="*/ 18288 h 18288"/>
+              <a:gd name="connsiteX14" fmla="*/ 3615599 w 6281928"/>
+              <a:gd name="connsiteY14" fmla="*/ 18288 h 18288"/>
+              <a:gd name="connsiteX15" fmla="*/ 2980426 w 6281928"/>
+              <a:gd name="connsiteY15" fmla="*/ 18288 h 18288"/>
+              <a:gd name="connsiteX16" fmla="*/ 2156795 w 6281928"/>
+              <a:gd name="connsiteY16" fmla="*/ 18288 h 18288"/>
+              <a:gd name="connsiteX17" fmla="*/ 1584442 w 6281928"/>
+              <a:gd name="connsiteY17" fmla="*/ 18288 h 18288"/>
+              <a:gd name="connsiteX18" fmla="*/ 1074908 w 6281928"/>
+              <a:gd name="connsiteY18" fmla="*/ 18288 h 18288"/>
+              <a:gd name="connsiteX19" fmla="*/ 0 w 6281928"/>
+              <a:gd name="connsiteY19" fmla="*/ 18288 h 18288"/>
+              <a:gd name="connsiteX20" fmla="*/ 0 w 6281928"/>
+              <a:gd name="connsiteY20" fmla="*/ 0 h 18288"/>
+            </a:gdLst>
+            <a:ahLst/>
+            <a:cxnLst>
+              <a:cxn ang="0">
+                <a:pos x="connsiteX0" y="connsiteY0"/>
+              </a:cxn>
+              <a:cxn ang="0">
+                <a:pos x="connsiteX1" y="connsiteY1"/>
+              </a:cxn>
+              <a:cxn ang="0">
+                <a:pos x="connsiteX2" y="connsiteY2"/>
+              </a:cxn>
+              <a:cxn ang="0">
+                <a:pos x="connsiteX3" y="connsiteY3"/>
+              </a:cxn>
+              <a:cxn ang="0">
+                <a:pos x="connsiteX4" y="connsiteY4"/>
+              </a:cxn>
+              <a:cxn ang="0">
+                <a:pos x="connsiteX5" y="connsiteY5"/>
+              </a:cxn>
+              <a:cxn ang="0">
+                <a:pos x="connsiteX6" y="connsiteY6"/>
+              </a:cxn>
+              <a:cxn ang="0">
+                <a:pos x="connsiteX7" y="connsiteY7"/>
+              </a:cxn>
+              <a:cxn ang="0">
+                <a:pos x="connsiteX8" y="connsiteY8"/>
+              </a:cxn>
+              <a:cxn ang="0">
+                <a:pos x="connsiteX9" y="connsiteY9"/>
+              </a:cxn>
+              <a:cxn ang="0">
+                <a:pos x="connsiteX10" y="connsiteY10"/>
+              </a:cxn>
+              <a:cxn ang="0">
+                <a:pos x="connsiteX11" y="connsiteY11"/>
+              </a:cxn>
+              <a:cxn ang="0">
+                <a:pos x="connsiteX12" y="connsiteY12"/>
+              </a:cxn>
+              <a:cxn ang="0">
+                <a:pos x="connsiteX13" y="connsiteY13"/>
+              </a:cxn>
+              <a:cxn ang="0">
+                <a:pos x="connsiteX14" y="connsiteY14"/>
+              </a:cxn>
+              <a:cxn ang="0">
+                <a:pos x="connsiteX15" y="connsiteY15"/>
+              </a:cxn>
+              <a:cxn ang="0">
+                <a:pos x="connsiteX16" y="connsiteY16"/>
+              </a:cxn>
+              <a:cxn ang="0">
+                <a:pos x="connsiteX17" y="connsiteY17"/>
+              </a:cxn>
+              <a:cxn ang="0">
+                <a:pos x="connsiteX18" y="connsiteY18"/>
+              </a:cxn>
+              <a:cxn ang="0">
+                <a:pos x="connsiteX19" y="connsiteY19"/>
+              </a:cxn>
+              <a:cxn ang="0">
+                <a:pos x="connsiteX20" y="connsiteY20"/>
+              </a:cxn>
+            </a:cxnLst>
+            <a:rect l="l" t="t" r="r" b="b"/>
+            <a:pathLst>
+              <a:path w="6281928" h="18288" fill="none" extrusionOk="0">
+                <a:moveTo>
+                  <a:pt x="0" y="0"/>
+                </a:moveTo>
+                <a:cubicBezTo>
+                  <a:pt x="205960" y="24870"/>
+                  <a:pt x="343550" y="5918"/>
+                  <a:pt x="572353" y="0"/>
+                </a:cubicBezTo>
+                <a:cubicBezTo>
+                  <a:pt x="801156" y="-5918"/>
+                  <a:pt x="1015649" y="-11381"/>
+                  <a:pt x="1207526" y="0"/>
+                </a:cubicBezTo>
+                <a:cubicBezTo>
+                  <a:pt x="1399403" y="11381"/>
+                  <a:pt x="1549725" y="7866"/>
+                  <a:pt x="1779880" y="0"/>
+                </a:cubicBezTo>
+                <a:cubicBezTo>
+                  <a:pt x="2010035" y="-7866"/>
+                  <a:pt x="2190674" y="12826"/>
+                  <a:pt x="2540691" y="0"/>
+                </a:cubicBezTo>
+                <a:cubicBezTo>
+                  <a:pt x="2890708" y="-12826"/>
+                  <a:pt x="3025718" y="-18534"/>
+                  <a:pt x="3238683" y="0"/>
+                </a:cubicBezTo>
+                <a:cubicBezTo>
+                  <a:pt x="3451648" y="18534"/>
+                  <a:pt x="3603947" y="14884"/>
+                  <a:pt x="3936675" y="0"/>
+                </a:cubicBezTo>
+                <a:cubicBezTo>
+                  <a:pt x="4269403" y="-14884"/>
+                  <a:pt x="4480718" y="-24607"/>
+                  <a:pt x="4760305" y="0"/>
+                </a:cubicBezTo>
+                <a:cubicBezTo>
+                  <a:pt x="5039892" y="24607"/>
+                  <a:pt x="5359549" y="-31311"/>
+                  <a:pt x="5521117" y="0"/>
+                </a:cubicBezTo>
+                <a:cubicBezTo>
+                  <a:pt x="5682685" y="31311"/>
+                  <a:pt x="5986067" y="-12593"/>
+                  <a:pt x="6281928" y="0"/>
+                </a:cubicBezTo>
+                <a:cubicBezTo>
+                  <a:pt x="6282307" y="7355"/>
+                  <a:pt x="6282212" y="10249"/>
+                  <a:pt x="6281928" y="18288"/>
+                </a:cubicBezTo>
+                <a:cubicBezTo>
+                  <a:pt x="6078981" y="8428"/>
+                  <a:pt x="5961061" y="2290"/>
+                  <a:pt x="5772394" y="18288"/>
+                </a:cubicBezTo>
+                <a:cubicBezTo>
+                  <a:pt x="5583727" y="34286"/>
+                  <a:pt x="5329968" y="24208"/>
+                  <a:pt x="5200040" y="18288"/>
+                </a:cubicBezTo>
+                <a:cubicBezTo>
+                  <a:pt x="5070112" y="12368"/>
+                  <a:pt x="4793288" y="21070"/>
+                  <a:pt x="4439229" y="18288"/>
+                </a:cubicBezTo>
+                <a:cubicBezTo>
+                  <a:pt x="4085170" y="15506"/>
+                  <a:pt x="3813765" y="-16466"/>
+                  <a:pt x="3615599" y="18288"/>
+                </a:cubicBezTo>
+                <a:cubicBezTo>
+                  <a:pt x="3417433" y="53042"/>
+                  <a:pt x="3133643" y="20727"/>
+                  <a:pt x="2980426" y="18288"/>
+                </a:cubicBezTo>
+                <a:cubicBezTo>
+                  <a:pt x="2827209" y="15849"/>
+                  <a:pt x="2380685" y="51850"/>
+                  <a:pt x="2156795" y="18288"/>
+                </a:cubicBezTo>
+                <a:cubicBezTo>
+                  <a:pt x="1932905" y="-15274"/>
+                  <a:pt x="1716744" y="-1398"/>
+                  <a:pt x="1584442" y="18288"/>
+                </a:cubicBezTo>
+                <a:cubicBezTo>
+                  <a:pt x="1452140" y="37974"/>
+                  <a:pt x="1280887" y="12750"/>
+                  <a:pt x="1074908" y="18288"/>
+                </a:cubicBezTo>
+                <a:cubicBezTo>
+                  <a:pt x="868929" y="23826"/>
+                  <a:pt x="318124" y="-17878"/>
+                  <a:pt x="0" y="18288"/>
+                </a:cubicBezTo>
+                <a:cubicBezTo>
+                  <a:pt x="-384" y="12702"/>
+                  <a:pt x="-513" y="4636"/>
+                  <a:pt x="0" y="0"/>
+                </a:cubicBezTo>
+                <a:close/>
+              </a:path>
+              <a:path w="6281928" h="18288" stroke="0" extrusionOk="0">
+                <a:moveTo>
+                  <a:pt x="0" y="0"/>
+                </a:moveTo>
+                <a:cubicBezTo>
+                  <a:pt x="135290" y="27650"/>
+                  <a:pt x="488372" y="4391"/>
+                  <a:pt x="635173" y="0"/>
+                </a:cubicBezTo>
+                <a:cubicBezTo>
+                  <a:pt x="781974" y="-4391"/>
+                  <a:pt x="992816" y="14310"/>
+                  <a:pt x="1144707" y="0"/>
+                </a:cubicBezTo>
+                <a:cubicBezTo>
+                  <a:pt x="1296598" y="-14310"/>
+                  <a:pt x="1796462" y="-1258"/>
+                  <a:pt x="1968337" y="0"/>
+                </a:cubicBezTo>
+                <a:cubicBezTo>
+                  <a:pt x="2140212" y="1258"/>
+                  <a:pt x="2343376" y="-12852"/>
+                  <a:pt x="2603510" y="0"/>
+                </a:cubicBezTo>
+                <a:cubicBezTo>
+                  <a:pt x="2863644" y="12852"/>
+                  <a:pt x="2935073" y="-10591"/>
+                  <a:pt x="3238683" y="0"/>
+                </a:cubicBezTo>
+                <a:cubicBezTo>
+                  <a:pt x="3542293" y="10591"/>
+                  <a:pt x="3731676" y="3538"/>
+                  <a:pt x="4062313" y="0"/>
+                </a:cubicBezTo>
+                <a:cubicBezTo>
+                  <a:pt x="4392950" y="-3538"/>
+                  <a:pt x="4440715" y="28126"/>
+                  <a:pt x="4634667" y="0"/>
+                </a:cubicBezTo>
+                <a:cubicBezTo>
+                  <a:pt x="4828619" y="-28126"/>
+                  <a:pt x="5052661" y="8974"/>
+                  <a:pt x="5458297" y="0"/>
+                </a:cubicBezTo>
+                <a:cubicBezTo>
+                  <a:pt x="5863933" y="-8974"/>
+                  <a:pt x="5906900" y="-24516"/>
+                  <a:pt x="6281928" y="0"/>
+                </a:cubicBezTo>
+                <a:cubicBezTo>
+                  <a:pt x="6282268" y="5688"/>
+                  <a:pt x="6281759" y="13142"/>
+                  <a:pt x="6281928" y="18288"/>
+                </a:cubicBezTo>
+                <a:cubicBezTo>
+                  <a:pt x="6036108" y="15339"/>
+                  <a:pt x="5743611" y="10415"/>
+                  <a:pt x="5583936" y="18288"/>
+                </a:cubicBezTo>
+                <a:cubicBezTo>
+                  <a:pt x="5424261" y="26161"/>
+                  <a:pt x="5250533" y="-179"/>
+                  <a:pt x="4948763" y="18288"/>
+                </a:cubicBezTo>
+                <a:cubicBezTo>
+                  <a:pt x="4646993" y="36755"/>
+                  <a:pt x="4354673" y="7565"/>
+                  <a:pt x="4125133" y="18288"/>
+                </a:cubicBezTo>
+                <a:cubicBezTo>
+                  <a:pt x="3895593" y="29012"/>
+                  <a:pt x="3570246" y="29209"/>
+                  <a:pt x="3301502" y="18288"/>
+                </a:cubicBezTo>
+                <a:cubicBezTo>
+                  <a:pt x="3032758" y="7367"/>
+                  <a:pt x="2955340" y="11905"/>
+                  <a:pt x="2729149" y="18288"/>
+                </a:cubicBezTo>
+                <a:cubicBezTo>
+                  <a:pt x="2502958" y="24671"/>
+                  <a:pt x="2269423" y="3142"/>
+                  <a:pt x="2031157" y="18288"/>
+                </a:cubicBezTo>
+                <a:cubicBezTo>
+                  <a:pt x="1792891" y="33434"/>
+                  <a:pt x="1484731" y="22122"/>
+                  <a:pt x="1207526" y="18288"/>
+                </a:cubicBezTo>
+                <a:cubicBezTo>
+                  <a:pt x="930321" y="14454"/>
+                  <a:pt x="560231" y="-33402"/>
+                  <a:pt x="0" y="18288"/>
+                </a:cubicBezTo>
+                <a:cubicBezTo>
+                  <a:pt x="-478" y="10520"/>
+                  <a:pt x="210" y="5044"/>
+                  <a:pt x="0" y="0"/>
+                </a:cubicBezTo>
+                <a:close/>
+              </a:path>
+            </a:pathLst>
+          </a:custGeom>
+          <a:solidFill>
+            <a:schemeClr val="accent2"/>
+          </a:solidFill>
+          <a:ln w="41275" cap="rnd">
+            <a:solidFill>
+              <a:schemeClr val="accent2"/>
+            </a:solidFill>
+            <a:round/>
+            <a:extLst>
+              <a:ext uri="{C807C97D-BFC1-408E-A445-0C87EB9F89A2}">
+                <ask:lineSketchStyleProps xmlns:ask="http://schemas.microsoft.com/office/drawing/2018/sketchyshapes" sd="1219033472">
+                  <a:prstGeom prst="rect">
+                    <a:avLst/>
+                  </a:prstGeom>
+                  <ask:type>
+                    <ask:lineSketchFreehand/>
+                  </ask:type>
+                </ask:lineSketchStyleProps>
+              </a:ext>
+            </a:extLst>
+          </a:ln>
+        </p:spPr>
+        <p:style>
+          <a:lnRef idx="2">
+            <a:schemeClr val="accent1">
+              <a:shade val="50000"/>
+            </a:schemeClr>
+          </a:lnRef>
+          <a:fillRef idx="1">
+            <a:schemeClr val="accent1"/>
+          </a:fillRef>
+          <a:effectRef idx="0">
+            <a:schemeClr val="accent1"/>
+          </a:effectRef>
+          <a:fontRef idx="minor">
+            <a:schemeClr val="lt1"/>
+          </a:fontRef>
+        </p:style>
+        <p:txBody>
+          <a:bodyPr rtlCol="0" anchor="ctr"/>
+          <a:lstStyle/>
+          <a:p>
+            <a:pPr algn="ctr"/>
+            <a:endParaRPr lang="en-US"/>
+          </a:p>
+        </p:txBody>
+      </p:sp>
+    </p:spTree>
+    <p:extLst>
+      <p:ext uri="{BB962C8B-B14F-4D97-AF65-F5344CB8AC3E}">
+        <p14:creationId xmlns:p14="http://schemas.microsoft.com/office/powerpoint/2010/main" val="4138558144"/>
+      </p:ext>
+    </p:extLst>
+  </p:cSld>
+  <p:clrMapOvr>
+    <a:masterClrMapping/>
+  </p:clrMapOvr>
+</p:sld>
+</file>
+
+<file path=ppt/slides/slide10.xml><?xml version="1.0" encoding="utf-8"?>
+<p:sld xmlns:a="http://schemas.openxmlformats.org/drawingml/2006/main" xmlns:r="http://schemas.openxmlformats.org/officeDocument/2006/relationships" xmlns:p="http://schemas.openxmlformats.org/presentationml/2006/main">
+  <p:cSld>
+    <p:bg>
+      <p:bgPr>
+        <a:solidFill>
+          <a:schemeClr val="bg1"/>
+        </a:solidFill>
+        <a:effectLst/>
+      </p:bgPr>
+    </p:bg>
     <p:spTree>
       <p:nvGrpSpPr>
         <p:cNvPr id="1" name=""/>
@@ -3351,10 +4392,73 @@
       </p:grpSpPr>
       <p:sp>
         <p:nvSpPr>
+          <p:cNvPr id="2060" name="Rectangle 2059">
+            <a:extLst>
+              <a:ext uri="{FF2B5EF4-FFF2-40B4-BE49-F238E27FC236}">
+                <a16:creationId xmlns:a16="http://schemas.microsoft.com/office/drawing/2014/main" id="{A4AC5506-6312-4701-8D3C-40187889A947}"/>
+              </a:ext>
+              <a:ext uri="{C183D7F6-B498-43B3-948B-1728B52AA6E4}">
+                <adec:decorative xmlns:adec="http://schemas.microsoft.com/office/drawing/2017/decorative" val="1"/>
+              </a:ext>
+            </a:extLst>
+          </p:cNvPr>
+          <p:cNvSpPr>
+            <a:spLocks noGrp="1" noRot="1" noChangeAspect="1" noMove="1" noResize="1" noEditPoints="1" noAdjustHandles="1" noChangeArrowheads="1" noChangeShapeType="1" noTextEdit="1"/>
+          </p:cNvSpPr>
+          <p:nvPr>
+            <p:extLst>
+              <p:ext uri="{386F3935-93C4-4BCD-93E2-E3B085C9AB24}">
+                <p16:designElem xmlns:p16="http://schemas.microsoft.com/office/powerpoint/2015/main" val="1"/>
+              </p:ext>
+            </p:extLst>
+          </p:nvPr>
+        </p:nvSpPr>
+        <p:spPr>
+          <a:xfrm>
+            <a:off x="0" y="651752"/>
+            <a:ext cx="12192000" cy="736551"/>
+          </a:xfrm>
+          <a:prstGeom prst="rect">
+            <a:avLst/>
+          </a:prstGeom>
+          <a:solidFill>
+            <a:schemeClr val="tx1"/>
+          </a:solidFill>
+          <a:ln>
+            <a:noFill/>
+          </a:ln>
+        </p:spPr>
+        <p:style>
+          <a:lnRef idx="2">
+            <a:schemeClr val="accent1">
+              <a:shade val="50000"/>
+            </a:schemeClr>
+          </a:lnRef>
+          <a:fillRef idx="1">
+            <a:schemeClr val="accent1"/>
+          </a:fillRef>
+          <a:effectRef idx="0">
+            <a:schemeClr val="accent1"/>
+          </a:effectRef>
+          <a:fontRef idx="minor">
+            <a:schemeClr val="lt1"/>
+          </a:fontRef>
+        </p:style>
+        <p:txBody>
+          <a:bodyPr rtlCol="0" anchor="ctr"/>
+          <a:lstStyle/>
+          <a:p>
+            <a:pPr algn="ctr"/>
+            <a:endParaRPr lang="en-US"/>
+          </a:p>
+        </p:txBody>
+      </p:sp>
+      <p:sp>
+        <p:nvSpPr>
           <p:cNvPr id="2" name="Title 1">
             <a:extLst>
               <a:ext uri="{FF2B5EF4-FFF2-40B4-BE49-F238E27FC236}">
-                <a16:creationId xmlns:a16="http://schemas.microsoft.com/office/drawing/2014/main" id="{C9A7859D-88E0-C8C6-2AFC-D6BFF397D9EC}"/>
+                <a16:creationId xmlns:a16="http://schemas.microsoft.com/office/drawing/2014/main" id="{2D409679-CD7D-A67D-C333-5E32D22C6A64}"/>
               </a:ext>
             </a:extLst>
           </p:cNvPr>
@@ -3362,25 +4466,86 @@
             <a:spLocks noGrp="1"/>
           </p:cNvSpPr>
           <p:nvPr>
-            <p:ph type="ctrTitle"/>
+            <p:ph type="title"/>
           </p:nvPr>
         </p:nvSpPr>
-        <p:spPr/>
+        <p:spPr>
+          <a:xfrm>
+            <a:off x="556532" y="643467"/>
+            <a:ext cx="11210925" cy="744836"/>
+          </a:xfrm>
+        </p:spPr>
         <p:txBody>
-          <a:bodyPr/>
+          <a:bodyPr vert="horz" lIns="91440" tIns="45720" rIns="91440" bIns="45720" rtlCol="0" anchor="ctr">
+            <a:normAutofit/>
+          </a:bodyPr>
           <a:lstStyle/>
           <a:p>
-            <a:r>
-              <a:rPr lang="en-CH" dirty="0"/>
-              <a:t>AWS Direct Connect</a:t>
+            <a:pPr algn="ctr"/>
+            <a:r>
+              <a:rPr lang="en-US" sz="3200" kern="1200">
+                <a:solidFill>
+                  <a:schemeClr val="bg1"/>
+                </a:solidFill>
+                <a:latin typeface="+mj-lt"/>
+                <a:ea typeface="+mj-ea"/>
+                <a:cs typeface="+mj-cs"/>
+              </a:rPr>
+              <a:t>SiteLink</a:t>
             </a:r>
           </a:p>
         </p:txBody>
       </p:sp>
+      <p:pic>
+        <p:nvPicPr>
+          <p:cNvPr id="2052" name="Picture 4" descr="&#10;        Reference architecture diagram showing how to route traffic between AWS Direct Connect locations through the AWS &#10;          global network backbone without traversing any AWS Region with AWS Direct Connect SiteLink. Associate your private or transit virtual &#10;          interfaces (VIFs) to a common AWS Direct Connect gateway and enable SiteLink in those VIFs.&#10;      ">
+            <a:extLst>
+              <a:ext uri="{FF2B5EF4-FFF2-40B4-BE49-F238E27FC236}">
+                <a16:creationId xmlns:a16="http://schemas.microsoft.com/office/drawing/2014/main" id="{09713177-EFD7-F61F-5DFB-C99910FEF7C6}"/>
+              </a:ext>
+            </a:extLst>
+          </p:cNvPr>
+          <p:cNvPicPr>
+            <a:picLocks noChangeAspect="1" noChangeArrowheads="1"/>
+          </p:cNvPicPr>
+          <p:nvPr/>
+        </p:nvPicPr>
+        <p:blipFill>
+          <a:blip r:embed="rId2">
+            <a:extLst>
+              <a:ext uri="{28A0092B-C50C-407E-A947-70E740481C1C}">
+                <a14:useLocalDpi xmlns:a14="http://schemas.microsoft.com/office/drawing/2010/main" val="0"/>
+              </a:ext>
+            </a:extLst>
+          </a:blip>
+          <a:stretch>
+            <a:fillRect/>
+          </a:stretch>
+        </p:blipFill>
+        <p:spPr bwMode="auto">
+          <a:xfrm>
+            <a:off x="2689644" y="1675227"/>
+            <a:ext cx="6812711" cy="4394199"/>
+          </a:xfrm>
+          <a:prstGeom prst="rect">
+            <a:avLst/>
+          </a:prstGeom>
+          <a:noFill/>
+          <a:extLst>
+            <a:ext uri="{909E8E84-426E-40DD-AFC4-6F175D3DCCD1}">
+              <a14:hiddenFill xmlns:a14="http://schemas.microsoft.com/office/drawing/2010/main">
+                <a:solidFill>
+                  <a:srgbClr val="FFFFFF"/>
+                </a:solidFill>
+              </a14:hiddenFill>
+            </a:ext>
+          </a:extLst>
+        </p:spPr>
+      </p:pic>
     </p:spTree>
     <p:extLst>
       <p:ext uri="{BB962C8B-B14F-4D97-AF65-F5344CB8AC3E}">
-        <p14:creationId xmlns:p14="http://schemas.microsoft.com/office/powerpoint/2010/main" val="4138558144"/>
+        <p14:creationId xmlns:p14="http://schemas.microsoft.com/office/powerpoint/2010/main" val="1434108928"/>
       </p:ext>
     </p:extLst>
   </p:cSld>
@@ -3390,9 +4555,17 @@
 </p:sld>
 </file>
 
-<file path=ppt/slides/slide2.xml><?xml version="1.0" encoding="utf-8"?>
+<file path=ppt/slides/slide11.xml><?xml version="1.0" encoding="utf-8"?>
 <p:sld xmlns:a="http://schemas.openxmlformats.org/drawingml/2006/main" xmlns:r="http://schemas.openxmlformats.org/officeDocument/2006/relationships" xmlns:p="http://schemas.openxmlformats.org/presentationml/2006/main">
   <p:cSld>
+    <p:bg>
+      <p:bgPr>
+        <a:solidFill>
+          <a:schemeClr val="bg1"/>
+        </a:solidFill>
+        <a:effectLst/>
+      </p:bgPr>
+    </p:bg>
     <p:spTree>
       <p:nvGrpSpPr>
         <p:cNvPr id="1" name=""/>
@@ -3409,10 +4582,73 @@
       </p:grpSpPr>
       <p:sp>
         <p:nvSpPr>
+          <p:cNvPr id="2065" name="Rectangle 2064">
+            <a:extLst>
+              <a:ext uri="{FF2B5EF4-FFF2-40B4-BE49-F238E27FC236}">
+                <a16:creationId xmlns:a16="http://schemas.microsoft.com/office/drawing/2014/main" id="{A4AC5506-6312-4701-8D3C-40187889A947}"/>
+              </a:ext>
+              <a:ext uri="{C183D7F6-B498-43B3-948B-1728B52AA6E4}">
+                <adec:decorative xmlns:adec="http://schemas.microsoft.com/office/drawing/2017/decorative" val="1"/>
+              </a:ext>
+            </a:extLst>
+          </p:cNvPr>
+          <p:cNvSpPr>
+            <a:spLocks noGrp="1" noRot="1" noChangeAspect="1" noMove="1" noResize="1" noEditPoints="1" noAdjustHandles="1" noChangeArrowheads="1" noChangeShapeType="1" noTextEdit="1"/>
+          </p:cNvSpPr>
+          <p:nvPr>
+            <p:extLst>
+              <p:ext uri="{386F3935-93C4-4BCD-93E2-E3B085C9AB24}">
+                <p16:designElem xmlns:p16="http://schemas.microsoft.com/office/powerpoint/2015/main" val="1"/>
+              </p:ext>
+            </p:extLst>
+          </p:nvPr>
+        </p:nvSpPr>
+        <p:spPr>
+          <a:xfrm>
+            <a:off x="0" y="651752"/>
+            <a:ext cx="12192000" cy="736551"/>
+          </a:xfrm>
+          <a:prstGeom prst="rect">
+            <a:avLst/>
+          </a:prstGeom>
+          <a:solidFill>
+            <a:schemeClr val="tx1"/>
+          </a:solidFill>
+          <a:ln>
+            <a:noFill/>
+          </a:ln>
+        </p:spPr>
+        <p:style>
+          <a:lnRef idx="2">
+            <a:schemeClr val="accent1">
+              <a:shade val="50000"/>
+            </a:schemeClr>
+          </a:lnRef>
+          <a:fillRef idx="1">
+            <a:schemeClr val="accent1"/>
+          </a:fillRef>
+          <a:effectRef idx="0">
+            <a:schemeClr val="accent1"/>
+          </a:effectRef>
+          <a:fontRef idx="minor">
+            <a:schemeClr val="lt1"/>
+          </a:fontRef>
+        </p:style>
+        <p:txBody>
+          <a:bodyPr rtlCol="0" anchor="ctr"/>
+          <a:lstStyle/>
+          <a:p>
+            <a:pPr algn="ctr"/>
+            <a:endParaRPr lang="en-US"/>
+          </a:p>
+        </p:txBody>
+      </p:sp>
+      <p:sp>
+        <p:nvSpPr>
           <p:cNvPr id="2" name="Title 1">
             <a:extLst>
               <a:ext uri="{FF2B5EF4-FFF2-40B4-BE49-F238E27FC236}">
-                <a16:creationId xmlns:a16="http://schemas.microsoft.com/office/drawing/2014/main" id="{9DD216A0-23ED-681A-FCB5-1327FA2A687E}"/>
+                <a16:creationId xmlns:a16="http://schemas.microsoft.com/office/drawing/2014/main" id="{2D409679-CD7D-A67D-C333-5E32D22C6A64}"/>
               </a:ext>
             </a:extLst>
           </p:cNvPr>
@@ -3423,23 +4659,1920 @@
             <p:ph type="title"/>
           </p:nvPr>
         </p:nvSpPr>
-        <p:spPr/>
+        <p:spPr>
+          <a:xfrm>
+            <a:off x="556532" y="643467"/>
+            <a:ext cx="11210925" cy="744836"/>
+          </a:xfrm>
+        </p:spPr>
         <p:txBody>
-          <a:bodyPr/>
+          <a:bodyPr vert="horz" lIns="91440" tIns="45720" rIns="91440" bIns="45720" rtlCol="0" anchor="ctr">
+            <a:normAutofit/>
+          </a:bodyPr>
           <a:lstStyle/>
           <a:p>
-            <a:r>
-              <a:rPr lang="en-CH" dirty="0"/>
-              <a:t>AWS D</a:t>
-            </a:r>
-            <a:r>
-              <a:rPr lang="en-GB" dirty="0" err="1"/>
-              <a:t>i</a:t>
-            </a:r>
-            <a:r>
-              <a:rPr lang="en-CH" dirty="0"/>
-              <a:t>rect Connect</a:t>
-            </a:r>
+            <a:pPr algn="ctr"/>
+            <a:r>
+              <a:rPr lang="en-US" sz="3200" kern="1200">
+                <a:solidFill>
+                  <a:schemeClr val="bg1"/>
+                </a:solidFill>
+                <a:latin typeface="+mj-lt"/>
+                <a:ea typeface="+mj-ea"/>
+                <a:cs typeface="+mj-cs"/>
+              </a:rPr>
+              <a:t>SiteLink</a:t>
+            </a:r>
+            <a:r>
+              <a:rPr lang="en-US" sz="3200" kern="1200" dirty="0">
+                <a:solidFill>
+                  <a:schemeClr val="bg1"/>
+                </a:solidFill>
+                <a:latin typeface="+mj-lt"/>
+                <a:ea typeface="+mj-ea"/>
+                <a:cs typeface="+mj-cs"/>
+              </a:rPr>
+              <a:t> Backup</a:t>
+            </a:r>
+          </a:p>
+        </p:txBody>
+      </p:sp>
+      <p:pic>
+        <p:nvPicPr>
+          <p:cNvPr id="1026" name="Picture 2" descr="&#10;        Reference architecture diagram showing how to use AWS Direct Connect SiteLink as a backup path to your private network to &#10;          route traffic between on-premises locations through the AWS global network backbone &#10;          without traversing any AWS Region.&#10;      ">
+            <a:extLst>
+              <a:ext uri="{FF2B5EF4-FFF2-40B4-BE49-F238E27FC236}">
+                <a16:creationId xmlns:a16="http://schemas.microsoft.com/office/drawing/2014/main" id="{0D4A4813-CA96-9CF1-EFC3-654CAD680AE5}"/>
+              </a:ext>
+            </a:extLst>
+          </p:cNvPr>
+          <p:cNvPicPr>
+            <a:picLocks noChangeAspect="1" noChangeArrowheads="1"/>
+          </p:cNvPicPr>
+          <p:nvPr/>
+        </p:nvPicPr>
+        <p:blipFill>
+          <a:blip r:embed="rId2">
+            <a:extLst>
+              <a:ext uri="{28A0092B-C50C-407E-A947-70E740481C1C}">
+                <a14:useLocalDpi xmlns:a14="http://schemas.microsoft.com/office/drawing/2010/main" val="0"/>
+              </a:ext>
+            </a:extLst>
+          </a:blip>
+          <a:stretch>
+            <a:fillRect/>
+          </a:stretch>
+        </p:blipFill>
+        <p:spPr bwMode="auto">
+          <a:xfrm>
+            <a:off x="2715846" y="1675227"/>
+            <a:ext cx="6760307" cy="4394199"/>
+          </a:xfrm>
+          <a:prstGeom prst="rect">
+            <a:avLst/>
+          </a:prstGeom>
+          <a:noFill/>
+          <a:extLst>
+            <a:ext uri="{909E8E84-426E-40DD-AFC4-6F175D3DCCD1}">
+              <a14:hiddenFill xmlns:a14="http://schemas.microsoft.com/office/drawing/2010/main">
+                <a:solidFill>
+                  <a:srgbClr val="FFFFFF"/>
+                </a:solidFill>
+              </a14:hiddenFill>
+            </a:ext>
+          </a:extLst>
+        </p:spPr>
+      </p:pic>
+    </p:spTree>
+    <p:extLst>
+      <p:ext uri="{BB962C8B-B14F-4D97-AF65-F5344CB8AC3E}">
+        <p14:creationId xmlns:p14="http://schemas.microsoft.com/office/powerpoint/2010/main" val="2175183806"/>
+      </p:ext>
+    </p:extLst>
+  </p:cSld>
+  <p:clrMapOvr>
+    <a:masterClrMapping/>
+  </p:clrMapOvr>
+</p:sld>
+</file>
+
+<file path=ppt/slides/slide12.xml><?xml version="1.0" encoding="utf-8"?>
+<p:sld xmlns:a="http://schemas.openxmlformats.org/drawingml/2006/main" xmlns:r="http://schemas.openxmlformats.org/officeDocument/2006/relationships" xmlns:p="http://schemas.openxmlformats.org/presentationml/2006/main">
+  <p:cSld>
+    <p:bg>
+      <p:bgPr>
+        <a:solidFill>
+          <a:schemeClr val="bg1"/>
+        </a:solidFill>
+        <a:effectLst/>
+      </p:bgPr>
+    </p:bg>
+    <p:spTree>
+      <p:nvGrpSpPr>
+        <p:cNvPr id="1" name=""/>
+        <p:cNvGrpSpPr/>
+        <p:nvPr/>
+      </p:nvGrpSpPr>
+      <p:grpSpPr>
+        <a:xfrm>
+          <a:off x="0" y="0"/>
+          <a:ext cx="0" cy="0"/>
+          <a:chOff x="0" y="0"/>
+          <a:chExt cx="0" cy="0"/>
+        </a:xfrm>
+      </p:grpSpPr>
+      <p:sp>
+        <p:nvSpPr>
+          <p:cNvPr id="3079" name="Rectangle 3078">
+            <a:extLst>
+              <a:ext uri="{FF2B5EF4-FFF2-40B4-BE49-F238E27FC236}">
+                <a16:creationId xmlns:a16="http://schemas.microsoft.com/office/drawing/2014/main" id="{A4AC5506-6312-4701-8D3C-40187889A947}"/>
+              </a:ext>
+              <a:ext uri="{C183D7F6-B498-43B3-948B-1728B52AA6E4}">
+                <adec:decorative xmlns:adec="http://schemas.microsoft.com/office/drawing/2017/decorative" val="1"/>
+              </a:ext>
+            </a:extLst>
+          </p:cNvPr>
+          <p:cNvSpPr>
+            <a:spLocks noGrp="1" noRot="1" noChangeAspect="1" noMove="1" noResize="1" noEditPoints="1" noAdjustHandles="1" noChangeArrowheads="1" noChangeShapeType="1" noTextEdit="1"/>
+          </p:cNvSpPr>
+          <p:nvPr>
+            <p:extLst>
+              <p:ext uri="{386F3935-93C4-4BCD-93E2-E3B085C9AB24}">
+                <p16:designElem xmlns:p16="http://schemas.microsoft.com/office/powerpoint/2015/main" val="1"/>
+              </p:ext>
+            </p:extLst>
+          </p:nvPr>
+        </p:nvSpPr>
+        <p:spPr>
+          <a:xfrm>
+            <a:off x="0" y="651752"/>
+            <a:ext cx="12192000" cy="736551"/>
+          </a:xfrm>
+          <a:prstGeom prst="rect">
+            <a:avLst/>
+          </a:prstGeom>
+          <a:solidFill>
+            <a:schemeClr val="tx1"/>
+          </a:solidFill>
+          <a:ln>
+            <a:noFill/>
+          </a:ln>
+        </p:spPr>
+        <p:style>
+          <a:lnRef idx="2">
+            <a:schemeClr val="accent1">
+              <a:shade val="50000"/>
+            </a:schemeClr>
+          </a:lnRef>
+          <a:fillRef idx="1">
+            <a:schemeClr val="accent1"/>
+          </a:fillRef>
+          <a:effectRef idx="0">
+            <a:schemeClr val="accent1"/>
+          </a:effectRef>
+          <a:fontRef idx="minor">
+            <a:schemeClr val="lt1"/>
+          </a:fontRef>
+        </p:style>
+        <p:txBody>
+          <a:bodyPr rtlCol="0" anchor="ctr"/>
+          <a:lstStyle/>
+          <a:p>
+            <a:pPr algn="ctr"/>
+            <a:endParaRPr lang="en-US"/>
+          </a:p>
+        </p:txBody>
+      </p:sp>
+      <p:sp>
+        <p:nvSpPr>
+          <p:cNvPr id="2" name="Title 1">
+            <a:extLst>
+              <a:ext uri="{FF2B5EF4-FFF2-40B4-BE49-F238E27FC236}">
+                <a16:creationId xmlns:a16="http://schemas.microsoft.com/office/drawing/2014/main" id="{46AFB170-6E4E-42C6-7366-FA536317F114}"/>
+              </a:ext>
+            </a:extLst>
+          </p:cNvPr>
+          <p:cNvSpPr>
+            <a:spLocks noGrp="1"/>
+          </p:cNvSpPr>
+          <p:nvPr>
+            <p:ph type="title"/>
+          </p:nvPr>
+        </p:nvSpPr>
+        <p:spPr>
+          <a:xfrm>
+            <a:off x="556532" y="643467"/>
+            <a:ext cx="11210925" cy="744836"/>
+          </a:xfrm>
+        </p:spPr>
+        <p:txBody>
+          <a:bodyPr vert="horz" lIns="91440" tIns="45720" rIns="91440" bIns="45720" rtlCol="0" anchor="ctr">
+            <a:normAutofit/>
+          </a:bodyPr>
+          <a:lstStyle/>
+          <a:p>
+            <a:pPr algn="ctr"/>
+            <a:r>
+              <a:rPr lang="en-US" sz="2200" b="1" i="0" kern="1200">
+                <a:solidFill>
+                  <a:schemeClr val="bg1"/>
+                </a:solidFill>
+                <a:effectLst/>
+                <a:latin typeface="+mj-lt"/>
+                <a:ea typeface="+mj-ea"/>
+                <a:cs typeface="+mj-cs"/>
+              </a:rPr>
+              <a:t>Full Mesh Connectivity Between On-Premises Locations and AWS</a:t>
+            </a:r>
+            <a:br>
+              <a:rPr lang="en-US" sz="2200" b="1" i="0" kern="1200">
+                <a:solidFill>
+                  <a:schemeClr val="bg1"/>
+                </a:solidFill>
+                <a:effectLst/>
+                <a:latin typeface="+mj-lt"/>
+                <a:ea typeface="+mj-ea"/>
+                <a:cs typeface="+mj-cs"/>
+              </a:rPr>
+            </a:br>
+            <a:endParaRPr lang="en-US" sz="2200" kern="1200">
+              <a:solidFill>
+                <a:schemeClr val="bg1"/>
+              </a:solidFill>
+              <a:latin typeface="+mj-lt"/>
+              <a:ea typeface="+mj-ea"/>
+              <a:cs typeface="+mj-cs"/>
+            </a:endParaRPr>
+          </a:p>
+        </p:txBody>
+      </p:sp>
+      <p:pic>
+        <p:nvPicPr>
+          <p:cNvPr id="3074" name="Picture 2" descr="&#10;        Reference architecture diagram showing how to use the AWS backbone as the transit network &#10;          to connect between on-premises and AWS resources worldwide.&#10;      ">
+            <a:extLst>
+              <a:ext uri="{FF2B5EF4-FFF2-40B4-BE49-F238E27FC236}">
+                <a16:creationId xmlns:a16="http://schemas.microsoft.com/office/drawing/2014/main" id="{5E64DC58-3EDE-135D-5FC0-26120DCF4A0D}"/>
+              </a:ext>
+            </a:extLst>
+          </p:cNvPr>
+          <p:cNvPicPr>
+            <a:picLocks noChangeAspect="1" noChangeArrowheads="1"/>
+          </p:cNvPicPr>
+          <p:nvPr/>
+        </p:nvPicPr>
+        <p:blipFill>
+          <a:blip r:embed="rId2">
+            <a:extLst>
+              <a:ext uri="{28A0092B-C50C-407E-A947-70E740481C1C}">
+                <a14:useLocalDpi xmlns:a14="http://schemas.microsoft.com/office/drawing/2010/main" val="0"/>
+              </a:ext>
+            </a:extLst>
+          </a:blip>
+          <a:stretch>
+            <a:fillRect/>
+          </a:stretch>
+        </p:blipFill>
+        <p:spPr bwMode="auto">
+          <a:xfrm>
+            <a:off x="2155015" y="1675227"/>
+            <a:ext cx="7881969" cy="4394199"/>
+          </a:xfrm>
+          <a:prstGeom prst="rect">
+            <a:avLst/>
+          </a:prstGeom>
+          <a:noFill/>
+          <a:extLst>
+            <a:ext uri="{909E8E84-426E-40DD-AFC4-6F175D3DCCD1}">
+              <a14:hiddenFill xmlns:a14="http://schemas.microsoft.com/office/drawing/2010/main">
+                <a:solidFill>
+                  <a:srgbClr val="FFFFFF"/>
+                </a:solidFill>
+              </a14:hiddenFill>
+            </a:ext>
+          </a:extLst>
+        </p:spPr>
+      </p:pic>
+    </p:spTree>
+    <p:extLst>
+      <p:ext uri="{BB962C8B-B14F-4D97-AF65-F5344CB8AC3E}">
+        <p14:creationId xmlns:p14="http://schemas.microsoft.com/office/powerpoint/2010/main" val="2281611827"/>
+      </p:ext>
+    </p:extLst>
+  </p:cSld>
+  <p:clrMapOvr>
+    <a:masterClrMapping/>
+  </p:clrMapOvr>
+</p:sld>
+</file>
+
+<file path=ppt/slides/slide2.xml><?xml version="1.0" encoding="utf-8"?>
+<p:sld xmlns:a="http://schemas.openxmlformats.org/drawingml/2006/main" xmlns:r="http://schemas.openxmlformats.org/officeDocument/2006/relationships" xmlns:p="http://schemas.openxmlformats.org/presentationml/2006/main">
+  <p:cSld>
+    <p:bg>
+      <p:bgPr>
+        <a:solidFill>
+          <a:schemeClr val="bg1"/>
+        </a:solidFill>
+        <a:effectLst/>
+      </p:bgPr>
+    </p:bg>
+    <p:spTree>
+      <p:nvGrpSpPr>
+        <p:cNvPr id="1" name=""/>
+        <p:cNvGrpSpPr/>
+        <p:nvPr/>
+      </p:nvGrpSpPr>
+      <p:grpSpPr>
+        <a:xfrm>
+          <a:off x="0" y="0"/>
+          <a:ext cx="0" cy="0"/>
+          <a:chOff x="0" y="0"/>
+          <a:chExt cx="0" cy="0"/>
+        </a:xfrm>
+      </p:grpSpPr>
+      <p:sp useBgFill="1">
+        <p:nvSpPr>
+          <p:cNvPr id="8" name="Rectangle 7">
+            <a:extLst>
+              <a:ext uri="{FF2B5EF4-FFF2-40B4-BE49-F238E27FC236}">
+                <a16:creationId xmlns:a16="http://schemas.microsoft.com/office/drawing/2014/main" id="{100EDD19-6802-4EC3-95CE-CFFAB042CFD6}"/>
+              </a:ext>
+              <a:ext uri="{C183D7F6-B498-43B3-948B-1728B52AA6E4}">
+                <adec:decorative xmlns:adec="http://schemas.microsoft.com/office/drawing/2017/decorative" val="1"/>
+              </a:ext>
+            </a:extLst>
+          </p:cNvPr>
+          <p:cNvSpPr>
+            <a:spLocks noGrp="1" noRot="1" noChangeAspect="1" noMove="1" noResize="1" noEditPoints="1" noAdjustHandles="1" noChangeArrowheads="1" noChangeShapeType="1" noTextEdit="1"/>
+          </p:cNvSpPr>
+          <p:nvPr>
+            <p:extLst>
+              <p:ext uri="{386F3935-93C4-4BCD-93E2-E3B085C9AB24}">
+                <p16:designElem xmlns:p16="http://schemas.microsoft.com/office/powerpoint/2015/main" val="1"/>
+              </p:ext>
+            </p:extLst>
+          </p:nvPr>
+        </p:nvSpPr>
+        <p:spPr>
+          <a:xfrm>
+            <a:off x="0" y="0"/>
+            <a:ext cx="12188952" cy="6858000"/>
+          </a:xfrm>
+          <a:prstGeom prst="rect">
+            <a:avLst/>
+          </a:prstGeom>
+          <a:ln>
+            <a:noFill/>
+          </a:ln>
+        </p:spPr>
+        <p:style>
+          <a:lnRef idx="2">
+            <a:schemeClr val="accent1">
+              <a:shade val="50000"/>
+            </a:schemeClr>
+          </a:lnRef>
+          <a:fillRef idx="1">
+            <a:schemeClr val="accent1"/>
+          </a:fillRef>
+          <a:effectRef idx="0">
+            <a:schemeClr val="accent1"/>
+          </a:effectRef>
+          <a:fontRef idx="minor">
+            <a:schemeClr val="lt1"/>
+          </a:fontRef>
+        </p:style>
+        <p:txBody>
+          <a:bodyPr rtlCol="0" anchor="ctr"/>
+          <a:lstStyle/>
+          <a:p>
+            <a:pPr algn="ctr"/>
+            <a:endParaRPr lang="en-US"/>
+          </a:p>
+        </p:txBody>
+      </p:sp>
+      <p:sp>
+        <p:nvSpPr>
+          <p:cNvPr id="2" name="Title 1">
+            <a:extLst>
+              <a:ext uri="{FF2B5EF4-FFF2-40B4-BE49-F238E27FC236}">
+                <a16:creationId xmlns:a16="http://schemas.microsoft.com/office/drawing/2014/main" id="{57C66BA1-80D2-8F88-6088-17324230263C}"/>
+              </a:ext>
+            </a:extLst>
+          </p:cNvPr>
+          <p:cNvSpPr>
+            <a:spLocks noGrp="1"/>
+          </p:cNvSpPr>
+          <p:nvPr>
+            <p:ph type="title"/>
+          </p:nvPr>
+        </p:nvSpPr>
+        <p:spPr>
+          <a:xfrm>
+            <a:off x="838200" y="365125"/>
+            <a:ext cx="10515600" cy="1325563"/>
+          </a:xfrm>
+        </p:spPr>
+        <p:txBody>
+          <a:bodyPr>
+            <a:normAutofit/>
+          </a:bodyPr>
+          <a:lstStyle/>
+          <a:p>
+            <a:r>
+              <a:rPr lang="en-CH" sz="4600"/>
+              <a:t>AWS Direct Connect Public and Private VIF</a:t>
+            </a:r>
+          </a:p>
+        </p:txBody>
+      </p:sp>
+      <p:sp>
+        <p:nvSpPr>
+          <p:cNvPr id="10" name="sketch line">
+            <a:extLst>
+              <a:ext uri="{FF2B5EF4-FFF2-40B4-BE49-F238E27FC236}">
+                <a16:creationId xmlns:a16="http://schemas.microsoft.com/office/drawing/2014/main" id="{DB17E863-922E-4C26-BD64-E8FD41D28661}"/>
+              </a:ext>
+              <a:ext uri="{C183D7F6-B498-43B3-948B-1728B52AA6E4}">
+                <adec:decorative xmlns:adec="http://schemas.microsoft.com/office/drawing/2017/decorative" val="1"/>
+              </a:ext>
+            </a:extLst>
+          </p:cNvPr>
+          <p:cNvSpPr>
+            <a:spLocks noGrp="1" noRot="1" noChangeAspect="1" noMove="1" noResize="1" noEditPoints="1" noAdjustHandles="1" noChangeArrowheads="1" noChangeShapeType="1" noTextEdit="1"/>
+          </p:cNvSpPr>
+          <p:nvPr>
+            <p:extLst>
+              <p:ext uri="{386F3935-93C4-4BCD-93E2-E3B085C9AB24}">
+                <p16:designElem xmlns:p16="http://schemas.microsoft.com/office/powerpoint/2015/main" val="1"/>
+              </p:ext>
+            </p:extLst>
+          </p:nvPr>
+        </p:nvSpPr>
+        <p:spPr>
+          <a:xfrm>
+            <a:off x="669036" y="1677373"/>
+            <a:ext cx="10853928" cy="18288"/>
+          </a:xfrm>
+          <a:custGeom>
+            <a:avLst/>
+            <a:gdLst>
+              <a:gd name="connsiteX0" fmla="*/ 0 w 10853928"/>
+              <a:gd name="connsiteY0" fmla="*/ 0 h 18288"/>
+              <a:gd name="connsiteX1" fmla="*/ 461292 w 10853928"/>
+              <a:gd name="connsiteY1" fmla="*/ 0 h 18288"/>
+              <a:gd name="connsiteX2" fmla="*/ 1139662 w 10853928"/>
+              <a:gd name="connsiteY2" fmla="*/ 0 h 18288"/>
+              <a:gd name="connsiteX3" fmla="*/ 1926572 w 10853928"/>
+              <a:gd name="connsiteY3" fmla="*/ 0 h 18288"/>
+              <a:gd name="connsiteX4" fmla="*/ 2279325 w 10853928"/>
+              <a:gd name="connsiteY4" fmla="*/ 0 h 18288"/>
+              <a:gd name="connsiteX5" fmla="*/ 2632078 w 10853928"/>
+              <a:gd name="connsiteY5" fmla="*/ 0 h 18288"/>
+              <a:gd name="connsiteX6" fmla="*/ 3527527 w 10853928"/>
+              <a:gd name="connsiteY6" fmla="*/ 0 h 18288"/>
+              <a:gd name="connsiteX7" fmla="*/ 4205897 w 10853928"/>
+              <a:gd name="connsiteY7" fmla="*/ 0 h 18288"/>
+              <a:gd name="connsiteX8" fmla="*/ 4558650 w 10853928"/>
+              <a:gd name="connsiteY8" fmla="*/ 0 h 18288"/>
+              <a:gd name="connsiteX9" fmla="*/ 5237020 w 10853928"/>
+              <a:gd name="connsiteY9" fmla="*/ 0 h 18288"/>
+              <a:gd name="connsiteX10" fmla="*/ 6132469 w 10853928"/>
+              <a:gd name="connsiteY10" fmla="*/ 0 h 18288"/>
+              <a:gd name="connsiteX11" fmla="*/ 6702301 w 10853928"/>
+              <a:gd name="connsiteY11" fmla="*/ 0 h 18288"/>
+              <a:gd name="connsiteX12" fmla="*/ 7272132 w 10853928"/>
+              <a:gd name="connsiteY12" fmla="*/ 0 h 18288"/>
+              <a:gd name="connsiteX13" fmla="*/ 7950502 w 10853928"/>
+              <a:gd name="connsiteY13" fmla="*/ 0 h 18288"/>
+              <a:gd name="connsiteX14" fmla="*/ 8737412 w 10853928"/>
+              <a:gd name="connsiteY14" fmla="*/ 0 h 18288"/>
+              <a:gd name="connsiteX15" fmla="*/ 9524322 w 10853928"/>
+              <a:gd name="connsiteY15" fmla="*/ 0 h 18288"/>
+              <a:gd name="connsiteX16" fmla="*/ 10853928 w 10853928"/>
+              <a:gd name="connsiteY16" fmla="*/ 0 h 18288"/>
+              <a:gd name="connsiteX17" fmla="*/ 10853928 w 10853928"/>
+              <a:gd name="connsiteY17" fmla="*/ 18288 h 18288"/>
+              <a:gd name="connsiteX18" fmla="*/ 10392636 w 10853928"/>
+              <a:gd name="connsiteY18" fmla="*/ 18288 h 18288"/>
+              <a:gd name="connsiteX19" fmla="*/ 9497187 w 10853928"/>
+              <a:gd name="connsiteY19" fmla="*/ 18288 h 18288"/>
+              <a:gd name="connsiteX20" fmla="*/ 8818817 w 10853928"/>
+              <a:gd name="connsiteY20" fmla="*/ 18288 h 18288"/>
+              <a:gd name="connsiteX21" fmla="*/ 8466064 w 10853928"/>
+              <a:gd name="connsiteY21" fmla="*/ 18288 h 18288"/>
+              <a:gd name="connsiteX22" fmla="*/ 7787693 w 10853928"/>
+              <a:gd name="connsiteY22" fmla="*/ 18288 h 18288"/>
+              <a:gd name="connsiteX23" fmla="*/ 7217862 w 10853928"/>
+              <a:gd name="connsiteY23" fmla="*/ 18288 h 18288"/>
+              <a:gd name="connsiteX24" fmla="*/ 6648031 w 10853928"/>
+              <a:gd name="connsiteY24" fmla="*/ 18288 h 18288"/>
+              <a:gd name="connsiteX25" fmla="*/ 6078200 w 10853928"/>
+              <a:gd name="connsiteY25" fmla="*/ 18288 h 18288"/>
+              <a:gd name="connsiteX26" fmla="*/ 5508368 w 10853928"/>
+              <a:gd name="connsiteY26" fmla="*/ 18288 h 18288"/>
+              <a:gd name="connsiteX27" fmla="*/ 4721459 w 10853928"/>
+              <a:gd name="connsiteY27" fmla="*/ 18288 h 18288"/>
+              <a:gd name="connsiteX28" fmla="*/ 4043088 w 10853928"/>
+              <a:gd name="connsiteY28" fmla="*/ 18288 h 18288"/>
+              <a:gd name="connsiteX29" fmla="*/ 3690336 w 10853928"/>
+              <a:gd name="connsiteY29" fmla="*/ 18288 h 18288"/>
+              <a:gd name="connsiteX30" fmla="*/ 3120504 w 10853928"/>
+              <a:gd name="connsiteY30" fmla="*/ 18288 h 18288"/>
+              <a:gd name="connsiteX31" fmla="*/ 2333595 w 10853928"/>
+              <a:gd name="connsiteY31" fmla="*/ 18288 h 18288"/>
+              <a:gd name="connsiteX32" fmla="*/ 1872303 w 10853928"/>
+              <a:gd name="connsiteY32" fmla="*/ 18288 h 18288"/>
+              <a:gd name="connsiteX33" fmla="*/ 976854 w 10853928"/>
+              <a:gd name="connsiteY33" fmla="*/ 18288 h 18288"/>
+              <a:gd name="connsiteX34" fmla="*/ 0 w 10853928"/>
+              <a:gd name="connsiteY34" fmla="*/ 18288 h 18288"/>
+              <a:gd name="connsiteX35" fmla="*/ 0 w 10853928"/>
+              <a:gd name="connsiteY35" fmla="*/ 0 h 18288"/>
+            </a:gdLst>
+            <a:ahLst/>
+            <a:cxnLst>
+              <a:cxn ang="0">
+                <a:pos x="connsiteX0" y="connsiteY0"/>
+              </a:cxn>
+              <a:cxn ang="0">
+                <a:pos x="connsiteX1" y="connsiteY1"/>
+              </a:cxn>
+              <a:cxn ang="0">
+                <a:pos x="connsiteX2" y="connsiteY2"/>
+              </a:cxn>
+              <a:cxn ang="0">
+                <a:pos x="connsiteX3" y="connsiteY3"/>
+              </a:cxn>
+              <a:cxn ang="0">
+                <a:pos x="connsiteX4" y="connsiteY4"/>
+              </a:cxn>
+              <a:cxn ang="0">
+                <a:pos x="connsiteX5" y="connsiteY5"/>
+              </a:cxn>
+              <a:cxn ang="0">
+                <a:pos x="connsiteX6" y="connsiteY6"/>
+              </a:cxn>
+              <a:cxn ang="0">
+                <a:pos x="connsiteX7" y="connsiteY7"/>
+              </a:cxn>
+              <a:cxn ang="0">
+                <a:pos x="connsiteX8" y="connsiteY8"/>
+              </a:cxn>
+              <a:cxn ang="0">
+                <a:pos x="connsiteX9" y="connsiteY9"/>
+              </a:cxn>
+              <a:cxn ang="0">
+                <a:pos x="connsiteX10" y="connsiteY10"/>
+              </a:cxn>
+              <a:cxn ang="0">
+                <a:pos x="connsiteX11" y="connsiteY11"/>
+              </a:cxn>
+              <a:cxn ang="0">
+                <a:pos x="connsiteX12" y="connsiteY12"/>
+              </a:cxn>
+              <a:cxn ang="0">
+                <a:pos x="connsiteX13" y="connsiteY13"/>
+              </a:cxn>
+              <a:cxn ang="0">
+                <a:pos x="connsiteX14" y="connsiteY14"/>
+              </a:cxn>
+              <a:cxn ang="0">
+                <a:pos x="connsiteX15" y="connsiteY15"/>
+              </a:cxn>
+              <a:cxn ang="0">
+                <a:pos x="connsiteX16" y="connsiteY16"/>
+              </a:cxn>
+              <a:cxn ang="0">
+                <a:pos x="connsiteX17" y="connsiteY17"/>
+              </a:cxn>
+              <a:cxn ang="0">
+                <a:pos x="connsiteX18" y="connsiteY18"/>
+              </a:cxn>
+              <a:cxn ang="0">
+                <a:pos x="connsiteX19" y="connsiteY19"/>
+              </a:cxn>
+              <a:cxn ang="0">
+                <a:pos x="connsiteX20" y="connsiteY20"/>
+              </a:cxn>
+              <a:cxn ang="0">
+                <a:pos x="connsiteX21" y="connsiteY21"/>
+              </a:cxn>
+              <a:cxn ang="0">
+                <a:pos x="connsiteX22" y="connsiteY22"/>
+              </a:cxn>
+              <a:cxn ang="0">
+                <a:pos x="connsiteX23" y="connsiteY23"/>
+              </a:cxn>
+              <a:cxn ang="0">
+                <a:pos x="connsiteX24" y="connsiteY24"/>
+              </a:cxn>
+              <a:cxn ang="0">
+                <a:pos x="connsiteX25" y="connsiteY25"/>
+              </a:cxn>
+              <a:cxn ang="0">
+                <a:pos x="connsiteX26" y="connsiteY26"/>
+              </a:cxn>
+              <a:cxn ang="0">
+                <a:pos x="connsiteX27" y="connsiteY27"/>
+              </a:cxn>
+              <a:cxn ang="0">
+                <a:pos x="connsiteX28" y="connsiteY28"/>
+              </a:cxn>
+              <a:cxn ang="0">
+                <a:pos x="connsiteX29" y="connsiteY29"/>
+              </a:cxn>
+              <a:cxn ang="0">
+                <a:pos x="connsiteX30" y="connsiteY30"/>
+              </a:cxn>
+              <a:cxn ang="0">
+                <a:pos x="connsiteX31" y="connsiteY31"/>
+              </a:cxn>
+              <a:cxn ang="0">
+                <a:pos x="connsiteX32" y="connsiteY32"/>
+              </a:cxn>
+              <a:cxn ang="0">
+                <a:pos x="connsiteX33" y="connsiteY33"/>
+              </a:cxn>
+              <a:cxn ang="0">
+                <a:pos x="connsiteX34" y="connsiteY34"/>
+              </a:cxn>
+              <a:cxn ang="0">
+                <a:pos x="connsiteX35" y="connsiteY35"/>
+              </a:cxn>
+            </a:cxnLst>
+            <a:rect l="l" t="t" r="r" b="b"/>
+            <a:pathLst>
+              <a:path w="10853928" h="18288" fill="none" extrusionOk="0">
+                <a:moveTo>
+                  <a:pt x="0" y="0"/>
+                </a:moveTo>
+                <a:cubicBezTo>
+                  <a:pt x="146993" y="-19076"/>
+                  <a:pt x="347684" y="-4790"/>
+                  <a:pt x="461292" y="0"/>
+                </a:cubicBezTo>
+                <a:cubicBezTo>
+                  <a:pt x="574900" y="4790"/>
+                  <a:pt x="808367" y="19821"/>
+                  <a:pt x="1139662" y="0"/>
+                </a:cubicBezTo>
+                <a:cubicBezTo>
+                  <a:pt x="1470957" y="-19821"/>
+                  <a:pt x="1627405" y="5721"/>
+                  <a:pt x="1926572" y="0"/>
+                </a:cubicBezTo>
+                <a:cubicBezTo>
+                  <a:pt x="2225739" y="-5721"/>
+                  <a:pt x="2137730" y="-3235"/>
+                  <a:pt x="2279325" y="0"/>
+                </a:cubicBezTo>
+                <a:cubicBezTo>
+                  <a:pt x="2420920" y="3235"/>
+                  <a:pt x="2456518" y="9685"/>
+                  <a:pt x="2632078" y="0"/>
+                </a:cubicBezTo>
+                <a:cubicBezTo>
+                  <a:pt x="2807638" y="-9685"/>
+                  <a:pt x="3211516" y="-43007"/>
+                  <a:pt x="3527527" y="0"/>
+                </a:cubicBezTo>
+                <a:cubicBezTo>
+                  <a:pt x="3843538" y="43007"/>
+                  <a:pt x="4058833" y="22042"/>
+                  <a:pt x="4205897" y="0"/>
+                </a:cubicBezTo>
+                <a:cubicBezTo>
+                  <a:pt x="4352961" y="-22042"/>
+                  <a:pt x="4474805" y="-11846"/>
+                  <a:pt x="4558650" y="0"/>
+                </a:cubicBezTo>
+                <a:cubicBezTo>
+                  <a:pt x="4642495" y="11846"/>
+                  <a:pt x="5041928" y="-6069"/>
+                  <a:pt x="5237020" y="0"/>
+                </a:cubicBezTo>
+                <a:cubicBezTo>
+                  <a:pt x="5432112" y="6069"/>
+                  <a:pt x="5943266" y="-17479"/>
+                  <a:pt x="6132469" y="0"/>
+                </a:cubicBezTo>
+                <a:cubicBezTo>
+                  <a:pt x="6321672" y="17479"/>
+                  <a:pt x="6483872" y="26234"/>
+                  <a:pt x="6702301" y="0"/>
+                </a:cubicBezTo>
+                <a:cubicBezTo>
+                  <a:pt x="6920730" y="-26234"/>
+                  <a:pt x="6991194" y="-15156"/>
+                  <a:pt x="7272132" y="0"/>
+                </a:cubicBezTo>
+                <a:cubicBezTo>
+                  <a:pt x="7553070" y="15156"/>
+                  <a:pt x="7684444" y="-32961"/>
+                  <a:pt x="7950502" y="0"/>
+                </a:cubicBezTo>
+                <a:cubicBezTo>
+                  <a:pt x="8216560" y="32961"/>
+                  <a:pt x="8493290" y="-10491"/>
+                  <a:pt x="8737412" y="0"/>
+                </a:cubicBezTo>
+                <a:cubicBezTo>
+                  <a:pt x="8981534" y="10491"/>
+                  <a:pt x="9191586" y="-13899"/>
+                  <a:pt x="9524322" y="0"/>
+                </a:cubicBezTo>
+                <a:cubicBezTo>
+                  <a:pt x="9857058" y="13899"/>
+                  <a:pt x="10297509" y="7485"/>
+                  <a:pt x="10853928" y="0"/>
+                </a:cubicBezTo>
+                <a:cubicBezTo>
+                  <a:pt x="10854574" y="4451"/>
+                  <a:pt x="10854418" y="9226"/>
+                  <a:pt x="10853928" y="18288"/>
+                </a:cubicBezTo>
+                <a:cubicBezTo>
+                  <a:pt x="10691638" y="28522"/>
+                  <a:pt x="10574319" y="29578"/>
+                  <a:pt x="10392636" y="18288"/>
+                </a:cubicBezTo>
+                <a:cubicBezTo>
+                  <a:pt x="10210953" y="6998"/>
+                  <a:pt x="9836277" y="-16742"/>
+                  <a:pt x="9497187" y="18288"/>
+                </a:cubicBezTo>
+                <a:cubicBezTo>
+                  <a:pt x="9158097" y="53318"/>
+                  <a:pt x="9119479" y="30714"/>
+                  <a:pt x="8818817" y="18288"/>
+                </a:cubicBezTo>
+                <a:cubicBezTo>
+                  <a:pt x="8518155" y="5863"/>
+                  <a:pt x="8640037" y="6483"/>
+                  <a:pt x="8466064" y="18288"/>
+                </a:cubicBezTo>
+                <a:cubicBezTo>
+                  <a:pt x="8292091" y="30093"/>
+                  <a:pt x="7997656" y="18914"/>
+                  <a:pt x="7787693" y="18288"/>
+                </a:cubicBezTo>
+                <a:cubicBezTo>
+                  <a:pt x="7577730" y="17662"/>
+                  <a:pt x="7412468" y="21416"/>
+                  <a:pt x="7217862" y="18288"/>
+                </a:cubicBezTo>
+                <a:cubicBezTo>
+                  <a:pt x="7023256" y="15160"/>
+                  <a:pt x="6898018" y="14824"/>
+                  <a:pt x="6648031" y="18288"/>
+                </a:cubicBezTo>
+                <a:cubicBezTo>
+                  <a:pt x="6398044" y="21752"/>
+                  <a:pt x="6254402" y="38625"/>
+                  <a:pt x="6078200" y="18288"/>
+                </a:cubicBezTo>
+                <a:cubicBezTo>
+                  <a:pt x="5901998" y="-2049"/>
+                  <a:pt x="5622886" y="3213"/>
+                  <a:pt x="5508368" y="18288"/>
+                </a:cubicBezTo>
+                <a:cubicBezTo>
+                  <a:pt x="5393850" y="33363"/>
+                  <a:pt x="5036260" y="26830"/>
+                  <a:pt x="4721459" y="18288"/>
+                </a:cubicBezTo>
+                <a:cubicBezTo>
+                  <a:pt x="4406658" y="9746"/>
+                  <a:pt x="4239221" y="41551"/>
+                  <a:pt x="4043088" y="18288"/>
+                </a:cubicBezTo>
+                <a:cubicBezTo>
+                  <a:pt x="3846955" y="-4975"/>
+                  <a:pt x="3818802" y="34658"/>
+                  <a:pt x="3690336" y="18288"/>
+                </a:cubicBezTo>
+                <a:cubicBezTo>
+                  <a:pt x="3561870" y="1918"/>
+                  <a:pt x="3265491" y="42194"/>
+                  <a:pt x="3120504" y="18288"/>
+                </a:cubicBezTo>
+                <a:cubicBezTo>
+                  <a:pt x="2975517" y="-5618"/>
+                  <a:pt x="2720254" y="36673"/>
+                  <a:pt x="2333595" y="18288"/>
+                </a:cubicBezTo>
+                <a:cubicBezTo>
+                  <a:pt x="1946936" y="-97"/>
+                  <a:pt x="2097241" y="5776"/>
+                  <a:pt x="1872303" y="18288"/>
+                </a:cubicBezTo>
+                <a:cubicBezTo>
+                  <a:pt x="1647365" y="30800"/>
+                  <a:pt x="1282708" y="45380"/>
+                  <a:pt x="976854" y="18288"/>
+                </a:cubicBezTo>
+                <a:cubicBezTo>
+                  <a:pt x="671000" y="-8804"/>
+                  <a:pt x="408401" y="-12775"/>
+                  <a:pt x="0" y="18288"/>
+                </a:cubicBezTo>
+                <a:cubicBezTo>
+                  <a:pt x="-213" y="9468"/>
+                  <a:pt x="187" y="4459"/>
+                  <a:pt x="0" y="0"/>
+                </a:cubicBezTo>
+                <a:close/>
+              </a:path>
+              <a:path w="10853928" h="18288" stroke="0" extrusionOk="0">
+                <a:moveTo>
+                  <a:pt x="0" y="0"/>
+                </a:moveTo>
+                <a:cubicBezTo>
+                  <a:pt x="267322" y="15284"/>
+                  <a:pt x="415388" y="-21048"/>
+                  <a:pt x="569831" y="0"/>
+                </a:cubicBezTo>
+                <a:cubicBezTo>
+                  <a:pt x="724274" y="21048"/>
+                  <a:pt x="769333" y="-2353"/>
+                  <a:pt x="922584" y="0"/>
+                </a:cubicBezTo>
+                <a:cubicBezTo>
+                  <a:pt x="1075835" y="2353"/>
+                  <a:pt x="1399490" y="-145"/>
+                  <a:pt x="1818033" y="0"/>
+                </a:cubicBezTo>
+                <a:cubicBezTo>
+                  <a:pt x="2236576" y="145"/>
+                  <a:pt x="2145330" y="5482"/>
+                  <a:pt x="2387864" y="0"/>
+                </a:cubicBezTo>
+                <a:cubicBezTo>
+                  <a:pt x="2630398" y="-5482"/>
+                  <a:pt x="2793207" y="18487"/>
+                  <a:pt x="2957695" y="0"/>
+                </a:cubicBezTo>
+                <a:cubicBezTo>
+                  <a:pt x="3122183" y="-18487"/>
+                  <a:pt x="3579141" y="19003"/>
+                  <a:pt x="3853144" y="0"/>
+                </a:cubicBezTo>
+                <a:cubicBezTo>
+                  <a:pt x="4127147" y="-19003"/>
+                  <a:pt x="4209857" y="12211"/>
+                  <a:pt x="4314436" y="0"/>
+                </a:cubicBezTo>
+                <a:cubicBezTo>
+                  <a:pt x="4419015" y="-12211"/>
+                  <a:pt x="4762459" y="-17220"/>
+                  <a:pt x="5209885" y="0"/>
+                </a:cubicBezTo>
+                <a:cubicBezTo>
+                  <a:pt x="5657311" y="17220"/>
+                  <a:pt x="5692663" y="-3290"/>
+                  <a:pt x="6105335" y="0"/>
+                </a:cubicBezTo>
+                <a:cubicBezTo>
+                  <a:pt x="6518007" y="3290"/>
+                  <a:pt x="6455516" y="-5124"/>
+                  <a:pt x="6783705" y="0"/>
+                </a:cubicBezTo>
+                <a:cubicBezTo>
+                  <a:pt x="7111894" y="5124"/>
+                  <a:pt x="7441941" y="-17829"/>
+                  <a:pt x="7679154" y="0"/>
+                </a:cubicBezTo>
+                <a:cubicBezTo>
+                  <a:pt x="7916367" y="17829"/>
+                  <a:pt x="8102967" y="-24363"/>
+                  <a:pt x="8248985" y="0"/>
+                </a:cubicBezTo>
+                <a:cubicBezTo>
+                  <a:pt x="8395003" y="24363"/>
+                  <a:pt x="8552393" y="25505"/>
+                  <a:pt x="8818817" y="0"/>
+                </a:cubicBezTo>
+                <a:cubicBezTo>
+                  <a:pt x="9085241" y="-25505"/>
+                  <a:pt x="9411308" y="38000"/>
+                  <a:pt x="9605726" y="0"/>
+                </a:cubicBezTo>
+                <a:cubicBezTo>
+                  <a:pt x="9800144" y="-38000"/>
+                  <a:pt x="10006468" y="-25741"/>
+                  <a:pt x="10175558" y="0"/>
+                </a:cubicBezTo>
+                <a:cubicBezTo>
+                  <a:pt x="10344648" y="25741"/>
+                  <a:pt x="10696282" y="695"/>
+                  <a:pt x="10853928" y="0"/>
+                </a:cubicBezTo>
+                <a:cubicBezTo>
+                  <a:pt x="10853521" y="8690"/>
+                  <a:pt x="10853774" y="14141"/>
+                  <a:pt x="10853928" y="18288"/>
+                </a:cubicBezTo>
+                <a:cubicBezTo>
+                  <a:pt x="10608124" y="24255"/>
+                  <a:pt x="10343415" y="22307"/>
+                  <a:pt x="10067018" y="18288"/>
+                </a:cubicBezTo>
+                <a:cubicBezTo>
+                  <a:pt x="9790621" y="14270"/>
+                  <a:pt x="9843266" y="3564"/>
+                  <a:pt x="9714266" y="18288"/>
+                </a:cubicBezTo>
+                <a:cubicBezTo>
+                  <a:pt x="9585266" y="33012"/>
+                  <a:pt x="9379484" y="1875"/>
+                  <a:pt x="9252974" y="18288"/>
+                </a:cubicBezTo>
+                <a:cubicBezTo>
+                  <a:pt x="9126464" y="34701"/>
+                  <a:pt x="8580678" y="-4904"/>
+                  <a:pt x="8357525" y="18288"/>
+                </a:cubicBezTo>
+                <a:cubicBezTo>
+                  <a:pt x="8134372" y="41480"/>
+                  <a:pt x="7903199" y="26458"/>
+                  <a:pt x="7679154" y="18288"/>
+                </a:cubicBezTo>
+                <a:cubicBezTo>
+                  <a:pt x="7455109" y="10118"/>
+                  <a:pt x="7435944" y="27109"/>
+                  <a:pt x="7217862" y="18288"/>
+                </a:cubicBezTo>
+                <a:cubicBezTo>
+                  <a:pt x="6999780" y="9467"/>
+                  <a:pt x="6680409" y="18985"/>
+                  <a:pt x="6539492" y="18288"/>
+                </a:cubicBezTo>
+                <a:cubicBezTo>
+                  <a:pt x="6398575" y="17592"/>
+                  <a:pt x="6312077" y="33018"/>
+                  <a:pt x="6186739" y="18288"/>
+                </a:cubicBezTo>
+                <a:cubicBezTo>
+                  <a:pt x="6061401" y="3558"/>
+                  <a:pt x="5947033" y="12075"/>
+                  <a:pt x="5833986" y="18288"/>
+                </a:cubicBezTo>
+                <a:cubicBezTo>
+                  <a:pt x="5720939" y="24501"/>
+                  <a:pt x="5482226" y="8586"/>
+                  <a:pt x="5155616" y="18288"/>
+                </a:cubicBezTo>
+                <a:cubicBezTo>
+                  <a:pt x="4829006" y="27991"/>
+                  <a:pt x="4841274" y="29316"/>
+                  <a:pt x="4694324" y="18288"/>
+                </a:cubicBezTo>
+                <a:cubicBezTo>
+                  <a:pt x="4547374" y="7260"/>
+                  <a:pt x="4077675" y="7013"/>
+                  <a:pt x="3907414" y="18288"/>
+                </a:cubicBezTo>
+                <a:cubicBezTo>
+                  <a:pt x="3737153" y="29564"/>
+                  <a:pt x="3538393" y="21630"/>
+                  <a:pt x="3446122" y="18288"/>
+                </a:cubicBezTo>
+                <a:cubicBezTo>
+                  <a:pt x="3353851" y="14946"/>
+                  <a:pt x="2990320" y="-8091"/>
+                  <a:pt x="2659212" y="18288"/>
+                </a:cubicBezTo>
+                <a:cubicBezTo>
+                  <a:pt x="2328104" y="44667"/>
+                  <a:pt x="2427653" y="9607"/>
+                  <a:pt x="2306460" y="18288"/>
+                </a:cubicBezTo>
+                <a:cubicBezTo>
+                  <a:pt x="2185267" y="26969"/>
+                  <a:pt x="1719763" y="3717"/>
+                  <a:pt x="1519550" y="18288"/>
+                </a:cubicBezTo>
+                <a:cubicBezTo>
+                  <a:pt x="1319337" y="32860"/>
+                  <a:pt x="1167371" y="17040"/>
+                  <a:pt x="1058258" y="18288"/>
+                </a:cubicBezTo>
+                <a:cubicBezTo>
+                  <a:pt x="949145" y="19536"/>
+                  <a:pt x="780234" y="31447"/>
+                  <a:pt x="705505" y="18288"/>
+                </a:cubicBezTo>
+                <a:cubicBezTo>
+                  <a:pt x="630776" y="5129"/>
+                  <a:pt x="215796" y="30056"/>
+                  <a:pt x="0" y="18288"/>
+                </a:cubicBezTo>
+                <a:cubicBezTo>
+                  <a:pt x="-53" y="11301"/>
+                  <a:pt x="-649" y="7756"/>
+                  <a:pt x="0" y="0"/>
+                </a:cubicBezTo>
+                <a:close/>
+              </a:path>
+            </a:pathLst>
+          </a:custGeom>
+          <a:solidFill>
+            <a:schemeClr val="accent2"/>
+          </a:solidFill>
+          <a:ln w="41275" cap="rnd">
+            <a:solidFill>
+              <a:schemeClr val="accent2"/>
+            </a:solidFill>
+            <a:round/>
+            <a:extLst>
+              <a:ext uri="{C807C97D-BFC1-408E-A445-0C87EB9F89A2}">
+                <ask:lineSketchStyleProps xmlns:ask="http://schemas.microsoft.com/office/drawing/2018/sketchyshapes" sd="1219033472">
+                  <a:prstGeom prst="rect">
+                    <a:avLst/>
+                  </a:prstGeom>
+                  <ask:type>
+                    <ask:lineSketchFreehand/>
+                  </ask:type>
+                </ask:lineSketchStyleProps>
+              </a:ext>
+            </a:extLst>
+          </a:ln>
+        </p:spPr>
+        <p:style>
+          <a:lnRef idx="2">
+            <a:schemeClr val="accent1">
+              <a:shade val="50000"/>
+            </a:schemeClr>
+          </a:lnRef>
+          <a:fillRef idx="1">
+            <a:schemeClr val="accent1"/>
+          </a:fillRef>
+          <a:effectRef idx="0">
+            <a:schemeClr val="accent1"/>
+          </a:effectRef>
+          <a:fontRef idx="minor">
+            <a:schemeClr val="lt1"/>
+          </a:fontRef>
+        </p:style>
+        <p:txBody>
+          <a:bodyPr rtlCol="0" anchor="ctr"/>
+          <a:lstStyle/>
+          <a:p>
+            <a:pPr algn="ctr"/>
+            <a:endParaRPr lang="en-US"/>
+          </a:p>
+        </p:txBody>
+      </p:sp>
+      <p:sp>
+        <p:nvSpPr>
+          <p:cNvPr id="3" name="Content Placeholder 2">
+            <a:extLst>
+              <a:ext uri="{FF2B5EF4-FFF2-40B4-BE49-F238E27FC236}">
+                <a16:creationId xmlns:a16="http://schemas.microsoft.com/office/drawing/2014/main" id="{91F57BB4-8B2B-80AC-73A4-1D24F194F704}"/>
+              </a:ext>
+            </a:extLst>
+          </p:cNvPr>
+          <p:cNvSpPr>
+            <a:spLocks noGrp="1"/>
+          </p:cNvSpPr>
+          <p:nvPr>
+            <p:ph idx="1"/>
+          </p:nvPr>
+        </p:nvSpPr>
+        <p:spPr>
+          <a:xfrm>
+            <a:off x="838200" y="1929384"/>
+            <a:ext cx="10515600" cy="4251960"/>
+          </a:xfrm>
+        </p:spPr>
+        <p:txBody>
+          <a:bodyPr>
+            <a:normAutofit/>
+          </a:bodyPr>
+          <a:lstStyle/>
+          <a:p>
+            <a:pPr>
+              <a:spcBef>
+                <a:spcPts val="200"/>
+              </a:spcBef>
+              <a:spcAft>
+                <a:spcPts val="200"/>
+              </a:spcAft>
+            </a:pPr>
+            <a:r>
+              <a:rPr lang="en-GB" sz="1100" b="0" i="0" dirty="0">
+                <a:effectLst/>
+              </a:rPr>
+              <a:t>A </a:t>
+            </a:r>
+            <a:r>
+              <a:rPr lang="en-GB" sz="1100" b="1" i="0" dirty="0">
+                <a:effectLst/>
+              </a:rPr>
+              <a:t>Virtual Interface (VIF)</a:t>
+            </a:r>
+            <a:r>
+              <a:rPr lang="en-GB" sz="1100" b="0" i="0" dirty="0">
+                <a:effectLst/>
+              </a:rPr>
+              <a:t> is a logical partition of an AWS Direct Connect connection that allows access to AWS services. </a:t>
+            </a:r>
+          </a:p>
+          <a:p>
+            <a:pPr>
+              <a:spcBef>
+                <a:spcPts val="200"/>
+              </a:spcBef>
+              <a:spcAft>
+                <a:spcPts val="200"/>
+              </a:spcAft>
+            </a:pPr>
+            <a:r>
+              <a:rPr lang="en-GB" sz="1100" b="0" i="0" dirty="0">
+                <a:effectLst/>
+              </a:rPr>
+              <a:t>When you create a Direct Connect connection, you must create a VIF to start using the service. </a:t>
+            </a:r>
+          </a:p>
+          <a:p>
+            <a:pPr>
+              <a:spcBef>
+                <a:spcPts val="200"/>
+              </a:spcBef>
+              <a:spcAft>
+                <a:spcPts val="200"/>
+              </a:spcAft>
+            </a:pPr>
+            <a:r>
+              <a:rPr lang="en-GB" sz="1100" dirty="0"/>
+              <a:t>There are 3 types of the VIFs </a:t>
+            </a:r>
+          </a:p>
+          <a:p>
+            <a:pPr lvl="1">
+              <a:spcBef>
+                <a:spcPts val="200"/>
+              </a:spcBef>
+              <a:spcAft>
+                <a:spcPts val="200"/>
+              </a:spcAft>
+            </a:pPr>
+            <a:r>
+              <a:rPr lang="en-GB" sz="1100" b="1" dirty="0">
+                <a:highlight>
+                  <a:srgbClr val="FFFF00"/>
+                </a:highlight>
+              </a:rPr>
+              <a:t>Public VIF </a:t>
+            </a:r>
+            <a:r>
+              <a:rPr lang="en-GB" sz="1100" dirty="0"/>
+              <a:t>- Enables the connectivity to all AWS public IP addresses</a:t>
+            </a:r>
+          </a:p>
+          <a:p>
+            <a:pPr lvl="2">
+              <a:spcBef>
+                <a:spcPts val="200"/>
+              </a:spcBef>
+              <a:spcAft>
+                <a:spcPts val="200"/>
+              </a:spcAft>
+            </a:pPr>
+            <a:r>
+              <a:rPr lang="en-GB" sz="1100" dirty="0"/>
+              <a:t>Public VIF enables your network to connect to all AWS Public IPs globally</a:t>
+            </a:r>
+          </a:p>
+          <a:p>
+            <a:pPr lvl="2">
+              <a:spcBef>
+                <a:spcPts val="200"/>
+              </a:spcBef>
+              <a:spcAft>
+                <a:spcPts val="200"/>
+              </a:spcAft>
+            </a:pPr>
+            <a:r>
+              <a:rPr lang="en-GB" sz="1100" dirty="0"/>
+              <a:t>From customer router to AWS maximum 1000 route prefixes can be advertised per Border Gateway Protocol (BGP) session</a:t>
+            </a:r>
+          </a:p>
+          <a:p>
+            <a:pPr lvl="2">
+              <a:spcBef>
+                <a:spcPts val="200"/>
+              </a:spcBef>
+              <a:spcAft>
+                <a:spcPts val="200"/>
+              </a:spcAft>
+            </a:pPr>
+            <a:r>
+              <a:rPr lang="en-GB" sz="1100" dirty="0"/>
+              <a:t>You can access services outside VPC </a:t>
+            </a:r>
+            <a:r>
+              <a:rPr lang="en-GB" sz="1100" dirty="0" err="1"/>
+              <a:t>e.g</a:t>
+            </a:r>
+            <a:r>
+              <a:rPr lang="en-GB" sz="1100" dirty="0"/>
+              <a:t> S3, SQS, DynamoDB and other public endpoints like AWS managed VPN (VGW) Public IPs</a:t>
+            </a:r>
+          </a:p>
+          <a:p>
+            <a:pPr lvl="1">
+              <a:spcBef>
+                <a:spcPts val="200"/>
+              </a:spcBef>
+              <a:spcAft>
+                <a:spcPts val="200"/>
+              </a:spcAft>
+            </a:pPr>
+            <a:r>
+              <a:rPr lang="en-GB" sz="1100" b="1" dirty="0">
+                <a:highlight>
+                  <a:srgbClr val="FFFF00"/>
+                </a:highlight>
+              </a:rPr>
+              <a:t>Private VIF </a:t>
+            </a:r>
+            <a:r>
+              <a:rPr lang="en-GB" sz="1100" dirty="0"/>
+              <a:t>- Enables the connectivity to VPC via Virtual Private Gateway or Direct Connect Gateway</a:t>
+            </a:r>
+          </a:p>
+          <a:p>
+            <a:pPr lvl="2">
+              <a:spcBef>
+                <a:spcPts val="200"/>
+              </a:spcBef>
+              <a:spcAft>
+                <a:spcPts val="200"/>
+              </a:spcAft>
+            </a:pPr>
+            <a:r>
+              <a:rPr lang="en-GB" sz="1100" dirty="0"/>
+              <a:t>Enables your network to connect to resources inside VPC using Private IPs for resources like EC2, RDS, Redshift over Private Ips</a:t>
+            </a:r>
+          </a:p>
+          <a:p>
+            <a:pPr lvl="2">
+              <a:spcBef>
+                <a:spcPts val="200"/>
+              </a:spcBef>
+              <a:spcAft>
+                <a:spcPts val="200"/>
+              </a:spcAft>
+            </a:pPr>
+            <a:r>
+              <a:rPr lang="en-GB" sz="1100" dirty="0"/>
+              <a:t>You must attach your VPC to VGW and associate VGW with Private VIF </a:t>
+            </a:r>
+          </a:p>
+          <a:p>
+            <a:pPr lvl="2">
+              <a:spcBef>
+                <a:spcPts val="200"/>
+              </a:spcBef>
+              <a:spcAft>
+                <a:spcPts val="200"/>
+              </a:spcAft>
+            </a:pPr>
+            <a:r>
+              <a:rPr lang="en-GB" sz="1100" dirty="0"/>
+              <a:t>Private VIF and VGW must be in the same AWS Region</a:t>
+            </a:r>
+          </a:p>
+          <a:p>
+            <a:pPr lvl="2">
+              <a:spcBef>
+                <a:spcPts val="200"/>
+              </a:spcBef>
+              <a:spcAft>
+                <a:spcPts val="200"/>
+              </a:spcAft>
+            </a:pPr>
+            <a:r>
+              <a:rPr lang="en-GB" sz="1100" dirty="0"/>
+              <a:t>Supports MTU of 1500 (default) and 9001 for propagated routes</a:t>
+            </a:r>
+          </a:p>
+          <a:p>
+            <a:pPr lvl="2">
+              <a:spcBef>
+                <a:spcPts val="200"/>
+              </a:spcBef>
+              <a:spcAft>
+                <a:spcPts val="200"/>
+              </a:spcAft>
+            </a:pPr>
+            <a:r>
+              <a:rPr lang="en-GB" sz="1100" dirty="0"/>
+              <a:t>Does not provide access to VPC DNS resolver at </a:t>
+            </a:r>
+            <a:r>
+              <a:rPr lang="en-GB" sz="1100" dirty="0" err="1"/>
+              <a:t>cidr</a:t>
+            </a:r>
+            <a:r>
+              <a:rPr lang="en-GB" sz="1100" dirty="0"/>
+              <a:t> + 2 </a:t>
+            </a:r>
+          </a:p>
+          <a:p>
+            <a:pPr lvl="2">
+              <a:spcBef>
+                <a:spcPts val="200"/>
+              </a:spcBef>
+              <a:spcAft>
+                <a:spcPts val="200"/>
+              </a:spcAft>
+            </a:pPr>
+            <a:r>
+              <a:rPr lang="en-GB" sz="1100" dirty="0"/>
+              <a:t>Does not provide access to VPC Gateway endpoints</a:t>
+            </a:r>
+          </a:p>
+          <a:p>
+            <a:pPr lvl="2">
+              <a:spcBef>
+                <a:spcPts val="200"/>
+              </a:spcBef>
+              <a:spcAft>
+                <a:spcPts val="200"/>
+              </a:spcAft>
+            </a:pPr>
+            <a:r>
+              <a:rPr lang="en-GB" sz="1100" dirty="0"/>
+              <a:t>You can announce a maximum of 100 prefixes to AWS</a:t>
+            </a:r>
+          </a:p>
+          <a:p>
+            <a:pPr lvl="1">
+              <a:spcBef>
+                <a:spcPts val="200"/>
+              </a:spcBef>
+              <a:spcAft>
+                <a:spcPts val="200"/>
+              </a:spcAft>
+            </a:pPr>
+            <a:r>
+              <a:rPr lang="en-GB" sz="1100" b="1" dirty="0">
+                <a:highlight>
+                  <a:srgbClr val="FFFF00"/>
+                </a:highlight>
+              </a:rPr>
+              <a:t>Transit VIF </a:t>
+            </a:r>
+            <a:r>
+              <a:rPr lang="en-GB" sz="1100" dirty="0"/>
+              <a:t>– Enables the connectivity to Transit Gateways via Direct Connect gateway</a:t>
+            </a:r>
+          </a:p>
+          <a:p>
+            <a:pPr lvl="2">
+              <a:spcBef>
+                <a:spcPts val="200"/>
+              </a:spcBef>
+              <a:spcAft>
+                <a:spcPts val="200"/>
+              </a:spcAft>
+            </a:pPr>
+            <a:r>
+              <a:rPr lang="en-GB" sz="1100" dirty="0"/>
+              <a:t>Enables the connection between Direct Connect and Transit Gateway </a:t>
+            </a:r>
+          </a:p>
+          <a:p>
+            <a:pPr lvl="2">
+              <a:spcBef>
+                <a:spcPts val="200"/>
+              </a:spcBef>
+              <a:spcAft>
+                <a:spcPts val="200"/>
+              </a:spcAft>
+            </a:pPr>
+            <a:r>
+              <a:rPr lang="en-GB" sz="1100" dirty="0"/>
+              <a:t>Transit VIF is connected to Direct Connect Gateway and Direct Connect Gateway connects to Transit Gateway  </a:t>
+            </a:r>
+          </a:p>
+          <a:p>
+            <a:pPr lvl="2">
+              <a:spcBef>
+                <a:spcPts val="200"/>
+              </a:spcBef>
+              <a:spcAft>
+                <a:spcPts val="200"/>
+              </a:spcAft>
+            </a:pPr>
+            <a:r>
+              <a:rPr lang="en-GB" sz="1100" dirty="0"/>
+              <a:t>Support MTU of 1500 and 8500 (Jumbo Frames) </a:t>
+            </a:r>
+          </a:p>
+          <a:p>
+            <a:pPr lvl="2">
+              <a:spcBef>
+                <a:spcPts val="200"/>
+              </a:spcBef>
+              <a:spcAft>
+                <a:spcPts val="200"/>
+              </a:spcAft>
+            </a:pPr>
+            <a:r>
+              <a:rPr lang="en-GB" sz="1100" dirty="0"/>
+              <a:t>You can attach multiple Transit Gateways to a single DX Gateway</a:t>
+            </a:r>
+            <a:endParaRPr lang="en-GB" sz="1100" b="0" i="0" dirty="0">
+              <a:effectLst/>
+            </a:endParaRPr>
+          </a:p>
+        </p:txBody>
+      </p:sp>
+    </p:spTree>
+    <p:extLst>
+      <p:ext uri="{BB962C8B-B14F-4D97-AF65-F5344CB8AC3E}">
+        <p14:creationId xmlns:p14="http://schemas.microsoft.com/office/powerpoint/2010/main" val="4098014242"/>
+      </p:ext>
+    </p:extLst>
+  </p:cSld>
+  <p:clrMapOvr>
+    <a:masterClrMapping/>
+  </p:clrMapOvr>
+</p:sld>
+</file>
+
+<file path=ppt/slides/slide3.xml><?xml version="1.0" encoding="utf-8"?>
+<p:sld xmlns:a="http://schemas.openxmlformats.org/drawingml/2006/main" xmlns:r="http://schemas.openxmlformats.org/officeDocument/2006/relationships" xmlns:p="http://schemas.openxmlformats.org/presentationml/2006/main">
+  <p:cSld>
+    <p:bg>
+      <p:bgPr>
+        <a:solidFill>
+          <a:schemeClr val="bg1"/>
+        </a:solidFill>
+        <a:effectLst/>
+      </p:bgPr>
+    </p:bg>
+    <p:spTree>
+      <p:nvGrpSpPr>
+        <p:cNvPr id="1" name=""/>
+        <p:cNvGrpSpPr/>
+        <p:nvPr/>
+      </p:nvGrpSpPr>
+      <p:grpSpPr>
+        <a:xfrm>
+          <a:off x="0" y="0"/>
+          <a:ext cx="0" cy="0"/>
+          <a:chOff x="0" y="0"/>
+          <a:chExt cx="0" cy="0"/>
+        </a:xfrm>
+      </p:grpSpPr>
+      <p:sp useBgFill="1">
+        <p:nvSpPr>
+          <p:cNvPr id="9" name="Rectangle 8">
+            <a:extLst>
+              <a:ext uri="{FF2B5EF4-FFF2-40B4-BE49-F238E27FC236}">
+                <a16:creationId xmlns:a16="http://schemas.microsoft.com/office/drawing/2014/main" id="{BCED4D40-4B67-4331-AC48-79B82B4A47D8}"/>
+              </a:ext>
+              <a:ext uri="{C183D7F6-B498-43B3-948B-1728B52AA6E4}">
+                <adec:decorative xmlns:adec="http://schemas.microsoft.com/office/drawing/2017/decorative" val="1"/>
+              </a:ext>
+            </a:extLst>
+          </p:cNvPr>
+          <p:cNvSpPr>
+            <a:spLocks noGrp="1" noRot="1" noChangeAspect="1" noMove="1" noResize="1" noEditPoints="1" noAdjustHandles="1" noChangeArrowheads="1" noChangeShapeType="1" noTextEdit="1"/>
+          </p:cNvSpPr>
+          <p:nvPr>
+            <p:extLst>
+              <p:ext uri="{386F3935-93C4-4BCD-93E2-E3B085C9AB24}">
+                <p16:designElem xmlns:p16="http://schemas.microsoft.com/office/powerpoint/2015/main" val="1"/>
+              </p:ext>
+            </p:extLst>
+          </p:nvPr>
+        </p:nvSpPr>
+        <p:spPr>
+          <a:xfrm>
+            <a:off x="0" y="0"/>
+            <a:ext cx="12192000" cy="6858000"/>
+          </a:xfrm>
+          <a:prstGeom prst="rect">
+            <a:avLst/>
+          </a:prstGeom>
+          <a:ln>
+            <a:noFill/>
+          </a:ln>
+        </p:spPr>
+        <p:style>
+          <a:lnRef idx="2">
+            <a:schemeClr val="accent1">
+              <a:shade val="50000"/>
+            </a:schemeClr>
+          </a:lnRef>
+          <a:fillRef idx="1">
+            <a:schemeClr val="accent1"/>
+          </a:fillRef>
+          <a:effectRef idx="0">
+            <a:schemeClr val="accent1"/>
+          </a:effectRef>
+          <a:fontRef idx="minor">
+            <a:schemeClr val="lt1"/>
+          </a:fontRef>
+        </p:style>
+        <p:txBody>
+          <a:bodyPr rtlCol="0" anchor="ctr"/>
+          <a:lstStyle/>
+          <a:p>
+            <a:pPr algn="ctr"/>
+            <a:endParaRPr lang="en-US"/>
+          </a:p>
+        </p:txBody>
+      </p:sp>
+      <p:sp>
+        <p:nvSpPr>
+          <p:cNvPr id="2" name="Title 1">
+            <a:extLst>
+              <a:ext uri="{FF2B5EF4-FFF2-40B4-BE49-F238E27FC236}">
+                <a16:creationId xmlns:a16="http://schemas.microsoft.com/office/drawing/2014/main" id="{9DD216A0-23ED-681A-FCB5-1327FA2A687E}"/>
+              </a:ext>
+            </a:extLst>
+          </p:cNvPr>
+          <p:cNvSpPr>
+            <a:spLocks noGrp="1"/>
+          </p:cNvSpPr>
+          <p:nvPr>
+            <p:ph type="title"/>
+          </p:nvPr>
+        </p:nvSpPr>
+        <p:spPr>
+          <a:xfrm>
+            <a:off x="638881" y="417576"/>
+            <a:ext cx="10909640" cy="1249394"/>
+          </a:xfrm>
+        </p:spPr>
+        <p:txBody>
+          <a:bodyPr vert="horz" lIns="91440" tIns="45720" rIns="91440" bIns="45720" rtlCol="0" anchor="ctr">
+            <a:normAutofit/>
+          </a:bodyPr>
+          <a:lstStyle/>
+          <a:p>
+            <a:pPr algn="ctr"/>
+            <a:r>
+              <a:rPr lang="en-US" sz="6600" kern="1200">
+                <a:solidFill>
+                  <a:schemeClr val="tx1"/>
+                </a:solidFill>
+                <a:latin typeface="+mj-lt"/>
+                <a:ea typeface="+mj-ea"/>
+                <a:cs typeface="+mj-cs"/>
+              </a:rPr>
+              <a:t>AWS Direct Connect</a:t>
+            </a:r>
+          </a:p>
+        </p:txBody>
+      </p:sp>
+      <p:sp>
+        <p:nvSpPr>
+          <p:cNvPr id="11" name="sketch line">
+            <a:extLst>
+              <a:ext uri="{FF2B5EF4-FFF2-40B4-BE49-F238E27FC236}">
+                <a16:creationId xmlns:a16="http://schemas.microsoft.com/office/drawing/2014/main" id="{670CEDEF-4F34-412E-84EE-329C1E936AF5}"/>
+              </a:ext>
+              <a:ext uri="{C183D7F6-B498-43B3-948B-1728B52AA6E4}">
+                <adec:decorative xmlns:adec="http://schemas.microsoft.com/office/drawing/2017/decorative" val="1"/>
+              </a:ext>
+            </a:extLst>
+          </p:cNvPr>
+          <p:cNvSpPr>
+            <a:spLocks noGrp="1" noRot="1" noChangeAspect="1" noMove="1" noResize="1" noEditPoints="1" noAdjustHandles="1" noChangeArrowheads="1" noChangeShapeType="1" noTextEdit="1"/>
+          </p:cNvSpPr>
+          <p:nvPr>
+            <p:extLst>
+              <p:ext uri="{386F3935-93C4-4BCD-93E2-E3B085C9AB24}">
+                <p16:designElem xmlns:p16="http://schemas.microsoft.com/office/powerpoint/2015/main" val="1"/>
+              </p:ext>
+            </p:extLst>
+          </p:nvPr>
+        </p:nvSpPr>
+        <p:spPr>
+          <a:xfrm>
+            <a:off x="3807702" y="1733454"/>
+            <a:ext cx="4572000" cy="18288"/>
+          </a:xfrm>
+          <a:custGeom>
+            <a:avLst/>
+            <a:gdLst>
+              <a:gd name="connsiteX0" fmla="*/ 0 w 4572000"/>
+              <a:gd name="connsiteY0" fmla="*/ 0 h 18288"/>
+              <a:gd name="connsiteX1" fmla="*/ 515983 w 4572000"/>
+              <a:gd name="connsiteY1" fmla="*/ 0 h 18288"/>
+              <a:gd name="connsiteX2" fmla="*/ 1031966 w 4572000"/>
+              <a:gd name="connsiteY2" fmla="*/ 0 h 18288"/>
+              <a:gd name="connsiteX3" fmla="*/ 1639389 w 4572000"/>
+              <a:gd name="connsiteY3" fmla="*/ 0 h 18288"/>
+              <a:gd name="connsiteX4" fmla="*/ 2383971 w 4572000"/>
+              <a:gd name="connsiteY4" fmla="*/ 0 h 18288"/>
+              <a:gd name="connsiteX5" fmla="*/ 2945674 w 4572000"/>
+              <a:gd name="connsiteY5" fmla="*/ 0 h 18288"/>
+              <a:gd name="connsiteX6" fmla="*/ 3507377 w 4572000"/>
+              <a:gd name="connsiteY6" fmla="*/ 0 h 18288"/>
+              <a:gd name="connsiteX7" fmla="*/ 4572000 w 4572000"/>
+              <a:gd name="connsiteY7" fmla="*/ 0 h 18288"/>
+              <a:gd name="connsiteX8" fmla="*/ 4572000 w 4572000"/>
+              <a:gd name="connsiteY8" fmla="*/ 18288 h 18288"/>
+              <a:gd name="connsiteX9" fmla="*/ 3873137 w 4572000"/>
+              <a:gd name="connsiteY9" fmla="*/ 18288 h 18288"/>
+              <a:gd name="connsiteX10" fmla="*/ 3311434 w 4572000"/>
+              <a:gd name="connsiteY10" fmla="*/ 18288 h 18288"/>
+              <a:gd name="connsiteX11" fmla="*/ 2749731 w 4572000"/>
+              <a:gd name="connsiteY11" fmla="*/ 18288 h 18288"/>
+              <a:gd name="connsiteX12" fmla="*/ 2050869 w 4572000"/>
+              <a:gd name="connsiteY12" fmla="*/ 18288 h 18288"/>
+              <a:gd name="connsiteX13" fmla="*/ 1306286 w 4572000"/>
+              <a:gd name="connsiteY13" fmla="*/ 18288 h 18288"/>
+              <a:gd name="connsiteX14" fmla="*/ 790303 w 4572000"/>
+              <a:gd name="connsiteY14" fmla="*/ 18288 h 18288"/>
+              <a:gd name="connsiteX15" fmla="*/ 0 w 4572000"/>
+              <a:gd name="connsiteY15" fmla="*/ 18288 h 18288"/>
+              <a:gd name="connsiteX16" fmla="*/ 0 w 4572000"/>
+              <a:gd name="connsiteY16" fmla="*/ 0 h 18288"/>
+            </a:gdLst>
+            <a:ahLst/>
+            <a:cxnLst>
+              <a:cxn ang="0">
+                <a:pos x="connsiteX0" y="connsiteY0"/>
+              </a:cxn>
+              <a:cxn ang="0">
+                <a:pos x="connsiteX1" y="connsiteY1"/>
+              </a:cxn>
+              <a:cxn ang="0">
+                <a:pos x="connsiteX2" y="connsiteY2"/>
+              </a:cxn>
+              <a:cxn ang="0">
+                <a:pos x="connsiteX3" y="connsiteY3"/>
+              </a:cxn>
+              <a:cxn ang="0">
+                <a:pos x="connsiteX4" y="connsiteY4"/>
+              </a:cxn>
+              <a:cxn ang="0">
+                <a:pos x="connsiteX5" y="connsiteY5"/>
+              </a:cxn>
+              <a:cxn ang="0">
+                <a:pos x="connsiteX6" y="connsiteY6"/>
+              </a:cxn>
+              <a:cxn ang="0">
+                <a:pos x="connsiteX7" y="connsiteY7"/>
+              </a:cxn>
+              <a:cxn ang="0">
+                <a:pos x="connsiteX8" y="connsiteY8"/>
+              </a:cxn>
+              <a:cxn ang="0">
+                <a:pos x="connsiteX9" y="connsiteY9"/>
+              </a:cxn>
+              <a:cxn ang="0">
+                <a:pos x="connsiteX10" y="connsiteY10"/>
+              </a:cxn>
+              <a:cxn ang="0">
+                <a:pos x="connsiteX11" y="connsiteY11"/>
+              </a:cxn>
+              <a:cxn ang="0">
+                <a:pos x="connsiteX12" y="connsiteY12"/>
+              </a:cxn>
+              <a:cxn ang="0">
+                <a:pos x="connsiteX13" y="connsiteY13"/>
+              </a:cxn>
+              <a:cxn ang="0">
+                <a:pos x="connsiteX14" y="connsiteY14"/>
+              </a:cxn>
+              <a:cxn ang="0">
+                <a:pos x="connsiteX15" y="connsiteY15"/>
+              </a:cxn>
+              <a:cxn ang="0">
+                <a:pos x="connsiteX16" y="connsiteY16"/>
+              </a:cxn>
+            </a:cxnLst>
+            <a:rect l="l" t="t" r="r" b="b"/>
+            <a:pathLst>
+              <a:path w="4572000" h="18288" fill="none" extrusionOk="0">
+                <a:moveTo>
+                  <a:pt x="0" y="0"/>
+                </a:moveTo>
+                <a:cubicBezTo>
+                  <a:pt x="105156" y="-20963"/>
+                  <a:pt x="340432" y="822"/>
+                  <a:pt x="515983" y="0"/>
+                </a:cubicBezTo>
+                <a:cubicBezTo>
+                  <a:pt x="691534" y="-822"/>
+                  <a:pt x="850679" y="16479"/>
+                  <a:pt x="1031966" y="0"/>
+                </a:cubicBezTo>
+                <a:cubicBezTo>
+                  <a:pt x="1213253" y="-16479"/>
+                  <a:pt x="1443646" y="-18730"/>
+                  <a:pt x="1639389" y="0"/>
+                </a:cubicBezTo>
+                <a:cubicBezTo>
+                  <a:pt x="1835132" y="18730"/>
+                  <a:pt x="2159975" y="18531"/>
+                  <a:pt x="2383971" y="0"/>
+                </a:cubicBezTo>
+                <a:cubicBezTo>
+                  <a:pt x="2607967" y="-18531"/>
+                  <a:pt x="2719096" y="-12030"/>
+                  <a:pt x="2945674" y="0"/>
+                </a:cubicBezTo>
+                <a:cubicBezTo>
+                  <a:pt x="3172252" y="12030"/>
+                  <a:pt x="3269167" y="27666"/>
+                  <a:pt x="3507377" y="0"/>
+                </a:cubicBezTo>
+                <a:cubicBezTo>
+                  <a:pt x="3745587" y="-27666"/>
+                  <a:pt x="4116741" y="18705"/>
+                  <a:pt x="4572000" y="0"/>
+                </a:cubicBezTo>
+                <a:cubicBezTo>
+                  <a:pt x="4572895" y="8974"/>
+                  <a:pt x="4571454" y="9359"/>
+                  <a:pt x="4572000" y="18288"/>
+                </a:cubicBezTo>
+                <a:cubicBezTo>
+                  <a:pt x="4374698" y="3942"/>
+                  <a:pt x="4098874" y="-11042"/>
+                  <a:pt x="3873137" y="18288"/>
+                </a:cubicBezTo>
+                <a:cubicBezTo>
+                  <a:pt x="3647400" y="47618"/>
+                  <a:pt x="3517055" y="5421"/>
+                  <a:pt x="3311434" y="18288"/>
+                </a:cubicBezTo>
+                <a:cubicBezTo>
+                  <a:pt x="3105813" y="31155"/>
+                  <a:pt x="3025168" y="17856"/>
+                  <a:pt x="2749731" y="18288"/>
+                </a:cubicBezTo>
+                <a:cubicBezTo>
+                  <a:pt x="2474294" y="18720"/>
+                  <a:pt x="2291766" y="-14168"/>
+                  <a:pt x="2050869" y="18288"/>
+                </a:cubicBezTo>
+                <a:cubicBezTo>
+                  <a:pt x="1809972" y="50744"/>
+                  <a:pt x="1540276" y="46798"/>
+                  <a:pt x="1306286" y="18288"/>
+                </a:cubicBezTo>
+                <a:cubicBezTo>
+                  <a:pt x="1072296" y="-10222"/>
+                  <a:pt x="972445" y="19645"/>
+                  <a:pt x="790303" y="18288"/>
+                </a:cubicBezTo>
+                <a:cubicBezTo>
+                  <a:pt x="608161" y="16931"/>
+                  <a:pt x="200981" y="8241"/>
+                  <a:pt x="0" y="18288"/>
+                </a:cubicBezTo>
+                <a:cubicBezTo>
+                  <a:pt x="-229" y="14222"/>
+                  <a:pt x="509" y="5816"/>
+                  <a:pt x="0" y="0"/>
+                </a:cubicBezTo>
+                <a:close/>
+              </a:path>
+              <a:path w="4572000" h="18288" stroke="0" extrusionOk="0">
+                <a:moveTo>
+                  <a:pt x="0" y="0"/>
+                </a:moveTo>
+                <a:cubicBezTo>
+                  <a:pt x="143285" y="-9565"/>
+                  <a:pt x="327959" y="-11498"/>
+                  <a:pt x="561703" y="0"/>
+                </a:cubicBezTo>
+                <a:cubicBezTo>
+                  <a:pt x="795447" y="11498"/>
+                  <a:pt x="838260" y="18255"/>
+                  <a:pt x="1077686" y="0"/>
+                </a:cubicBezTo>
+                <a:cubicBezTo>
+                  <a:pt x="1317112" y="-18255"/>
+                  <a:pt x="1437472" y="23514"/>
+                  <a:pt x="1639389" y="0"/>
+                </a:cubicBezTo>
+                <a:cubicBezTo>
+                  <a:pt x="1841306" y="-23514"/>
+                  <a:pt x="2037142" y="-12551"/>
+                  <a:pt x="2292531" y="0"/>
+                </a:cubicBezTo>
+                <a:cubicBezTo>
+                  <a:pt x="2547920" y="12551"/>
+                  <a:pt x="2810436" y="-20352"/>
+                  <a:pt x="2991394" y="0"/>
+                </a:cubicBezTo>
+                <a:cubicBezTo>
+                  <a:pt x="3172352" y="20352"/>
+                  <a:pt x="3530025" y="-13347"/>
+                  <a:pt x="3735977" y="0"/>
+                </a:cubicBezTo>
+                <a:cubicBezTo>
+                  <a:pt x="3941929" y="13347"/>
+                  <a:pt x="4161497" y="34086"/>
+                  <a:pt x="4572000" y="0"/>
+                </a:cubicBezTo>
+                <a:cubicBezTo>
+                  <a:pt x="4571545" y="6162"/>
+                  <a:pt x="4571903" y="11775"/>
+                  <a:pt x="4572000" y="18288"/>
+                </a:cubicBezTo>
+                <a:cubicBezTo>
+                  <a:pt x="4228040" y="36490"/>
+                  <a:pt x="4199736" y="42557"/>
+                  <a:pt x="3873137" y="18288"/>
+                </a:cubicBezTo>
+                <a:cubicBezTo>
+                  <a:pt x="3546538" y="-5981"/>
+                  <a:pt x="3472124" y="16809"/>
+                  <a:pt x="3128554" y="18288"/>
+                </a:cubicBezTo>
+                <a:cubicBezTo>
+                  <a:pt x="2784984" y="19767"/>
+                  <a:pt x="2735896" y="-17781"/>
+                  <a:pt x="2383971" y="18288"/>
+                </a:cubicBezTo>
+                <a:cubicBezTo>
+                  <a:pt x="2032046" y="54357"/>
+                  <a:pt x="2019324" y="2920"/>
+                  <a:pt x="1867989" y="18288"/>
+                </a:cubicBezTo>
+                <a:cubicBezTo>
+                  <a:pt x="1716654" y="33656"/>
+                  <a:pt x="1418675" y="32575"/>
+                  <a:pt x="1169126" y="18288"/>
+                </a:cubicBezTo>
+                <a:cubicBezTo>
+                  <a:pt x="919577" y="4001"/>
+                  <a:pt x="798537" y="16165"/>
+                  <a:pt x="561703" y="18288"/>
+                </a:cubicBezTo>
+                <a:cubicBezTo>
+                  <a:pt x="324869" y="20411"/>
+                  <a:pt x="221395" y="-912"/>
+                  <a:pt x="0" y="18288"/>
+                </a:cubicBezTo>
+                <a:cubicBezTo>
+                  <a:pt x="766" y="10800"/>
+                  <a:pt x="-457" y="8180"/>
+                  <a:pt x="0" y="0"/>
+                </a:cubicBezTo>
+                <a:close/>
+              </a:path>
+            </a:pathLst>
+          </a:custGeom>
+          <a:solidFill>
+            <a:schemeClr val="accent2"/>
+          </a:solidFill>
+          <a:ln w="41275" cap="rnd">
+            <a:solidFill>
+              <a:schemeClr val="accent2"/>
+            </a:solidFill>
+            <a:round/>
+            <a:extLst>
+              <a:ext uri="{C807C97D-BFC1-408E-A445-0C87EB9F89A2}">
+                <ask:lineSketchStyleProps xmlns:ask="http://schemas.microsoft.com/office/drawing/2018/sketchyshapes" sd="2727557108">
+                  <a:prstGeom prst="rect">
+                    <a:avLst/>
+                  </a:prstGeom>
+                  <ask:type>
+                    <ask:lineSketchFreehand/>
+                  </ask:type>
+                </ask:lineSketchStyleProps>
+              </a:ext>
+            </a:extLst>
+          </a:ln>
+        </p:spPr>
+        <p:style>
+          <a:lnRef idx="2">
+            <a:schemeClr val="accent1">
+              <a:shade val="50000"/>
+            </a:schemeClr>
+          </a:lnRef>
+          <a:fillRef idx="1">
+            <a:schemeClr val="accent1"/>
+          </a:fillRef>
+          <a:effectRef idx="0">
+            <a:schemeClr val="accent1"/>
+          </a:effectRef>
+          <a:fontRef idx="minor">
+            <a:schemeClr val="lt1"/>
+          </a:fontRef>
+        </p:style>
+        <p:txBody>
+          <a:bodyPr rtlCol="0" anchor="ctr"/>
+          <a:lstStyle/>
+          <a:p>
+            <a:pPr algn="ctr"/>
+            <a:endParaRPr lang="en-US"/>
           </a:p>
         </p:txBody>
       </p:sp>
@@ -3465,8 +6598,8 @@
         </p:blipFill>
         <p:spPr>
           <a:xfrm>
-            <a:off x="2209800" y="1798883"/>
-            <a:ext cx="7772400" cy="3260234"/>
+            <a:off x="1825008" y="2633472"/>
+            <a:ext cx="8538936" cy="3586353"/>
           </a:xfrm>
           <a:prstGeom prst="rect">
             <a:avLst/>
@@ -3486,9 +6619,17 @@
 </p:sld>
 </file>
 
-<file path=ppt/slides/slide3.xml><?xml version="1.0" encoding="utf-8"?>
+<file path=ppt/slides/slide4.xml><?xml version="1.0" encoding="utf-8"?>
 <p:sld xmlns:a="http://schemas.openxmlformats.org/drawingml/2006/main" xmlns:r="http://schemas.openxmlformats.org/officeDocument/2006/relationships" xmlns:p="http://schemas.openxmlformats.org/presentationml/2006/main">
   <p:cSld>
+    <p:bg>
+      <p:bgPr>
+        <a:solidFill>
+          <a:schemeClr val="bg1"/>
+        </a:solidFill>
+        <a:effectLst/>
+      </p:bgPr>
+    </p:bg>
     <p:spTree>
       <p:nvGrpSpPr>
         <p:cNvPr id="1" name=""/>
@@ -3505,10 +6646,73 @@
       </p:grpSpPr>
       <p:sp>
         <p:nvSpPr>
+          <p:cNvPr id="9" name="Rectangle 8">
+            <a:extLst>
+              <a:ext uri="{FF2B5EF4-FFF2-40B4-BE49-F238E27FC236}">
+                <a16:creationId xmlns:a16="http://schemas.microsoft.com/office/drawing/2014/main" id="{A4AC5506-6312-4701-8D3C-40187889A947}"/>
+              </a:ext>
+              <a:ext uri="{C183D7F6-B498-43B3-948B-1728B52AA6E4}">
+                <adec:decorative xmlns:adec="http://schemas.microsoft.com/office/drawing/2017/decorative" val="1"/>
+              </a:ext>
+            </a:extLst>
+          </p:cNvPr>
+          <p:cNvSpPr>
+            <a:spLocks noGrp="1" noRot="1" noChangeAspect="1" noMove="1" noResize="1" noEditPoints="1" noAdjustHandles="1" noChangeArrowheads="1" noChangeShapeType="1" noTextEdit="1"/>
+          </p:cNvSpPr>
+          <p:nvPr>
+            <p:extLst>
+              <p:ext uri="{386F3935-93C4-4BCD-93E2-E3B085C9AB24}">
+                <p16:designElem xmlns:p16="http://schemas.microsoft.com/office/powerpoint/2015/main" val="1"/>
+              </p:ext>
+            </p:extLst>
+          </p:nvPr>
+        </p:nvSpPr>
+        <p:spPr>
+          <a:xfrm>
+            <a:off x="0" y="651752"/>
+            <a:ext cx="12192000" cy="736551"/>
+          </a:xfrm>
+          <a:prstGeom prst="rect">
+            <a:avLst/>
+          </a:prstGeom>
+          <a:solidFill>
+            <a:schemeClr val="tx1"/>
+          </a:solidFill>
+          <a:ln>
+            <a:noFill/>
+          </a:ln>
+        </p:spPr>
+        <p:style>
+          <a:lnRef idx="2">
+            <a:schemeClr val="accent1">
+              <a:shade val="50000"/>
+            </a:schemeClr>
+          </a:lnRef>
+          <a:fillRef idx="1">
+            <a:schemeClr val="accent1"/>
+          </a:fillRef>
+          <a:effectRef idx="0">
+            <a:schemeClr val="accent1"/>
+          </a:effectRef>
+          <a:fontRef idx="minor">
+            <a:schemeClr val="lt1"/>
+          </a:fontRef>
+        </p:style>
+        <p:txBody>
+          <a:bodyPr rtlCol="0" anchor="ctr"/>
+          <a:lstStyle/>
+          <a:p>
+            <a:pPr algn="ctr"/>
+            <a:endParaRPr lang="en-US"/>
+          </a:p>
+        </p:txBody>
+      </p:sp>
+      <p:sp>
+        <p:nvSpPr>
           <p:cNvPr id="2" name="Title 1">
             <a:extLst>
               <a:ext uri="{FF2B5EF4-FFF2-40B4-BE49-F238E27FC236}">
-                <a16:creationId xmlns:a16="http://schemas.microsoft.com/office/drawing/2014/main" id="{8F0856B5-4240-868E-58CC-9E97D85C88C6}"/>
+                <a16:creationId xmlns:a16="http://schemas.microsoft.com/office/drawing/2014/main" id="{B518463D-3132-0D80-A636-88AB2A6DE9DC}"/>
               </a:ext>
             </a:extLst>
           </p:cNvPr>
@@ -3519,109 +6723,67 @@
             <p:ph type="title"/>
           </p:nvPr>
         </p:nvSpPr>
-        <p:spPr/>
+        <p:spPr>
+          <a:xfrm>
+            <a:off x="556532" y="643467"/>
+            <a:ext cx="11210925" cy="744836"/>
+          </a:xfrm>
+        </p:spPr>
         <p:txBody>
-          <a:bodyPr/>
-          <a:lstStyle/>
-          <a:p>
-            <a:r>
-              <a:rPr lang="en-GB" dirty="0"/>
-              <a:t>Direct Connect – Connection Types</a:t>
-            </a:r>
-            <a:endParaRPr lang="en-CH" dirty="0"/>
-          </a:p>
-        </p:txBody>
-      </p:sp>
-      <p:sp>
-        <p:nvSpPr>
-          <p:cNvPr id="3" name="Content Placeholder 2">
-            <a:extLst>
-              <a:ext uri="{FF2B5EF4-FFF2-40B4-BE49-F238E27FC236}">
-                <a16:creationId xmlns:a16="http://schemas.microsoft.com/office/drawing/2014/main" id="{D5A5711B-E490-5F7A-B8A9-1AC29E62B4BC}"/>
-              </a:ext>
-            </a:extLst>
-          </p:cNvPr>
-          <p:cNvSpPr>
-            <a:spLocks noGrp="1"/>
-          </p:cNvSpPr>
-          <p:nvPr>
-            <p:ph idx="1"/>
-          </p:nvPr>
-        </p:nvSpPr>
-        <p:spPr/>
-        <p:txBody>
-          <a:bodyPr>
+          <a:bodyPr vert="horz" lIns="91440" tIns="45720" rIns="91440" bIns="45720" rtlCol="0" anchor="ctr">
             <a:normAutofit/>
           </a:bodyPr>
           <a:lstStyle/>
           <a:p>
-            <a:r>
-              <a:rPr lang="en-GB" dirty="0"/>
-              <a:t>Dedicated Connections: 1Gbps, 10 Gbps and 100 Gbps capacity </a:t>
-            </a:r>
-          </a:p>
-          <a:p>
-            <a:pPr lvl="1"/>
-            <a:r>
-              <a:rPr lang="en-GB" dirty="0"/>
-              <a:t>Physical ethernet port dedicated to a customer  </a:t>
-            </a:r>
-          </a:p>
-          <a:p>
-            <a:pPr lvl="1"/>
-            <a:r>
-              <a:rPr lang="en-GB" dirty="0"/>
-              <a:t>Request made to AWS first, then completed by AWS Direct Connect Partners </a:t>
-            </a:r>
-          </a:p>
-          <a:p>
-            <a:pPr lvl="1"/>
-            <a:r>
-              <a:rPr lang="en-GB" dirty="0"/>
-              <a:t>Can be either setup by your Network Provider or AWS Direct Connect Partner  </a:t>
-            </a:r>
-          </a:p>
-          <a:p>
-            <a:r>
-              <a:rPr lang="en-GB" dirty="0"/>
-              <a:t>Hosted Connections:  </a:t>
-            </a:r>
-          </a:p>
-          <a:p>
-            <a:pPr lvl="1"/>
-            <a:r>
-              <a:rPr lang="en-GB" dirty="0"/>
-              <a:t>50, 100, 200, 300, 400, 500 Mbps and 1 Gbps, 2 Gbps, 5 Gbps, 10 Gbps  </a:t>
-            </a:r>
-          </a:p>
-          <a:p>
-            <a:pPr lvl="1"/>
-            <a:r>
-              <a:rPr lang="en-GB" dirty="0"/>
-              <a:t>Connection requests are made via AWS Direct Connect Partners  </a:t>
-            </a:r>
-          </a:p>
-          <a:p>
-            <a:pPr lvl="1"/>
-            <a:r>
-              <a:rPr lang="en-GB" dirty="0"/>
-              <a:t>1, 2, 5, 10 Gbps available at select AWS Direct Connect Partners  </a:t>
-            </a:r>
-          </a:p>
-          <a:p>
-            <a:pPr lvl="1"/>
-            <a:r>
-              <a:rPr lang="en-GB" dirty="0"/>
-              <a:t>AWS uses traffic policing on hosted connections – excess traffic is dropped</a:t>
-            </a:r>
-            <a:endParaRPr lang="en-CH" dirty="0"/>
+            <a:pPr algn="ctr"/>
+            <a:r>
+              <a:rPr lang="en-US" sz="3200" kern="1200">
+                <a:solidFill>
+                  <a:schemeClr val="bg1"/>
+                </a:solidFill>
+                <a:latin typeface="+mj-lt"/>
+                <a:ea typeface="+mj-ea"/>
+                <a:cs typeface="+mj-cs"/>
+              </a:rPr>
+              <a:t>Transit VIF</a:t>
+            </a:r>
           </a:p>
         </p:txBody>
       </p:sp>
+      <p:pic>
+        <p:nvPicPr>
+          <p:cNvPr id="4" name="Picture 3" descr="A diagram of a network&#10;&#10;Description automatically generated">
+            <a:extLst>
+              <a:ext uri="{FF2B5EF4-FFF2-40B4-BE49-F238E27FC236}">
+                <a16:creationId xmlns:a16="http://schemas.microsoft.com/office/drawing/2014/main" id="{E9580630-4E8C-8000-F01C-B740E366C925}"/>
+              </a:ext>
+            </a:extLst>
+          </p:cNvPr>
+          <p:cNvPicPr>
+            <a:picLocks noChangeAspect="1"/>
+          </p:cNvPicPr>
+          <p:nvPr/>
+        </p:nvPicPr>
+        <p:blipFill>
+          <a:blip r:embed="rId2"/>
+          <a:stretch>
+            <a:fillRect/>
+          </a:stretch>
+        </p:blipFill>
+        <p:spPr>
+          <a:xfrm>
+            <a:off x="956585" y="1675227"/>
+            <a:ext cx="10278830" cy="4394199"/>
+          </a:xfrm>
+          <a:prstGeom prst="rect">
+            <a:avLst/>
+          </a:prstGeom>
+        </p:spPr>
+      </p:pic>
     </p:spTree>
     <p:extLst>
       <p:ext uri="{BB962C8B-B14F-4D97-AF65-F5344CB8AC3E}">
-        <p14:creationId xmlns:p14="http://schemas.microsoft.com/office/powerpoint/2010/main" val="3297024730"/>
+        <p14:creationId xmlns:p14="http://schemas.microsoft.com/office/powerpoint/2010/main" val="1699105558"/>
       </p:ext>
     </p:extLst>
   </p:cSld>
@@ -3631,9 +6793,17 @@
 </p:sld>
 </file>
 
-<file path=ppt/slides/slide4.xml><?xml version="1.0" encoding="utf-8"?>
+<file path=ppt/slides/slide5.xml><?xml version="1.0" encoding="utf-8"?>
 <p:sld xmlns:a="http://schemas.openxmlformats.org/drawingml/2006/main" xmlns:r="http://schemas.openxmlformats.org/officeDocument/2006/relationships" xmlns:p="http://schemas.openxmlformats.org/presentationml/2006/main">
   <p:cSld>
+    <p:bg>
+      <p:bgPr>
+        <a:solidFill>
+          <a:schemeClr val="bg1"/>
+        </a:solidFill>
+        <a:effectLst/>
+      </p:bgPr>
+    </p:bg>
     <p:spTree>
       <p:nvGrpSpPr>
         <p:cNvPr id="1" name=""/>
@@ -3650,10 +6820,73 @@
       </p:grpSpPr>
       <p:sp>
         <p:nvSpPr>
+          <p:cNvPr id="9" name="Rectangle 8">
+            <a:extLst>
+              <a:ext uri="{FF2B5EF4-FFF2-40B4-BE49-F238E27FC236}">
+                <a16:creationId xmlns:a16="http://schemas.microsoft.com/office/drawing/2014/main" id="{A4AC5506-6312-4701-8D3C-40187889A947}"/>
+              </a:ext>
+              <a:ext uri="{C183D7F6-B498-43B3-948B-1728B52AA6E4}">
+                <adec:decorative xmlns:adec="http://schemas.microsoft.com/office/drawing/2017/decorative" val="1"/>
+              </a:ext>
+            </a:extLst>
+          </p:cNvPr>
+          <p:cNvSpPr>
+            <a:spLocks noGrp="1" noRot="1" noChangeAspect="1" noMove="1" noResize="1" noEditPoints="1" noAdjustHandles="1" noChangeArrowheads="1" noChangeShapeType="1" noTextEdit="1"/>
+          </p:cNvSpPr>
+          <p:nvPr>
+            <p:extLst>
+              <p:ext uri="{386F3935-93C4-4BCD-93E2-E3B085C9AB24}">
+                <p16:designElem xmlns:p16="http://schemas.microsoft.com/office/powerpoint/2015/main" val="1"/>
+              </p:ext>
+            </p:extLst>
+          </p:nvPr>
+        </p:nvSpPr>
+        <p:spPr>
+          <a:xfrm>
+            <a:off x="0" y="651752"/>
+            <a:ext cx="12192000" cy="736551"/>
+          </a:xfrm>
+          <a:prstGeom prst="rect">
+            <a:avLst/>
+          </a:prstGeom>
+          <a:solidFill>
+            <a:schemeClr val="tx1"/>
+          </a:solidFill>
+          <a:ln>
+            <a:noFill/>
+          </a:ln>
+        </p:spPr>
+        <p:style>
+          <a:lnRef idx="2">
+            <a:schemeClr val="accent1">
+              <a:shade val="50000"/>
+            </a:schemeClr>
+          </a:lnRef>
+          <a:fillRef idx="1">
+            <a:schemeClr val="accent1"/>
+          </a:fillRef>
+          <a:effectRef idx="0">
+            <a:schemeClr val="accent1"/>
+          </a:effectRef>
+          <a:fontRef idx="minor">
+            <a:schemeClr val="lt1"/>
+          </a:fontRef>
+        </p:style>
+        <p:txBody>
+          <a:bodyPr rtlCol="0" anchor="ctr"/>
+          <a:lstStyle/>
+          <a:p>
+            <a:pPr algn="ctr"/>
+            <a:endParaRPr lang="en-US"/>
+          </a:p>
+        </p:txBody>
+      </p:sp>
+      <p:sp>
+        <p:nvSpPr>
           <p:cNvPr id="2" name="Title 1">
             <a:extLst>
               <a:ext uri="{FF2B5EF4-FFF2-40B4-BE49-F238E27FC236}">
-                <a16:creationId xmlns:a16="http://schemas.microsoft.com/office/drawing/2014/main" id="{57C66BA1-80D2-8F88-6088-17324230263C}"/>
+                <a16:creationId xmlns:a16="http://schemas.microsoft.com/office/drawing/2014/main" id="{4589EB82-29A0-DB2C-E611-F171026F5DA0}"/>
               </a:ext>
             </a:extLst>
           </p:cNvPr>
@@ -3664,167 +6897,67 @@
             <p:ph type="title"/>
           </p:nvPr>
         </p:nvSpPr>
-        <p:spPr/>
+        <p:spPr>
+          <a:xfrm>
+            <a:off x="556532" y="643467"/>
+            <a:ext cx="11210925" cy="744836"/>
+          </a:xfrm>
+        </p:spPr>
         <p:txBody>
-          <a:bodyPr/>
+          <a:bodyPr vert="horz" lIns="91440" tIns="45720" rIns="91440" bIns="45720" rtlCol="0" anchor="ctr">
+            <a:normAutofit/>
+          </a:bodyPr>
           <a:lstStyle/>
           <a:p>
-            <a:r>
-              <a:rPr lang="en-CH" dirty="0"/>
-              <a:t>AWS Direct Connect Public and Private VIF</a:t>
+            <a:pPr algn="ctr"/>
+            <a:r>
+              <a:rPr lang="en-US" sz="3200" kern="1200">
+                <a:solidFill>
+                  <a:schemeClr val="bg1"/>
+                </a:solidFill>
+                <a:latin typeface="+mj-lt"/>
+                <a:ea typeface="+mj-ea"/>
+                <a:cs typeface="+mj-cs"/>
+              </a:rPr>
+              <a:t>Private VIF Limitations</a:t>
             </a:r>
           </a:p>
         </p:txBody>
       </p:sp>
-      <p:sp>
-        <p:nvSpPr>
-          <p:cNvPr id="3" name="Content Placeholder 2">
-            <a:extLst>
-              <a:ext uri="{FF2B5EF4-FFF2-40B4-BE49-F238E27FC236}">
-                <a16:creationId xmlns:a16="http://schemas.microsoft.com/office/drawing/2014/main" id="{91F57BB4-8B2B-80AC-73A4-1D24F194F704}"/>
-              </a:ext>
-            </a:extLst>
-          </p:cNvPr>
-          <p:cNvSpPr>
-            <a:spLocks noGrp="1"/>
-          </p:cNvSpPr>
-          <p:nvPr>
-            <p:ph idx="1"/>
-          </p:nvPr>
-        </p:nvSpPr>
-        <p:spPr/>
-        <p:txBody>
-          <a:bodyPr>
-            <a:normAutofit fontScale="70000" lnSpcReduction="20000"/>
-          </a:bodyPr>
-          <a:lstStyle/>
-          <a:p>
-            <a:pPr algn="l"/>
-            <a:r>
-              <a:rPr lang="en-GB" b="0" i="0" dirty="0">
-                <a:effectLst/>
-              </a:rPr>
-              <a:t>A </a:t>
-            </a:r>
-            <a:r>
-              <a:rPr lang="en-GB" b="1" i="0" dirty="0">
-                <a:effectLst/>
-              </a:rPr>
-              <a:t>Virtual Interface (VIF)</a:t>
-            </a:r>
-            <a:r>
-              <a:rPr lang="en-GB" b="0" i="0" dirty="0">
-                <a:effectLst/>
-              </a:rPr>
-              <a:t> is a logical partition of an AWS Direct Connect connection that allows access to AWS services. </a:t>
-            </a:r>
-          </a:p>
-          <a:p>
-            <a:pPr algn="l"/>
-            <a:r>
-              <a:rPr lang="en-GB" b="0" i="0" dirty="0">
-                <a:effectLst/>
-              </a:rPr>
-              <a:t>When you create a Direct Connect connection, you must create a VIF to start using the service. </a:t>
-            </a:r>
-          </a:p>
-          <a:p>
-            <a:pPr algn="l"/>
-            <a:r>
-              <a:rPr lang="en-GB" b="0" i="0" dirty="0">
-                <a:effectLst/>
-              </a:rPr>
-              <a:t>There are two types of VIFs you can create with AWS Direct Connect:</a:t>
-            </a:r>
-          </a:p>
-          <a:p>
-            <a:r>
-              <a:rPr lang="en-GB" b="1" i="0" dirty="0">
-                <a:effectLst/>
-              </a:rPr>
-              <a:t>Private Virtual Interface (Private VIF)</a:t>
-            </a:r>
-            <a:r>
-              <a:rPr lang="en-GB" b="0" i="0" dirty="0">
-                <a:effectLst/>
-              </a:rPr>
-              <a:t>:</a:t>
-            </a:r>
-          </a:p>
-          <a:p>
-            <a:pPr lvl="1"/>
-            <a:r>
-              <a:rPr lang="en-GB" b="0" i="0" dirty="0">
-                <a:effectLst/>
-              </a:rPr>
-              <a:t>A Private VIF is used to access an VPC using private IP addresses.</a:t>
-            </a:r>
-          </a:p>
-          <a:p>
-            <a:pPr lvl="1"/>
-            <a:r>
-              <a:rPr lang="en-GB" b="0" i="0" dirty="0">
-                <a:effectLst/>
-              </a:rPr>
-              <a:t>Traffic through a Private VIF is routed to the Amazon VPC, bypassing the public internet, which provides enhanced security and potentially better performance.</a:t>
-            </a:r>
-          </a:p>
-          <a:p>
-            <a:pPr lvl="1"/>
-            <a:r>
-              <a:rPr lang="en-GB" b="0" i="0" dirty="0">
-                <a:effectLst/>
-              </a:rPr>
-              <a:t>You can use a Private VIF to connect to resources within a VPC, such as EC2 instances, RDS databases, and other services that can be provisioned within a VPC.</a:t>
-            </a:r>
-          </a:p>
-          <a:p>
-            <a:r>
-              <a:rPr lang="en-GB" b="1" i="0" dirty="0">
-                <a:effectLst/>
-              </a:rPr>
-              <a:t>Public Virtual Interface (Public VIF)</a:t>
-            </a:r>
-            <a:r>
-              <a:rPr lang="en-GB" b="0" i="0" dirty="0">
-                <a:effectLst/>
-              </a:rPr>
-              <a:t>:</a:t>
-            </a:r>
-          </a:p>
-          <a:p>
-            <a:pPr lvl="1"/>
-            <a:r>
-              <a:rPr lang="en-GB" b="0" i="0" dirty="0">
-                <a:effectLst/>
-              </a:rPr>
-              <a:t>A Public VIF is used to access public AWS services that aren't within a VPC, such as Amazon S3 or DynamoDB.</a:t>
-            </a:r>
-          </a:p>
-          <a:p>
-            <a:pPr lvl="1"/>
-            <a:r>
-              <a:rPr lang="en-GB" b="0" i="0" dirty="0">
-                <a:effectLst/>
-              </a:rPr>
-              <a:t>Traffic through a Public VIF is routed to the AWS public endpoints, but still bypasses the internet and goes over the AWS Direct Connect link.</a:t>
-            </a:r>
-          </a:p>
-          <a:p>
-            <a:pPr lvl="1"/>
-            <a:r>
-              <a:rPr lang="en-GB" b="0" i="0" dirty="0">
-                <a:effectLst/>
-              </a:rPr>
-              <a:t>With a Public VIF, you have access to all AWS regions (except those in China) and services that use public IP address space.</a:t>
-            </a:r>
-          </a:p>
-        </p:txBody>
-      </p:sp>
+      <p:pic>
+        <p:nvPicPr>
+          <p:cNvPr id="4" name="Picture 3" descr="A close-up of a sign&#10;&#10;Description automatically generated">
+            <a:extLst>
+              <a:ext uri="{FF2B5EF4-FFF2-40B4-BE49-F238E27FC236}">
+                <a16:creationId xmlns:a16="http://schemas.microsoft.com/office/drawing/2014/main" id="{2B16C363-9998-FC0A-AED6-D9E6CE68CBE8}"/>
+              </a:ext>
+            </a:extLst>
+          </p:cNvPr>
+          <p:cNvPicPr>
+            <a:picLocks noChangeAspect="1"/>
+          </p:cNvPicPr>
+          <p:nvPr/>
+        </p:nvPicPr>
+        <p:blipFill>
+          <a:blip r:embed="rId2"/>
+          <a:stretch>
+            <a:fillRect/>
+          </a:stretch>
+        </p:blipFill>
+        <p:spPr>
+          <a:xfrm>
+            <a:off x="643467" y="2631875"/>
+            <a:ext cx="10905066" cy="2480903"/>
+          </a:xfrm>
+          <a:prstGeom prst="rect">
+            <a:avLst/>
+          </a:prstGeom>
+        </p:spPr>
+      </p:pic>
     </p:spTree>
     <p:extLst>
       <p:ext uri="{BB962C8B-B14F-4D97-AF65-F5344CB8AC3E}">
-        <p14:creationId xmlns:p14="http://schemas.microsoft.com/office/powerpoint/2010/main" val="4098014242"/>
+        <p14:creationId xmlns:p14="http://schemas.microsoft.com/office/powerpoint/2010/main" val="3520649730"/>
       </p:ext>
     </p:extLst>
   </p:cSld>
@@ -3834,9 +6967,888 @@
 </p:sld>
 </file>
 
-<file path=ppt/slides/slide5.xml><?xml version="1.0" encoding="utf-8"?>
+<file path=ppt/slides/slide6.xml><?xml version="1.0" encoding="utf-8"?>
 <p:sld xmlns:a="http://schemas.openxmlformats.org/drawingml/2006/main" xmlns:r="http://schemas.openxmlformats.org/officeDocument/2006/relationships" xmlns:p="http://schemas.openxmlformats.org/presentationml/2006/main">
   <p:cSld>
+    <p:bg>
+      <p:bgPr>
+        <a:solidFill>
+          <a:schemeClr val="bg1"/>
+        </a:solidFill>
+        <a:effectLst/>
+      </p:bgPr>
+    </p:bg>
+    <p:spTree>
+      <p:nvGrpSpPr>
+        <p:cNvPr id="1" name=""/>
+        <p:cNvGrpSpPr/>
+        <p:nvPr/>
+      </p:nvGrpSpPr>
+      <p:grpSpPr>
+        <a:xfrm>
+          <a:off x="0" y="0"/>
+          <a:ext cx="0" cy="0"/>
+          <a:chOff x="0" y="0"/>
+          <a:chExt cx="0" cy="0"/>
+        </a:xfrm>
+      </p:grpSpPr>
+      <p:sp useBgFill="1">
+        <p:nvSpPr>
+          <p:cNvPr id="8" name="Rectangle 7">
+            <a:extLst>
+              <a:ext uri="{FF2B5EF4-FFF2-40B4-BE49-F238E27FC236}">
+                <a16:creationId xmlns:a16="http://schemas.microsoft.com/office/drawing/2014/main" id="{100EDD19-6802-4EC3-95CE-CFFAB042CFD6}"/>
+              </a:ext>
+              <a:ext uri="{C183D7F6-B498-43B3-948B-1728B52AA6E4}">
+                <adec:decorative xmlns:adec="http://schemas.microsoft.com/office/drawing/2017/decorative" val="1"/>
+              </a:ext>
+            </a:extLst>
+          </p:cNvPr>
+          <p:cNvSpPr>
+            <a:spLocks noGrp="1" noRot="1" noChangeAspect="1" noMove="1" noResize="1" noEditPoints="1" noAdjustHandles="1" noChangeArrowheads="1" noChangeShapeType="1" noTextEdit="1"/>
+          </p:cNvSpPr>
+          <p:nvPr>
+            <p:extLst>
+              <p:ext uri="{386F3935-93C4-4BCD-93E2-E3B085C9AB24}">
+                <p16:designElem xmlns:p16="http://schemas.microsoft.com/office/powerpoint/2015/main" val="1"/>
+              </p:ext>
+            </p:extLst>
+          </p:nvPr>
+        </p:nvSpPr>
+        <p:spPr>
+          <a:xfrm>
+            <a:off x="0" y="0"/>
+            <a:ext cx="12188952" cy="6858000"/>
+          </a:xfrm>
+          <a:prstGeom prst="rect">
+            <a:avLst/>
+          </a:prstGeom>
+          <a:ln>
+            <a:noFill/>
+          </a:ln>
+        </p:spPr>
+        <p:style>
+          <a:lnRef idx="2">
+            <a:schemeClr val="accent1">
+              <a:shade val="50000"/>
+            </a:schemeClr>
+          </a:lnRef>
+          <a:fillRef idx="1">
+            <a:schemeClr val="accent1"/>
+          </a:fillRef>
+          <a:effectRef idx="0">
+            <a:schemeClr val="accent1"/>
+          </a:effectRef>
+          <a:fontRef idx="minor">
+            <a:schemeClr val="lt1"/>
+          </a:fontRef>
+        </p:style>
+        <p:txBody>
+          <a:bodyPr rtlCol="0" anchor="ctr"/>
+          <a:lstStyle/>
+          <a:p>
+            <a:pPr algn="ctr"/>
+            <a:endParaRPr lang="en-US"/>
+          </a:p>
+        </p:txBody>
+      </p:sp>
+      <p:sp>
+        <p:nvSpPr>
+          <p:cNvPr id="2" name="Title 1">
+            <a:extLst>
+              <a:ext uri="{FF2B5EF4-FFF2-40B4-BE49-F238E27FC236}">
+                <a16:creationId xmlns:a16="http://schemas.microsoft.com/office/drawing/2014/main" id="{8F0856B5-4240-868E-58CC-9E97D85C88C6}"/>
+              </a:ext>
+            </a:extLst>
+          </p:cNvPr>
+          <p:cNvSpPr>
+            <a:spLocks noGrp="1"/>
+          </p:cNvSpPr>
+          <p:nvPr>
+            <p:ph type="title"/>
+          </p:nvPr>
+        </p:nvSpPr>
+        <p:spPr>
+          <a:xfrm>
+            <a:off x="838200" y="365125"/>
+            <a:ext cx="10515600" cy="1325563"/>
+          </a:xfrm>
+        </p:spPr>
+        <p:txBody>
+          <a:bodyPr>
+            <a:normAutofit/>
+          </a:bodyPr>
+          <a:lstStyle/>
+          <a:p>
+            <a:r>
+              <a:rPr lang="en-GB" sz="5400"/>
+              <a:t>Direct Connect – Connection Types</a:t>
+            </a:r>
+            <a:endParaRPr lang="en-CH" sz="5400"/>
+          </a:p>
+        </p:txBody>
+      </p:sp>
+      <p:sp>
+        <p:nvSpPr>
+          <p:cNvPr id="10" name="sketch line">
+            <a:extLst>
+              <a:ext uri="{FF2B5EF4-FFF2-40B4-BE49-F238E27FC236}">
+                <a16:creationId xmlns:a16="http://schemas.microsoft.com/office/drawing/2014/main" id="{DB17E863-922E-4C26-BD64-E8FD41D28661}"/>
+              </a:ext>
+              <a:ext uri="{C183D7F6-B498-43B3-948B-1728B52AA6E4}">
+                <adec:decorative xmlns:adec="http://schemas.microsoft.com/office/drawing/2017/decorative" val="1"/>
+              </a:ext>
+            </a:extLst>
+          </p:cNvPr>
+          <p:cNvSpPr>
+            <a:spLocks noGrp="1" noRot="1" noChangeAspect="1" noMove="1" noResize="1" noEditPoints="1" noAdjustHandles="1" noChangeArrowheads="1" noChangeShapeType="1" noTextEdit="1"/>
+          </p:cNvSpPr>
+          <p:nvPr>
+            <p:extLst>
+              <p:ext uri="{386F3935-93C4-4BCD-93E2-E3B085C9AB24}">
+                <p16:designElem xmlns:p16="http://schemas.microsoft.com/office/powerpoint/2015/main" val="1"/>
+              </p:ext>
+            </p:extLst>
+          </p:nvPr>
+        </p:nvSpPr>
+        <p:spPr>
+          <a:xfrm>
+            <a:off x="669036" y="1677373"/>
+            <a:ext cx="10853928" cy="18288"/>
+          </a:xfrm>
+          <a:custGeom>
+            <a:avLst/>
+            <a:gdLst>
+              <a:gd name="connsiteX0" fmla="*/ 0 w 10853928"/>
+              <a:gd name="connsiteY0" fmla="*/ 0 h 18288"/>
+              <a:gd name="connsiteX1" fmla="*/ 461292 w 10853928"/>
+              <a:gd name="connsiteY1" fmla="*/ 0 h 18288"/>
+              <a:gd name="connsiteX2" fmla="*/ 1139662 w 10853928"/>
+              <a:gd name="connsiteY2" fmla="*/ 0 h 18288"/>
+              <a:gd name="connsiteX3" fmla="*/ 1926572 w 10853928"/>
+              <a:gd name="connsiteY3" fmla="*/ 0 h 18288"/>
+              <a:gd name="connsiteX4" fmla="*/ 2279325 w 10853928"/>
+              <a:gd name="connsiteY4" fmla="*/ 0 h 18288"/>
+              <a:gd name="connsiteX5" fmla="*/ 2632078 w 10853928"/>
+              <a:gd name="connsiteY5" fmla="*/ 0 h 18288"/>
+              <a:gd name="connsiteX6" fmla="*/ 3527527 w 10853928"/>
+              <a:gd name="connsiteY6" fmla="*/ 0 h 18288"/>
+              <a:gd name="connsiteX7" fmla="*/ 4205897 w 10853928"/>
+              <a:gd name="connsiteY7" fmla="*/ 0 h 18288"/>
+              <a:gd name="connsiteX8" fmla="*/ 4558650 w 10853928"/>
+              <a:gd name="connsiteY8" fmla="*/ 0 h 18288"/>
+              <a:gd name="connsiteX9" fmla="*/ 5237020 w 10853928"/>
+              <a:gd name="connsiteY9" fmla="*/ 0 h 18288"/>
+              <a:gd name="connsiteX10" fmla="*/ 6132469 w 10853928"/>
+              <a:gd name="connsiteY10" fmla="*/ 0 h 18288"/>
+              <a:gd name="connsiteX11" fmla="*/ 6702301 w 10853928"/>
+              <a:gd name="connsiteY11" fmla="*/ 0 h 18288"/>
+              <a:gd name="connsiteX12" fmla="*/ 7272132 w 10853928"/>
+              <a:gd name="connsiteY12" fmla="*/ 0 h 18288"/>
+              <a:gd name="connsiteX13" fmla="*/ 7950502 w 10853928"/>
+              <a:gd name="connsiteY13" fmla="*/ 0 h 18288"/>
+              <a:gd name="connsiteX14" fmla="*/ 8737412 w 10853928"/>
+              <a:gd name="connsiteY14" fmla="*/ 0 h 18288"/>
+              <a:gd name="connsiteX15" fmla="*/ 9524322 w 10853928"/>
+              <a:gd name="connsiteY15" fmla="*/ 0 h 18288"/>
+              <a:gd name="connsiteX16" fmla="*/ 10853928 w 10853928"/>
+              <a:gd name="connsiteY16" fmla="*/ 0 h 18288"/>
+              <a:gd name="connsiteX17" fmla="*/ 10853928 w 10853928"/>
+              <a:gd name="connsiteY17" fmla="*/ 18288 h 18288"/>
+              <a:gd name="connsiteX18" fmla="*/ 10392636 w 10853928"/>
+              <a:gd name="connsiteY18" fmla="*/ 18288 h 18288"/>
+              <a:gd name="connsiteX19" fmla="*/ 9497187 w 10853928"/>
+              <a:gd name="connsiteY19" fmla="*/ 18288 h 18288"/>
+              <a:gd name="connsiteX20" fmla="*/ 8818817 w 10853928"/>
+              <a:gd name="connsiteY20" fmla="*/ 18288 h 18288"/>
+              <a:gd name="connsiteX21" fmla="*/ 8466064 w 10853928"/>
+              <a:gd name="connsiteY21" fmla="*/ 18288 h 18288"/>
+              <a:gd name="connsiteX22" fmla="*/ 7787693 w 10853928"/>
+              <a:gd name="connsiteY22" fmla="*/ 18288 h 18288"/>
+              <a:gd name="connsiteX23" fmla="*/ 7217862 w 10853928"/>
+              <a:gd name="connsiteY23" fmla="*/ 18288 h 18288"/>
+              <a:gd name="connsiteX24" fmla="*/ 6648031 w 10853928"/>
+              <a:gd name="connsiteY24" fmla="*/ 18288 h 18288"/>
+              <a:gd name="connsiteX25" fmla="*/ 6078200 w 10853928"/>
+              <a:gd name="connsiteY25" fmla="*/ 18288 h 18288"/>
+              <a:gd name="connsiteX26" fmla="*/ 5508368 w 10853928"/>
+              <a:gd name="connsiteY26" fmla="*/ 18288 h 18288"/>
+              <a:gd name="connsiteX27" fmla="*/ 4721459 w 10853928"/>
+              <a:gd name="connsiteY27" fmla="*/ 18288 h 18288"/>
+              <a:gd name="connsiteX28" fmla="*/ 4043088 w 10853928"/>
+              <a:gd name="connsiteY28" fmla="*/ 18288 h 18288"/>
+              <a:gd name="connsiteX29" fmla="*/ 3690336 w 10853928"/>
+              <a:gd name="connsiteY29" fmla="*/ 18288 h 18288"/>
+              <a:gd name="connsiteX30" fmla="*/ 3120504 w 10853928"/>
+              <a:gd name="connsiteY30" fmla="*/ 18288 h 18288"/>
+              <a:gd name="connsiteX31" fmla="*/ 2333595 w 10853928"/>
+              <a:gd name="connsiteY31" fmla="*/ 18288 h 18288"/>
+              <a:gd name="connsiteX32" fmla="*/ 1872303 w 10853928"/>
+              <a:gd name="connsiteY32" fmla="*/ 18288 h 18288"/>
+              <a:gd name="connsiteX33" fmla="*/ 976854 w 10853928"/>
+              <a:gd name="connsiteY33" fmla="*/ 18288 h 18288"/>
+              <a:gd name="connsiteX34" fmla="*/ 0 w 10853928"/>
+              <a:gd name="connsiteY34" fmla="*/ 18288 h 18288"/>
+              <a:gd name="connsiteX35" fmla="*/ 0 w 10853928"/>
+              <a:gd name="connsiteY35" fmla="*/ 0 h 18288"/>
+            </a:gdLst>
+            <a:ahLst/>
+            <a:cxnLst>
+              <a:cxn ang="0">
+                <a:pos x="connsiteX0" y="connsiteY0"/>
+              </a:cxn>
+              <a:cxn ang="0">
+                <a:pos x="connsiteX1" y="connsiteY1"/>
+              </a:cxn>
+              <a:cxn ang="0">
+                <a:pos x="connsiteX2" y="connsiteY2"/>
+              </a:cxn>
+              <a:cxn ang="0">
+                <a:pos x="connsiteX3" y="connsiteY3"/>
+              </a:cxn>
+              <a:cxn ang="0">
+                <a:pos x="connsiteX4" y="connsiteY4"/>
+              </a:cxn>
+              <a:cxn ang="0">
+                <a:pos x="connsiteX5" y="connsiteY5"/>
+              </a:cxn>
+              <a:cxn ang="0">
+                <a:pos x="connsiteX6" y="connsiteY6"/>
+              </a:cxn>
+              <a:cxn ang="0">
+                <a:pos x="connsiteX7" y="connsiteY7"/>
+              </a:cxn>
+              <a:cxn ang="0">
+                <a:pos x="connsiteX8" y="connsiteY8"/>
+              </a:cxn>
+              <a:cxn ang="0">
+                <a:pos x="connsiteX9" y="connsiteY9"/>
+              </a:cxn>
+              <a:cxn ang="0">
+                <a:pos x="connsiteX10" y="connsiteY10"/>
+              </a:cxn>
+              <a:cxn ang="0">
+                <a:pos x="connsiteX11" y="connsiteY11"/>
+              </a:cxn>
+              <a:cxn ang="0">
+                <a:pos x="connsiteX12" y="connsiteY12"/>
+              </a:cxn>
+              <a:cxn ang="0">
+                <a:pos x="connsiteX13" y="connsiteY13"/>
+              </a:cxn>
+              <a:cxn ang="0">
+                <a:pos x="connsiteX14" y="connsiteY14"/>
+              </a:cxn>
+              <a:cxn ang="0">
+                <a:pos x="connsiteX15" y="connsiteY15"/>
+              </a:cxn>
+              <a:cxn ang="0">
+                <a:pos x="connsiteX16" y="connsiteY16"/>
+              </a:cxn>
+              <a:cxn ang="0">
+                <a:pos x="connsiteX17" y="connsiteY17"/>
+              </a:cxn>
+              <a:cxn ang="0">
+                <a:pos x="connsiteX18" y="connsiteY18"/>
+              </a:cxn>
+              <a:cxn ang="0">
+                <a:pos x="connsiteX19" y="connsiteY19"/>
+              </a:cxn>
+              <a:cxn ang="0">
+                <a:pos x="connsiteX20" y="connsiteY20"/>
+              </a:cxn>
+              <a:cxn ang="0">
+                <a:pos x="connsiteX21" y="connsiteY21"/>
+              </a:cxn>
+              <a:cxn ang="0">
+                <a:pos x="connsiteX22" y="connsiteY22"/>
+              </a:cxn>
+              <a:cxn ang="0">
+                <a:pos x="connsiteX23" y="connsiteY23"/>
+              </a:cxn>
+              <a:cxn ang="0">
+                <a:pos x="connsiteX24" y="connsiteY24"/>
+              </a:cxn>
+              <a:cxn ang="0">
+                <a:pos x="connsiteX25" y="connsiteY25"/>
+              </a:cxn>
+              <a:cxn ang="0">
+                <a:pos x="connsiteX26" y="connsiteY26"/>
+              </a:cxn>
+              <a:cxn ang="0">
+                <a:pos x="connsiteX27" y="connsiteY27"/>
+              </a:cxn>
+              <a:cxn ang="0">
+                <a:pos x="connsiteX28" y="connsiteY28"/>
+              </a:cxn>
+              <a:cxn ang="0">
+                <a:pos x="connsiteX29" y="connsiteY29"/>
+              </a:cxn>
+              <a:cxn ang="0">
+                <a:pos x="connsiteX30" y="connsiteY30"/>
+              </a:cxn>
+              <a:cxn ang="0">
+                <a:pos x="connsiteX31" y="connsiteY31"/>
+              </a:cxn>
+              <a:cxn ang="0">
+                <a:pos x="connsiteX32" y="connsiteY32"/>
+              </a:cxn>
+              <a:cxn ang="0">
+                <a:pos x="connsiteX33" y="connsiteY33"/>
+              </a:cxn>
+              <a:cxn ang="0">
+                <a:pos x="connsiteX34" y="connsiteY34"/>
+              </a:cxn>
+              <a:cxn ang="0">
+                <a:pos x="connsiteX35" y="connsiteY35"/>
+              </a:cxn>
+            </a:cxnLst>
+            <a:rect l="l" t="t" r="r" b="b"/>
+            <a:pathLst>
+              <a:path w="10853928" h="18288" fill="none" extrusionOk="0">
+                <a:moveTo>
+                  <a:pt x="0" y="0"/>
+                </a:moveTo>
+                <a:cubicBezTo>
+                  <a:pt x="146993" y="-19076"/>
+                  <a:pt x="347684" y="-4790"/>
+                  <a:pt x="461292" y="0"/>
+                </a:cubicBezTo>
+                <a:cubicBezTo>
+                  <a:pt x="574900" y="4790"/>
+                  <a:pt x="808367" y="19821"/>
+                  <a:pt x="1139662" y="0"/>
+                </a:cubicBezTo>
+                <a:cubicBezTo>
+                  <a:pt x="1470957" y="-19821"/>
+                  <a:pt x="1627405" y="5721"/>
+                  <a:pt x="1926572" y="0"/>
+                </a:cubicBezTo>
+                <a:cubicBezTo>
+                  <a:pt x="2225739" y="-5721"/>
+                  <a:pt x="2137730" y="-3235"/>
+                  <a:pt x="2279325" y="0"/>
+                </a:cubicBezTo>
+                <a:cubicBezTo>
+                  <a:pt x="2420920" y="3235"/>
+                  <a:pt x="2456518" y="9685"/>
+                  <a:pt x="2632078" y="0"/>
+                </a:cubicBezTo>
+                <a:cubicBezTo>
+                  <a:pt x="2807638" y="-9685"/>
+                  <a:pt x="3211516" y="-43007"/>
+                  <a:pt x="3527527" y="0"/>
+                </a:cubicBezTo>
+                <a:cubicBezTo>
+                  <a:pt x="3843538" y="43007"/>
+                  <a:pt x="4058833" y="22042"/>
+                  <a:pt x="4205897" y="0"/>
+                </a:cubicBezTo>
+                <a:cubicBezTo>
+                  <a:pt x="4352961" y="-22042"/>
+                  <a:pt x="4474805" y="-11846"/>
+                  <a:pt x="4558650" y="0"/>
+                </a:cubicBezTo>
+                <a:cubicBezTo>
+                  <a:pt x="4642495" y="11846"/>
+                  <a:pt x="5041928" y="-6069"/>
+                  <a:pt x="5237020" y="0"/>
+                </a:cubicBezTo>
+                <a:cubicBezTo>
+                  <a:pt x="5432112" y="6069"/>
+                  <a:pt x="5943266" y="-17479"/>
+                  <a:pt x="6132469" y="0"/>
+                </a:cubicBezTo>
+                <a:cubicBezTo>
+                  <a:pt x="6321672" y="17479"/>
+                  <a:pt x="6483872" y="26234"/>
+                  <a:pt x="6702301" y="0"/>
+                </a:cubicBezTo>
+                <a:cubicBezTo>
+                  <a:pt x="6920730" y="-26234"/>
+                  <a:pt x="6991194" y="-15156"/>
+                  <a:pt x="7272132" y="0"/>
+                </a:cubicBezTo>
+                <a:cubicBezTo>
+                  <a:pt x="7553070" y="15156"/>
+                  <a:pt x="7684444" y="-32961"/>
+                  <a:pt x="7950502" y="0"/>
+                </a:cubicBezTo>
+                <a:cubicBezTo>
+                  <a:pt x="8216560" y="32961"/>
+                  <a:pt x="8493290" y="-10491"/>
+                  <a:pt x="8737412" y="0"/>
+                </a:cubicBezTo>
+                <a:cubicBezTo>
+                  <a:pt x="8981534" y="10491"/>
+                  <a:pt x="9191586" y="-13899"/>
+                  <a:pt x="9524322" y="0"/>
+                </a:cubicBezTo>
+                <a:cubicBezTo>
+                  <a:pt x="9857058" y="13899"/>
+                  <a:pt x="10297509" y="7485"/>
+                  <a:pt x="10853928" y="0"/>
+                </a:cubicBezTo>
+                <a:cubicBezTo>
+                  <a:pt x="10854574" y="4451"/>
+                  <a:pt x="10854418" y="9226"/>
+                  <a:pt x="10853928" y="18288"/>
+                </a:cubicBezTo>
+                <a:cubicBezTo>
+                  <a:pt x="10691638" y="28522"/>
+                  <a:pt x="10574319" y="29578"/>
+                  <a:pt x="10392636" y="18288"/>
+                </a:cubicBezTo>
+                <a:cubicBezTo>
+                  <a:pt x="10210953" y="6998"/>
+                  <a:pt x="9836277" y="-16742"/>
+                  <a:pt x="9497187" y="18288"/>
+                </a:cubicBezTo>
+                <a:cubicBezTo>
+                  <a:pt x="9158097" y="53318"/>
+                  <a:pt x="9119479" y="30714"/>
+                  <a:pt x="8818817" y="18288"/>
+                </a:cubicBezTo>
+                <a:cubicBezTo>
+                  <a:pt x="8518155" y="5863"/>
+                  <a:pt x="8640037" y="6483"/>
+                  <a:pt x="8466064" y="18288"/>
+                </a:cubicBezTo>
+                <a:cubicBezTo>
+                  <a:pt x="8292091" y="30093"/>
+                  <a:pt x="7997656" y="18914"/>
+                  <a:pt x="7787693" y="18288"/>
+                </a:cubicBezTo>
+                <a:cubicBezTo>
+                  <a:pt x="7577730" y="17662"/>
+                  <a:pt x="7412468" y="21416"/>
+                  <a:pt x="7217862" y="18288"/>
+                </a:cubicBezTo>
+                <a:cubicBezTo>
+                  <a:pt x="7023256" y="15160"/>
+                  <a:pt x="6898018" y="14824"/>
+                  <a:pt x="6648031" y="18288"/>
+                </a:cubicBezTo>
+                <a:cubicBezTo>
+                  <a:pt x="6398044" y="21752"/>
+                  <a:pt x="6254402" y="38625"/>
+                  <a:pt x="6078200" y="18288"/>
+                </a:cubicBezTo>
+                <a:cubicBezTo>
+                  <a:pt x="5901998" y="-2049"/>
+                  <a:pt x="5622886" y="3213"/>
+                  <a:pt x="5508368" y="18288"/>
+                </a:cubicBezTo>
+                <a:cubicBezTo>
+                  <a:pt x="5393850" y="33363"/>
+                  <a:pt x="5036260" y="26830"/>
+                  <a:pt x="4721459" y="18288"/>
+                </a:cubicBezTo>
+                <a:cubicBezTo>
+                  <a:pt x="4406658" y="9746"/>
+                  <a:pt x="4239221" y="41551"/>
+                  <a:pt x="4043088" y="18288"/>
+                </a:cubicBezTo>
+                <a:cubicBezTo>
+                  <a:pt x="3846955" y="-4975"/>
+                  <a:pt x="3818802" y="34658"/>
+                  <a:pt x="3690336" y="18288"/>
+                </a:cubicBezTo>
+                <a:cubicBezTo>
+                  <a:pt x="3561870" y="1918"/>
+                  <a:pt x="3265491" y="42194"/>
+                  <a:pt x="3120504" y="18288"/>
+                </a:cubicBezTo>
+                <a:cubicBezTo>
+                  <a:pt x="2975517" y="-5618"/>
+                  <a:pt x="2720254" y="36673"/>
+                  <a:pt x="2333595" y="18288"/>
+                </a:cubicBezTo>
+                <a:cubicBezTo>
+                  <a:pt x="1946936" y="-97"/>
+                  <a:pt x="2097241" y="5776"/>
+                  <a:pt x="1872303" y="18288"/>
+                </a:cubicBezTo>
+                <a:cubicBezTo>
+                  <a:pt x="1647365" y="30800"/>
+                  <a:pt x="1282708" y="45380"/>
+                  <a:pt x="976854" y="18288"/>
+                </a:cubicBezTo>
+                <a:cubicBezTo>
+                  <a:pt x="671000" y="-8804"/>
+                  <a:pt x="408401" y="-12775"/>
+                  <a:pt x="0" y="18288"/>
+                </a:cubicBezTo>
+                <a:cubicBezTo>
+                  <a:pt x="-213" y="9468"/>
+                  <a:pt x="187" y="4459"/>
+                  <a:pt x="0" y="0"/>
+                </a:cubicBezTo>
+                <a:close/>
+              </a:path>
+              <a:path w="10853928" h="18288" stroke="0" extrusionOk="0">
+                <a:moveTo>
+                  <a:pt x="0" y="0"/>
+                </a:moveTo>
+                <a:cubicBezTo>
+                  <a:pt x="267322" y="15284"/>
+                  <a:pt x="415388" y="-21048"/>
+                  <a:pt x="569831" y="0"/>
+                </a:cubicBezTo>
+                <a:cubicBezTo>
+                  <a:pt x="724274" y="21048"/>
+                  <a:pt x="769333" y="-2353"/>
+                  <a:pt x="922584" y="0"/>
+                </a:cubicBezTo>
+                <a:cubicBezTo>
+                  <a:pt x="1075835" y="2353"/>
+                  <a:pt x="1399490" y="-145"/>
+                  <a:pt x="1818033" y="0"/>
+                </a:cubicBezTo>
+                <a:cubicBezTo>
+                  <a:pt x="2236576" y="145"/>
+                  <a:pt x="2145330" y="5482"/>
+                  <a:pt x="2387864" y="0"/>
+                </a:cubicBezTo>
+                <a:cubicBezTo>
+                  <a:pt x="2630398" y="-5482"/>
+                  <a:pt x="2793207" y="18487"/>
+                  <a:pt x="2957695" y="0"/>
+                </a:cubicBezTo>
+                <a:cubicBezTo>
+                  <a:pt x="3122183" y="-18487"/>
+                  <a:pt x="3579141" y="19003"/>
+                  <a:pt x="3853144" y="0"/>
+                </a:cubicBezTo>
+                <a:cubicBezTo>
+                  <a:pt x="4127147" y="-19003"/>
+                  <a:pt x="4209857" y="12211"/>
+                  <a:pt x="4314436" y="0"/>
+                </a:cubicBezTo>
+                <a:cubicBezTo>
+                  <a:pt x="4419015" y="-12211"/>
+                  <a:pt x="4762459" y="-17220"/>
+                  <a:pt x="5209885" y="0"/>
+                </a:cubicBezTo>
+                <a:cubicBezTo>
+                  <a:pt x="5657311" y="17220"/>
+                  <a:pt x="5692663" y="-3290"/>
+                  <a:pt x="6105335" y="0"/>
+                </a:cubicBezTo>
+                <a:cubicBezTo>
+                  <a:pt x="6518007" y="3290"/>
+                  <a:pt x="6455516" y="-5124"/>
+                  <a:pt x="6783705" y="0"/>
+                </a:cubicBezTo>
+                <a:cubicBezTo>
+                  <a:pt x="7111894" y="5124"/>
+                  <a:pt x="7441941" y="-17829"/>
+                  <a:pt x="7679154" y="0"/>
+                </a:cubicBezTo>
+                <a:cubicBezTo>
+                  <a:pt x="7916367" y="17829"/>
+                  <a:pt x="8102967" y="-24363"/>
+                  <a:pt x="8248985" y="0"/>
+                </a:cubicBezTo>
+                <a:cubicBezTo>
+                  <a:pt x="8395003" y="24363"/>
+                  <a:pt x="8552393" y="25505"/>
+                  <a:pt x="8818817" y="0"/>
+                </a:cubicBezTo>
+                <a:cubicBezTo>
+                  <a:pt x="9085241" y="-25505"/>
+                  <a:pt x="9411308" y="38000"/>
+                  <a:pt x="9605726" y="0"/>
+                </a:cubicBezTo>
+                <a:cubicBezTo>
+                  <a:pt x="9800144" y="-38000"/>
+                  <a:pt x="10006468" y="-25741"/>
+                  <a:pt x="10175558" y="0"/>
+                </a:cubicBezTo>
+                <a:cubicBezTo>
+                  <a:pt x="10344648" y="25741"/>
+                  <a:pt x="10696282" y="695"/>
+                  <a:pt x="10853928" y="0"/>
+                </a:cubicBezTo>
+                <a:cubicBezTo>
+                  <a:pt x="10853521" y="8690"/>
+                  <a:pt x="10853774" y="14141"/>
+                  <a:pt x="10853928" y="18288"/>
+                </a:cubicBezTo>
+                <a:cubicBezTo>
+                  <a:pt x="10608124" y="24255"/>
+                  <a:pt x="10343415" y="22307"/>
+                  <a:pt x="10067018" y="18288"/>
+                </a:cubicBezTo>
+                <a:cubicBezTo>
+                  <a:pt x="9790621" y="14270"/>
+                  <a:pt x="9843266" y="3564"/>
+                  <a:pt x="9714266" y="18288"/>
+                </a:cubicBezTo>
+                <a:cubicBezTo>
+                  <a:pt x="9585266" y="33012"/>
+                  <a:pt x="9379484" y="1875"/>
+                  <a:pt x="9252974" y="18288"/>
+                </a:cubicBezTo>
+                <a:cubicBezTo>
+                  <a:pt x="9126464" y="34701"/>
+                  <a:pt x="8580678" y="-4904"/>
+                  <a:pt x="8357525" y="18288"/>
+                </a:cubicBezTo>
+                <a:cubicBezTo>
+                  <a:pt x="8134372" y="41480"/>
+                  <a:pt x="7903199" y="26458"/>
+                  <a:pt x="7679154" y="18288"/>
+                </a:cubicBezTo>
+                <a:cubicBezTo>
+                  <a:pt x="7455109" y="10118"/>
+                  <a:pt x="7435944" y="27109"/>
+                  <a:pt x="7217862" y="18288"/>
+                </a:cubicBezTo>
+                <a:cubicBezTo>
+                  <a:pt x="6999780" y="9467"/>
+                  <a:pt x="6680409" y="18985"/>
+                  <a:pt x="6539492" y="18288"/>
+                </a:cubicBezTo>
+                <a:cubicBezTo>
+                  <a:pt x="6398575" y="17592"/>
+                  <a:pt x="6312077" y="33018"/>
+                  <a:pt x="6186739" y="18288"/>
+                </a:cubicBezTo>
+                <a:cubicBezTo>
+                  <a:pt x="6061401" y="3558"/>
+                  <a:pt x="5947033" y="12075"/>
+                  <a:pt x="5833986" y="18288"/>
+                </a:cubicBezTo>
+                <a:cubicBezTo>
+                  <a:pt x="5720939" y="24501"/>
+                  <a:pt x="5482226" y="8586"/>
+                  <a:pt x="5155616" y="18288"/>
+                </a:cubicBezTo>
+                <a:cubicBezTo>
+                  <a:pt x="4829006" y="27991"/>
+                  <a:pt x="4841274" y="29316"/>
+                  <a:pt x="4694324" y="18288"/>
+                </a:cubicBezTo>
+                <a:cubicBezTo>
+                  <a:pt x="4547374" y="7260"/>
+                  <a:pt x="4077675" y="7013"/>
+                  <a:pt x="3907414" y="18288"/>
+                </a:cubicBezTo>
+                <a:cubicBezTo>
+                  <a:pt x="3737153" y="29564"/>
+                  <a:pt x="3538393" y="21630"/>
+                  <a:pt x="3446122" y="18288"/>
+                </a:cubicBezTo>
+                <a:cubicBezTo>
+                  <a:pt x="3353851" y="14946"/>
+                  <a:pt x="2990320" y="-8091"/>
+                  <a:pt x="2659212" y="18288"/>
+                </a:cubicBezTo>
+                <a:cubicBezTo>
+                  <a:pt x="2328104" y="44667"/>
+                  <a:pt x="2427653" y="9607"/>
+                  <a:pt x="2306460" y="18288"/>
+                </a:cubicBezTo>
+                <a:cubicBezTo>
+                  <a:pt x="2185267" y="26969"/>
+                  <a:pt x="1719763" y="3717"/>
+                  <a:pt x="1519550" y="18288"/>
+                </a:cubicBezTo>
+                <a:cubicBezTo>
+                  <a:pt x="1319337" y="32860"/>
+                  <a:pt x="1167371" y="17040"/>
+                  <a:pt x="1058258" y="18288"/>
+                </a:cubicBezTo>
+                <a:cubicBezTo>
+                  <a:pt x="949145" y="19536"/>
+                  <a:pt x="780234" y="31447"/>
+                  <a:pt x="705505" y="18288"/>
+                </a:cubicBezTo>
+                <a:cubicBezTo>
+                  <a:pt x="630776" y="5129"/>
+                  <a:pt x="215796" y="30056"/>
+                  <a:pt x="0" y="18288"/>
+                </a:cubicBezTo>
+                <a:cubicBezTo>
+                  <a:pt x="-53" y="11301"/>
+                  <a:pt x="-649" y="7756"/>
+                  <a:pt x="0" y="0"/>
+                </a:cubicBezTo>
+                <a:close/>
+              </a:path>
+            </a:pathLst>
+          </a:custGeom>
+          <a:solidFill>
+            <a:schemeClr val="accent2"/>
+          </a:solidFill>
+          <a:ln w="41275" cap="rnd">
+            <a:solidFill>
+              <a:schemeClr val="accent2"/>
+            </a:solidFill>
+            <a:round/>
+            <a:extLst>
+              <a:ext uri="{C807C97D-BFC1-408E-A445-0C87EB9F89A2}">
+                <ask:lineSketchStyleProps xmlns:ask="http://schemas.microsoft.com/office/drawing/2018/sketchyshapes" sd="1219033472">
+                  <a:prstGeom prst="rect">
+                    <a:avLst/>
+                  </a:prstGeom>
+                  <ask:type>
+                    <ask:lineSketchFreehand/>
+                  </ask:type>
+                </ask:lineSketchStyleProps>
+              </a:ext>
+            </a:extLst>
+          </a:ln>
+        </p:spPr>
+        <p:style>
+          <a:lnRef idx="2">
+            <a:schemeClr val="accent1">
+              <a:shade val="50000"/>
+            </a:schemeClr>
+          </a:lnRef>
+          <a:fillRef idx="1">
+            <a:schemeClr val="accent1"/>
+          </a:fillRef>
+          <a:effectRef idx="0">
+            <a:schemeClr val="accent1"/>
+          </a:effectRef>
+          <a:fontRef idx="minor">
+            <a:schemeClr val="lt1"/>
+          </a:fontRef>
+        </p:style>
+        <p:txBody>
+          <a:bodyPr rtlCol="0" anchor="ctr"/>
+          <a:lstStyle/>
+          <a:p>
+            <a:pPr algn="ctr"/>
+            <a:endParaRPr lang="en-US"/>
+          </a:p>
+        </p:txBody>
+      </p:sp>
+      <p:sp>
+        <p:nvSpPr>
+          <p:cNvPr id="3" name="Content Placeholder 2">
+            <a:extLst>
+              <a:ext uri="{FF2B5EF4-FFF2-40B4-BE49-F238E27FC236}">
+                <a16:creationId xmlns:a16="http://schemas.microsoft.com/office/drawing/2014/main" id="{D5A5711B-E490-5F7A-B8A9-1AC29E62B4BC}"/>
+              </a:ext>
+            </a:extLst>
+          </p:cNvPr>
+          <p:cNvSpPr>
+            <a:spLocks noGrp="1"/>
+          </p:cNvSpPr>
+          <p:nvPr>
+            <p:ph idx="1"/>
+          </p:nvPr>
+        </p:nvSpPr>
+        <p:spPr>
+          <a:xfrm>
+            <a:off x="838200" y="1929384"/>
+            <a:ext cx="10515600" cy="4251960"/>
+          </a:xfrm>
+        </p:spPr>
+        <p:txBody>
+          <a:bodyPr>
+            <a:normAutofit/>
+          </a:bodyPr>
+          <a:lstStyle/>
+          <a:p>
+            <a:r>
+              <a:rPr lang="en-GB" sz="2200" b="1" dirty="0"/>
+              <a:t>Dedicated Connections</a:t>
+            </a:r>
+            <a:r>
+              <a:rPr lang="en-GB" sz="2200" dirty="0"/>
+              <a:t>: 1Gbps, 10 Gbps and 100 Gbps capacity </a:t>
+            </a:r>
+          </a:p>
+          <a:p>
+            <a:pPr lvl="1"/>
+            <a:r>
+              <a:rPr lang="en-GB" sz="2200" b="1" dirty="0"/>
+              <a:t>Physical ethernet port dedicated to a customer  </a:t>
+            </a:r>
+          </a:p>
+          <a:p>
+            <a:pPr lvl="1"/>
+            <a:r>
+              <a:rPr lang="en-GB" sz="2200" dirty="0"/>
+              <a:t>Request made to AWS first, then completed by AWS Direct Connect Partners </a:t>
+            </a:r>
+          </a:p>
+          <a:p>
+            <a:pPr lvl="1"/>
+            <a:r>
+              <a:rPr lang="en-GB" sz="2200" dirty="0"/>
+              <a:t>Can be either setup by your Network Provider or AWS Direct Connect Partner  </a:t>
+            </a:r>
+          </a:p>
+          <a:p>
+            <a:r>
+              <a:rPr lang="en-GB" sz="2200" b="1" dirty="0"/>
+              <a:t>Hosted Connections</a:t>
+            </a:r>
+            <a:r>
+              <a:rPr lang="en-GB" sz="2200" dirty="0"/>
+              <a:t>:  </a:t>
+            </a:r>
+          </a:p>
+          <a:p>
+            <a:pPr lvl="1"/>
+            <a:r>
+              <a:rPr lang="en-GB" sz="2200" dirty="0"/>
+              <a:t>50, 100, 200, 300, 400, 500 Mbps and 1 Gbps, 2 Gbps, 5 Gbps, 10 Gbps  </a:t>
+            </a:r>
+          </a:p>
+          <a:p>
+            <a:pPr lvl="1"/>
+            <a:r>
+              <a:rPr lang="en-GB" sz="2200" b="1" dirty="0"/>
+              <a:t>Connection requests are made via AWS Direct Connect Partners  </a:t>
+            </a:r>
+          </a:p>
+          <a:p>
+            <a:pPr lvl="1"/>
+            <a:r>
+              <a:rPr lang="en-GB" sz="2200" dirty="0"/>
+              <a:t>1, 2, 5, 10 Gbps available at select AWS Direct Connect Partners  </a:t>
+            </a:r>
+          </a:p>
+          <a:p>
+            <a:pPr lvl="1"/>
+            <a:r>
+              <a:rPr lang="en-GB" sz="2200" dirty="0"/>
+              <a:t>AWS uses traffic policing on hosted connections – excess traffic is dropped</a:t>
+            </a:r>
+            <a:endParaRPr lang="en-CH" sz="2200" dirty="0"/>
+          </a:p>
+        </p:txBody>
+      </p:sp>
+    </p:spTree>
+    <p:extLst>
+      <p:ext uri="{BB962C8B-B14F-4D97-AF65-F5344CB8AC3E}">
+        <p14:creationId xmlns:p14="http://schemas.microsoft.com/office/powerpoint/2010/main" val="3297024730"/>
+      </p:ext>
+    </p:extLst>
+  </p:cSld>
+  <p:clrMapOvr>
+    <a:masterClrMapping/>
+  </p:clrMapOvr>
+</p:sld>
+</file>
+
+<file path=ppt/slides/slide7.xml><?xml version="1.0" encoding="utf-8"?>
+<p:sld xmlns:a="http://schemas.openxmlformats.org/drawingml/2006/main" xmlns:r="http://schemas.openxmlformats.org/officeDocument/2006/relationships" xmlns:p="http://schemas.openxmlformats.org/presentationml/2006/main">
+  <p:cSld>
+    <p:bg>
+      <p:bgPr>
+        <a:solidFill>
+          <a:schemeClr val="bg1"/>
+        </a:solidFill>
+        <a:effectLst/>
+      </p:bgPr>
+    </p:bg>
     <p:spTree>
       <p:nvGrpSpPr>
         <p:cNvPr id="1" name=""/>
@@ -3853,10 +7865,73 @@
       </p:grpSpPr>
       <p:sp>
         <p:nvSpPr>
+          <p:cNvPr id="9" name="Rectangle 8">
+            <a:extLst>
+              <a:ext uri="{FF2B5EF4-FFF2-40B4-BE49-F238E27FC236}">
+                <a16:creationId xmlns:a16="http://schemas.microsoft.com/office/drawing/2014/main" id="{A4AC5506-6312-4701-8D3C-40187889A947}"/>
+              </a:ext>
+              <a:ext uri="{C183D7F6-B498-43B3-948B-1728B52AA6E4}">
+                <adec:decorative xmlns:adec="http://schemas.microsoft.com/office/drawing/2017/decorative" val="1"/>
+              </a:ext>
+            </a:extLst>
+          </p:cNvPr>
+          <p:cNvSpPr>
+            <a:spLocks noGrp="1" noRot="1" noChangeAspect="1" noMove="1" noResize="1" noEditPoints="1" noAdjustHandles="1" noChangeArrowheads="1" noChangeShapeType="1" noTextEdit="1"/>
+          </p:cNvSpPr>
+          <p:nvPr>
+            <p:extLst>
+              <p:ext uri="{386F3935-93C4-4BCD-93E2-E3B085C9AB24}">
+                <p16:designElem xmlns:p16="http://schemas.microsoft.com/office/powerpoint/2015/main" val="1"/>
+              </p:ext>
+            </p:extLst>
+          </p:nvPr>
+        </p:nvSpPr>
+        <p:spPr>
+          <a:xfrm>
+            <a:off x="0" y="651752"/>
+            <a:ext cx="12192000" cy="736551"/>
+          </a:xfrm>
+          <a:prstGeom prst="rect">
+            <a:avLst/>
+          </a:prstGeom>
+          <a:solidFill>
+            <a:schemeClr val="tx1"/>
+          </a:solidFill>
+          <a:ln>
+            <a:noFill/>
+          </a:ln>
+        </p:spPr>
+        <p:style>
+          <a:lnRef idx="2">
+            <a:schemeClr val="accent1">
+              <a:shade val="50000"/>
+            </a:schemeClr>
+          </a:lnRef>
+          <a:fillRef idx="1">
+            <a:schemeClr val="accent1"/>
+          </a:fillRef>
+          <a:effectRef idx="0">
+            <a:schemeClr val="accent1"/>
+          </a:effectRef>
+          <a:fontRef idx="minor">
+            <a:schemeClr val="lt1"/>
+          </a:fontRef>
+        </p:style>
+        <p:txBody>
+          <a:bodyPr rtlCol="0" anchor="ctr"/>
+          <a:lstStyle/>
+          <a:p>
+            <a:pPr algn="ctr"/>
+            <a:endParaRPr lang="en-US"/>
+          </a:p>
+        </p:txBody>
+      </p:sp>
+      <p:sp>
+        <p:nvSpPr>
           <p:cNvPr id="2" name="Title 1">
             <a:extLst>
               <a:ext uri="{FF2B5EF4-FFF2-40B4-BE49-F238E27FC236}">
-                <a16:creationId xmlns:a16="http://schemas.microsoft.com/office/drawing/2014/main" id="{9E49BE16-C31A-30DE-D5B9-D93D1AF347DD}"/>
+                <a16:creationId xmlns:a16="http://schemas.microsoft.com/office/drawing/2014/main" id="{49238A76-DD19-0266-E677-D74CBDEE484D}"/>
               </a:ext>
             </a:extLst>
           </p:cNvPr>
@@ -3867,47 +7942,67 @@
             <p:ph type="title"/>
           </p:nvPr>
         </p:nvSpPr>
-        <p:spPr/>
+        <p:spPr>
+          <a:xfrm>
+            <a:off x="556532" y="643467"/>
+            <a:ext cx="11210925" cy="744836"/>
+          </a:xfrm>
+        </p:spPr>
         <p:txBody>
-          <a:bodyPr/>
+          <a:bodyPr vert="horz" lIns="91440" tIns="45720" rIns="91440" bIns="45720" rtlCol="0" anchor="ctr">
+            <a:normAutofit/>
+          </a:bodyPr>
           <a:lstStyle/>
           <a:p>
-            <a:r>
-              <a:rPr lang="en-CH" dirty="0"/>
-              <a:t>AWS Direct Connect Private VIF</a:t>
+            <a:pPr algn="ctr"/>
+            <a:r>
+              <a:rPr lang="en-US" sz="3200" kern="1200" dirty="0">
+                <a:solidFill>
+                  <a:schemeClr val="bg1"/>
+                </a:solidFill>
+                <a:latin typeface="+mj-lt"/>
+                <a:ea typeface="+mj-ea"/>
+                <a:cs typeface="+mj-cs"/>
+              </a:rPr>
+              <a:t>AWS Direct Connect: Dedicated Connection</a:t>
             </a:r>
           </a:p>
         </p:txBody>
       </p:sp>
-      <p:sp>
-        <p:nvSpPr>
-          <p:cNvPr id="3" name="Content Placeholder 2">
-            <a:extLst>
-              <a:ext uri="{FF2B5EF4-FFF2-40B4-BE49-F238E27FC236}">
-                <a16:creationId xmlns:a16="http://schemas.microsoft.com/office/drawing/2014/main" id="{266E60A7-6D4B-B4D2-4AD0-12BC460C3F6A}"/>
-              </a:ext>
-            </a:extLst>
-          </p:cNvPr>
-          <p:cNvSpPr>
-            <a:spLocks noGrp="1"/>
-          </p:cNvSpPr>
-          <p:nvPr>
-            <p:ph idx="1"/>
-          </p:nvPr>
-        </p:nvSpPr>
-        <p:spPr/>
-        <p:txBody>
-          <a:bodyPr/>
-          <a:lstStyle/>
-          <a:p>
-            <a:endParaRPr lang="en-CH"/>
-          </a:p>
-        </p:txBody>
-      </p:sp>
+      <p:pic>
+        <p:nvPicPr>
+          <p:cNvPr id="4" name="Picture 3">
+            <a:extLst>
+              <a:ext uri="{FF2B5EF4-FFF2-40B4-BE49-F238E27FC236}">
+                <a16:creationId xmlns:a16="http://schemas.microsoft.com/office/drawing/2014/main" id="{3A15E828-C8E5-BAA0-4398-AEC1C4D3D81B}"/>
+              </a:ext>
+            </a:extLst>
+          </p:cNvPr>
+          <p:cNvPicPr>
+            <a:picLocks noChangeAspect="1"/>
+          </p:cNvPicPr>
+          <p:nvPr/>
+        </p:nvPicPr>
+        <p:blipFill>
+          <a:blip r:embed="rId2"/>
+          <a:stretch>
+            <a:fillRect/>
+          </a:stretch>
+        </p:blipFill>
+        <p:spPr>
+          <a:xfrm>
+            <a:off x="1267210" y="1675227"/>
+            <a:ext cx="9657580" cy="4394199"/>
+          </a:xfrm>
+          <a:prstGeom prst="rect">
+            <a:avLst/>
+          </a:prstGeom>
+        </p:spPr>
+      </p:pic>
     </p:spTree>
     <p:extLst>
       <p:ext uri="{BB962C8B-B14F-4D97-AF65-F5344CB8AC3E}">
-        <p14:creationId xmlns:p14="http://schemas.microsoft.com/office/powerpoint/2010/main" val="1260581061"/>
+        <p14:creationId xmlns:p14="http://schemas.microsoft.com/office/powerpoint/2010/main" val="4204584927"/>
       </p:ext>
     </p:extLst>
   </p:cSld>
@@ -3917,9 +8012,17 @@
 </p:sld>
 </file>
 
-<file path=ppt/slides/slide6.xml><?xml version="1.0" encoding="utf-8"?>
+<file path=ppt/slides/slide8.xml><?xml version="1.0" encoding="utf-8"?>
 <p:sld xmlns:a="http://schemas.openxmlformats.org/drawingml/2006/main" xmlns:r="http://schemas.openxmlformats.org/officeDocument/2006/relationships" xmlns:p="http://schemas.openxmlformats.org/presentationml/2006/main">
   <p:cSld>
+    <p:bg>
+      <p:bgPr>
+        <a:solidFill>
+          <a:schemeClr val="bg1"/>
+        </a:solidFill>
+        <a:effectLst/>
+      </p:bgPr>
+    </p:bg>
     <p:spTree>
       <p:nvGrpSpPr>
         <p:cNvPr id="1" name=""/>
@@ -3936,10 +8039,73 @@
       </p:grpSpPr>
       <p:sp>
         <p:nvSpPr>
+          <p:cNvPr id="14" name="Rectangle 13">
+            <a:extLst>
+              <a:ext uri="{FF2B5EF4-FFF2-40B4-BE49-F238E27FC236}">
+                <a16:creationId xmlns:a16="http://schemas.microsoft.com/office/drawing/2014/main" id="{A4AC5506-6312-4701-8D3C-40187889A947}"/>
+              </a:ext>
+              <a:ext uri="{C183D7F6-B498-43B3-948B-1728B52AA6E4}">
+                <adec:decorative xmlns:adec="http://schemas.microsoft.com/office/drawing/2017/decorative" val="1"/>
+              </a:ext>
+            </a:extLst>
+          </p:cNvPr>
+          <p:cNvSpPr>
+            <a:spLocks noGrp="1" noRot="1" noChangeAspect="1" noMove="1" noResize="1" noEditPoints="1" noAdjustHandles="1" noChangeArrowheads="1" noChangeShapeType="1" noTextEdit="1"/>
+          </p:cNvSpPr>
+          <p:nvPr>
+            <p:extLst>
+              <p:ext uri="{386F3935-93C4-4BCD-93E2-E3B085C9AB24}">
+                <p16:designElem xmlns:p16="http://schemas.microsoft.com/office/powerpoint/2015/main" val="1"/>
+              </p:ext>
+            </p:extLst>
+          </p:nvPr>
+        </p:nvSpPr>
+        <p:spPr>
+          <a:xfrm>
+            <a:off x="0" y="651752"/>
+            <a:ext cx="12192000" cy="736551"/>
+          </a:xfrm>
+          <a:prstGeom prst="rect">
+            <a:avLst/>
+          </a:prstGeom>
+          <a:solidFill>
+            <a:schemeClr val="tx1"/>
+          </a:solidFill>
+          <a:ln>
+            <a:noFill/>
+          </a:ln>
+        </p:spPr>
+        <p:style>
+          <a:lnRef idx="2">
+            <a:schemeClr val="accent1">
+              <a:shade val="50000"/>
+            </a:schemeClr>
+          </a:lnRef>
+          <a:fillRef idx="1">
+            <a:schemeClr val="accent1"/>
+          </a:fillRef>
+          <a:effectRef idx="0">
+            <a:schemeClr val="accent1"/>
+          </a:effectRef>
+          <a:fontRef idx="minor">
+            <a:schemeClr val="lt1"/>
+          </a:fontRef>
+        </p:style>
+        <p:txBody>
+          <a:bodyPr rtlCol="0" anchor="ctr"/>
+          <a:lstStyle/>
+          <a:p>
+            <a:pPr algn="ctr"/>
+            <a:endParaRPr lang="en-US"/>
+          </a:p>
+        </p:txBody>
+      </p:sp>
+      <p:sp>
+        <p:nvSpPr>
           <p:cNvPr id="2" name="Title 1">
             <a:extLst>
               <a:ext uri="{FF2B5EF4-FFF2-40B4-BE49-F238E27FC236}">
-                <a16:creationId xmlns:a16="http://schemas.microsoft.com/office/drawing/2014/main" id="{6537C97D-5677-FA85-0A56-9FEA1B2D19DE}"/>
+                <a16:creationId xmlns:a16="http://schemas.microsoft.com/office/drawing/2014/main" id="{49238A76-DD19-0266-E677-D74CBDEE484D}"/>
               </a:ext>
             </a:extLst>
           </p:cNvPr>
@@ -3950,47 +8116,67 @@
             <p:ph type="title"/>
           </p:nvPr>
         </p:nvSpPr>
-        <p:spPr/>
+        <p:spPr>
+          <a:xfrm>
+            <a:off x="556532" y="643467"/>
+            <a:ext cx="11210925" cy="744836"/>
+          </a:xfrm>
+        </p:spPr>
         <p:txBody>
-          <a:bodyPr/>
+          <a:bodyPr vert="horz" lIns="91440" tIns="45720" rIns="91440" bIns="45720" rtlCol="0" anchor="ctr">
+            <a:normAutofit/>
+          </a:bodyPr>
           <a:lstStyle/>
           <a:p>
-            <a:r>
-              <a:rPr lang="en-CH" dirty="0"/>
-              <a:t>AWS Direct Connect Public VIF</a:t>
+            <a:pPr algn="ctr"/>
+            <a:r>
+              <a:rPr lang="en-US" sz="3200" kern="1200" dirty="0">
+                <a:solidFill>
+                  <a:schemeClr val="bg1"/>
+                </a:solidFill>
+                <a:latin typeface="+mj-lt"/>
+                <a:ea typeface="+mj-ea"/>
+                <a:cs typeface="+mj-cs"/>
+              </a:rPr>
+              <a:t>AWS Direct Connect: Hosted Connection</a:t>
             </a:r>
           </a:p>
         </p:txBody>
       </p:sp>
-      <p:sp>
-        <p:nvSpPr>
-          <p:cNvPr id="3" name="Content Placeholder 2">
-            <a:extLst>
-              <a:ext uri="{FF2B5EF4-FFF2-40B4-BE49-F238E27FC236}">
-                <a16:creationId xmlns:a16="http://schemas.microsoft.com/office/drawing/2014/main" id="{FF89150E-3B06-3BCE-6C97-9AB4550D559D}"/>
-              </a:ext>
-            </a:extLst>
-          </p:cNvPr>
-          <p:cNvSpPr>
-            <a:spLocks noGrp="1"/>
-          </p:cNvSpPr>
-          <p:nvPr>
-            <p:ph idx="1"/>
-          </p:nvPr>
-        </p:nvSpPr>
-        <p:spPr/>
-        <p:txBody>
-          <a:bodyPr/>
-          <a:lstStyle/>
-          <a:p>
-            <a:endParaRPr lang="en-CH"/>
-          </a:p>
-        </p:txBody>
-      </p:sp>
+      <p:pic>
+        <p:nvPicPr>
+          <p:cNvPr id="3" name="Picture 2" descr="A diagram of a network connection&#10;&#10;Description automatically generated">
+            <a:extLst>
+              <a:ext uri="{FF2B5EF4-FFF2-40B4-BE49-F238E27FC236}">
+                <a16:creationId xmlns:a16="http://schemas.microsoft.com/office/drawing/2014/main" id="{13A9535C-BBC1-5B74-BD2C-F6E04354EB51}"/>
+              </a:ext>
+            </a:extLst>
+          </p:cNvPr>
+          <p:cNvPicPr>
+            <a:picLocks noChangeAspect="1"/>
+          </p:cNvPicPr>
+          <p:nvPr/>
+        </p:nvPicPr>
+        <p:blipFill>
+          <a:blip r:embed="rId2"/>
+          <a:stretch>
+            <a:fillRect/>
+          </a:stretch>
+        </p:blipFill>
+        <p:spPr>
+          <a:xfrm>
+            <a:off x="1240532" y="1675227"/>
+            <a:ext cx="9710935" cy="4394199"/>
+          </a:xfrm>
+          <a:prstGeom prst="rect">
+            <a:avLst/>
+          </a:prstGeom>
+        </p:spPr>
+      </p:pic>
     </p:spTree>
     <p:extLst>
       <p:ext uri="{BB962C8B-B14F-4D97-AF65-F5344CB8AC3E}">
-        <p14:creationId xmlns:p14="http://schemas.microsoft.com/office/powerpoint/2010/main" val="683750437"/>
+        <p14:creationId xmlns:p14="http://schemas.microsoft.com/office/powerpoint/2010/main" val="374148894"/>
       </p:ext>
     </p:extLst>
   </p:cSld>
@@ -4000,9 +8186,17 @@
 </p:sld>
 </file>
 
-<file path=ppt/slides/slide7.xml><?xml version="1.0" encoding="utf-8"?>
+<file path=ppt/slides/slide9.xml><?xml version="1.0" encoding="utf-8"?>
 <p:sld xmlns:a="http://schemas.openxmlformats.org/drawingml/2006/main" xmlns:r="http://schemas.openxmlformats.org/officeDocument/2006/relationships" xmlns:p="http://schemas.openxmlformats.org/presentationml/2006/main">
   <p:cSld>
+    <p:bg>
+      <p:bgPr>
+        <a:solidFill>
+          <a:schemeClr val="bg1"/>
+        </a:solidFill>
+        <a:effectLst/>
+      </p:bgPr>
+    </p:bg>
     <p:spTree>
       <p:nvGrpSpPr>
         <p:cNvPr id="1" name=""/>
@@ -4017,12 +8211,1037 @@
           <a:chExt cx="0" cy="0"/>
         </a:xfrm>
       </p:grpSpPr>
+      <p:sp useBgFill="1">
+        <p:nvSpPr>
+          <p:cNvPr id="8" name="Rectangle 7">
+            <a:extLst>
+              <a:ext uri="{FF2B5EF4-FFF2-40B4-BE49-F238E27FC236}">
+                <a16:creationId xmlns:a16="http://schemas.microsoft.com/office/drawing/2014/main" id="{17718681-A12E-49D6-9925-DD7C68176D61}"/>
+              </a:ext>
+              <a:ext uri="{C183D7F6-B498-43B3-948B-1728B52AA6E4}">
+                <adec:decorative xmlns:adec="http://schemas.microsoft.com/office/drawing/2017/decorative" val="1"/>
+              </a:ext>
+            </a:extLst>
+          </p:cNvPr>
+          <p:cNvSpPr>
+            <a:spLocks noGrp="1" noRot="1" noChangeAspect="1" noMove="1" noResize="1" noEditPoints="1" noAdjustHandles="1" noChangeArrowheads="1" noChangeShapeType="1" noTextEdit="1"/>
+          </p:cNvSpPr>
+          <p:nvPr>
+            <p:extLst>
+              <p:ext uri="{386F3935-93C4-4BCD-93E2-E3B085C9AB24}">
+                <p16:designElem xmlns:p16="http://schemas.microsoft.com/office/powerpoint/2015/main" val="1"/>
+              </p:ext>
+            </p:extLst>
+          </p:nvPr>
+        </p:nvSpPr>
+        <p:spPr>
+          <a:xfrm>
+            <a:off x="0" y="0"/>
+            <a:ext cx="12188952" cy="6858000"/>
+          </a:xfrm>
+          <a:prstGeom prst="rect">
+            <a:avLst/>
+          </a:prstGeom>
+          <a:ln>
+            <a:noFill/>
+          </a:ln>
+        </p:spPr>
+        <p:style>
+          <a:lnRef idx="2">
+            <a:schemeClr val="accent1">
+              <a:shade val="50000"/>
+            </a:schemeClr>
+          </a:lnRef>
+          <a:fillRef idx="1">
+            <a:schemeClr val="accent1"/>
+          </a:fillRef>
+          <a:effectRef idx="0">
+            <a:schemeClr val="accent1"/>
+          </a:effectRef>
+          <a:fontRef idx="minor">
+            <a:schemeClr val="lt1"/>
+          </a:fontRef>
+        </p:style>
+        <p:txBody>
+          <a:bodyPr rtlCol="0" anchor="ctr"/>
+          <a:lstStyle/>
+          <a:p>
+            <a:pPr algn="ctr"/>
+            <a:endParaRPr lang="en-US"/>
+          </a:p>
+        </p:txBody>
+      </p:sp>
+      <p:sp>
+        <p:nvSpPr>
+          <p:cNvPr id="10" name="Freeform: Shape 9">
+            <a:extLst>
+              <a:ext uri="{FF2B5EF4-FFF2-40B4-BE49-F238E27FC236}">
+                <a16:creationId xmlns:a16="http://schemas.microsoft.com/office/drawing/2014/main" id="{FBD77573-9EF2-4C35-8285-A1CF6FBB0EA5}"/>
+              </a:ext>
+              <a:ext uri="{C183D7F6-B498-43B3-948B-1728B52AA6E4}">
+                <adec:decorative xmlns:adec="http://schemas.microsoft.com/office/drawing/2017/decorative" val="1"/>
+              </a:ext>
+            </a:extLst>
+          </p:cNvPr>
+          <p:cNvSpPr>
+            <a:spLocks noGrp="1" noRot="1" noChangeAspect="1" noMove="1" noResize="1" noEditPoints="1" noAdjustHandles="1" noChangeArrowheads="1" noChangeShapeType="1" noTextEdit="1"/>
+          </p:cNvSpPr>
+          <p:nvPr>
+            <p:extLst>
+              <p:ext uri="{386F3935-93C4-4BCD-93E2-E3B085C9AB24}">
+                <p16:designElem xmlns:p16="http://schemas.microsoft.com/office/powerpoint/2015/main" val="1"/>
+              </p:ext>
+            </p:extLst>
+          </p:nvPr>
+        </p:nvSpPr>
+        <p:spPr>
+          <a:xfrm flipH="1">
+            <a:off x="1" y="0"/>
+            <a:ext cx="5511704" cy="6858000"/>
+          </a:xfrm>
+          <a:custGeom>
+            <a:avLst/>
+            <a:gdLst>
+              <a:gd name="connsiteX0" fmla="*/ 5511704 w 5511704"/>
+              <a:gd name="connsiteY0" fmla="*/ 0 h 6886576"/>
+              <a:gd name="connsiteX1" fmla="*/ 1008599 w 5511704"/>
+              <a:gd name="connsiteY1" fmla="*/ 0 h 6886576"/>
+              <a:gd name="connsiteX2" fmla="*/ 1310975 w 5511704"/>
+              <a:gd name="connsiteY2" fmla="*/ 110728 h 6886576"/>
+              <a:gd name="connsiteX3" fmla="*/ 1267362 w 5511704"/>
+              <a:gd name="connsiteY3" fmla="*/ 135731 h 6886576"/>
+              <a:gd name="connsiteX4" fmla="*/ 1005692 w 5511704"/>
+              <a:gd name="connsiteY4" fmla="*/ 71437 h 6886576"/>
+              <a:gd name="connsiteX5" fmla="*/ 953358 w 5511704"/>
+              <a:gd name="connsiteY5" fmla="*/ 89297 h 6886576"/>
+              <a:gd name="connsiteX6" fmla="*/ 979525 w 5511704"/>
+              <a:gd name="connsiteY6" fmla="*/ 164307 h 6886576"/>
+              <a:gd name="connsiteX7" fmla="*/ 1092915 w 5511704"/>
+              <a:gd name="connsiteY7" fmla="*/ 192882 h 6886576"/>
+              <a:gd name="connsiteX8" fmla="*/ 1270270 w 5511704"/>
+              <a:gd name="connsiteY8" fmla="*/ 375047 h 6886576"/>
+              <a:gd name="connsiteX9" fmla="*/ 1002784 w 5511704"/>
+              <a:gd name="connsiteY9" fmla="*/ 353615 h 6886576"/>
+              <a:gd name="connsiteX10" fmla="*/ 956265 w 5511704"/>
+              <a:gd name="connsiteY10" fmla="*/ 396479 h 6886576"/>
+              <a:gd name="connsiteX11" fmla="*/ 938820 w 5511704"/>
+              <a:gd name="connsiteY11" fmla="*/ 453629 h 6886576"/>
+              <a:gd name="connsiteX12" fmla="*/ 860319 w 5511704"/>
+              <a:gd name="connsiteY12" fmla="*/ 360759 h 6886576"/>
+              <a:gd name="connsiteX13" fmla="*/ 793447 w 5511704"/>
+              <a:gd name="connsiteY13" fmla="*/ 335757 h 6886576"/>
+              <a:gd name="connsiteX14" fmla="*/ 773095 w 5511704"/>
+              <a:gd name="connsiteY14" fmla="*/ 417910 h 6886576"/>
+              <a:gd name="connsiteX15" fmla="*/ 834151 w 5511704"/>
+              <a:gd name="connsiteY15" fmla="*/ 507206 h 6886576"/>
+              <a:gd name="connsiteX16" fmla="*/ 996969 w 5511704"/>
+              <a:gd name="connsiteY16" fmla="*/ 560785 h 6886576"/>
+              <a:gd name="connsiteX17" fmla="*/ 822522 w 5511704"/>
+              <a:gd name="connsiteY17" fmla="*/ 560785 h 6886576"/>
+              <a:gd name="connsiteX18" fmla="*/ 621908 w 5511704"/>
+              <a:gd name="connsiteY18" fmla="*/ 525066 h 6886576"/>
+              <a:gd name="connsiteX19" fmla="*/ 409664 w 5511704"/>
+              <a:gd name="connsiteY19" fmla="*/ 535781 h 6886576"/>
+              <a:gd name="connsiteX20" fmla="*/ 209049 w 5511704"/>
+              <a:gd name="connsiteY20" fmla="*/ 464344 h 6886576"/>
+              <a:gd name="connsiteX21" fmla="*/ 5527 w 5511704"/>
+              <a:gd name="connsiteY21" fmla="*/ 467916 h 6886576"/>
+              <a:gd name="connsiteX22" fmla="*/ 906838 w 5511704"/>
+              <a:gd name="connsiteY22" fmla="*/ 914400 h 6886576"/>
+              <a:gd name="connsiteX23" fmla="*/ 863226 w 5511704"/>
+              <a:gd name="connsiteY23" fmla="*/ 925116 h 6886576"/>
+              <a:gd name="connsiteX24" fmla="*/ 805077 w 5511704"/>
+              <a:gd name="connsiteY24" fmla="*/ 953691 h 6886576"/>
+              <a:gd name="connsiteX25" fmla="*/ 848689 w 5511704"/>
+              <a:gd name="connsiteY25" fmla="*/ 1010841 h 6886576"/>
+              <a:gd name="connsiteX26" fmla="*/ 1084193 w 5511704"/>
+              <a:gd name="connsiteY26" fmla="*/ 1117997 h 6886576"/>
+              <a:gd name="connsiteX27" fmla="*/ 1142342 w 5511704"/>
+              <a:gd name="connsiteY27" fmla="*/ 1225153 h 6886576"/>
+              <a:gd name="connsiteX28" fmla="*/ 1069655 w 5511704"/>
+              <a:gd name="connsiteY28" fmla="*/ 1214438 h 6886576"/>
+              <a:gd name="connsiteX29" fmla="*/ 1005692 w 5511704"/>
+              <a:gd name="connsiteY29" fmla="*/ 1235869 h 6886576"/>
+              <a:gd name="connsiteX30" fmla="*/ 1031858 w 5511704"/>
+              <a:gd name="connsiteY30" fmla="*/ 1371600 h 6886576"/>
+              <a:gd name="connsiteX31" fmla="*/ 1366216 w 5511704"/>
+              <a:gd name="connsiteY31" fmla="*/ 1546622 h 6886576"/>
+              <a:gd name="connsiteX32" fmla="*/ 1395290 w 5511704"/>
+              <a:gd name="connsiteY32" fmla="*/ 1603772 h 6886576"/>
+              <a:gd name="connsiteX33" fmla="*/ 1354586 w 5511704"/>
+              <a:gd name="connsiteY33" fmla="*/ 1643063 h 6886576"/>
+              <a:gd name="connsiteX34" fmla="*/ 1247011 w 5511704"/>
+              <a:gd name="connsiteY34" fmla="*/ 1664494 h 6886576"/>
+              <a:gd name="connsiteX35" fmla="*/ 1398198 w 5511704"/>
+              <a:gd name="connsiteY35" fmla="*/ 1857375 h 6886576"/>
+              <a:gd name="connsiteX36" fmla="*/ 1453440 w 5511704"/>
+              <a:gd name="connsiteY36" fmla="*/ 1910954 h 6886576"/>
+              <a:gd name="connsiteX37" fmla="*/ 1549386 w 5511704"/>
+              <a:gd name="connsiteY37" fmla="*/ 1993106 h 6886576"/>
+              <a:gd name="connsiteX38" fmla="*/ 1549386 w 5511704"/>
+              <a:gd name="connsiteY38" fmla="*/ 2021681 h 6886576"/>
+              <a:gd name="connsiteX39" fmla="*/ 1421458 w 5511704"/>
+              <a:gd name="connsiteY39" fmla="*/ 2110978 h 6886576"/>
+              <a:gd name="connsiteX40" fmla="*/ 1188861 w 5511704"/>
+              <a:gd name="connsiteY40" fmla="*/ 2085976 h 6886576"/>
+              <a:gd name="connsiteX41" fmla="*/ 1531941 w 5511704"/>
+              <a:gd name="connsiteY41" fmla="*/ 2218135 h 6886576"/>
+              <a:gd name="connsiteX42" fmla="*/ 421293 w 5511704"/>
+              <a:gd name="connsiteY42" fmla="*/ 1900238 h 6886576"/>
+              <a:gd name="connsiteX43" fmla="*/ 491072 w 5511704"/>
+              <a:gd name="connsiteY43" fmla="*/ 1982391 h 6886576"/>
+              <a:gd name="connsiteX44" fmla="*/ 880671 w 5511704"/>
+              <a:gd name="connsiteY44" fmla="*/ 2200276 h 6886576"/>
+              <a:gd name="connsiteX45" fmla="*/ 991154 w 5511704"/>
+              <a:gd name="connsiteY45" fmla="*/ 2336007 h 6886576"/>
+              <a:gd name="connsiteX46" fmla="*/ 1107453 w 5511704"/>
+              <a:gd name="connsiteY46" fmla="*/ 2411016 h 6886576"/>
+              <a:gd name="connsiteX47" fmla="*/ 1270270 w 5511704"/>
+              <a:gd name="connsiteY47" fmla="*/ 2411016 h 6886576"/>
+              <a:gd name="connsiteX48" fmla="*/ 1386568 w 5511704"/>
+              <a:gd name="connsiteY48" fmla="*/ 2528889 h 6886576"/>
+              <a:gd name="connsiteX49" fmla="*/ 1267362 w 5511704"/>
+              <a:gd name="connsiteY49" fmla="*/ 2553891 h 6886576"/>
+              <a:gd name="connsiteX50" fmla="*/ 1127805 w 5511704"/>
+              <a:gd name="connsiteY50" fmla="*/ 2536032 h 6886576"/>
+              <a:gd name="connsiteX51" fmla="*/ 970802 w 5511704"/>
+              <a:gd name="connsiteY51" fmla="*/ 2575322 h 6886576"/>
+              <a:gd name="connsiteX52" fmla="*/ 825429 w 5511704"/>
+              <a:gd name="connsiteY52" fmla="*/ 2543176 h 6886576"/>
+              <a:gd name="connsiteX53" fmla="*/ 650982 w 5511704"/>
+              <a:gd name="connsiteY53" fmla="*/ 2564607 h 6886576"/>
+              <a:gd name="connsiteX54" fmla="*/ 595740 w 5511704"/>
+              <a:gd name="connsiteY54" fmla="*/ 2703909 h 6886576"/>
+              <a:gd name="connsiteX55" fmla="*/ 578296 w 5511704"/>
+              <a:gd name="connsiteY55" fmla="*/ 2714626 h 6886576"/>
+              <a:gd name="connsiteX56" fmla="*/ 255568 w 5511704"/>
+              <a:gd name="connsiteY56" fmla="*/ 2936081 h 6886576"/>
+              <a:gd name="connsiteX57" fmla="*/ 165437 w 5511704"/>
+              <a:gd name="connsiteY57" fmla="*/ 2953941 h 6886576"/>
+              <a:gd name="connsiteX58" fmla="*/ 697501 w 5511704"/>
+              <a:gd name="connsiteY58" fmla="*/ 3343275 h 6886576"/>
+              <a:gd name="connsiteX59" fmla="*/ 339884 w 5511704"/>
+              <a:gd name="connsiteY59" fmla="*/ 3243263 h 6886576"/>
+              <a:gd name="connsiteX60" fmla="*/ 290458 w 5511704"/>
+              <a:gd name="connsiteY60" fmla="*/ 3407569 h 6886576"/>
+              <a:gd name="connsiteX61" fmla="*/ 459090 w 5511704"/>
+              <a:gd name="connsiteY61" fmla="*/ 3554016 h 6886576"/>
+              <a:gd name="connsiteX62" fmla="*/ 520147 w 5511704"/>
+              <a:gd name="connsiteY62" fmla="*/ 3843338 h 6886576"/>
+              <a:gd name="connsiteX63" fmla="*/ 491072 w 5511704"/>
+              <a:gd name="connsiteY63" fmla="*/ 4107657 h 6886576"/>
+              <a:gd name="connsiteX64" fmla="*/ 418386 w 5511704"/>
+              <a:gd name="connsiteY64" fmla="*/ 4189810 h 6886576"/>
+              <a:gd name="connsiteX65" fmla="*/ 313718 w 5511704"/>
+              <a:gd name="connsiteY65" fmla="*/ 4339829 h 6886576"/>
+              <a:gd name="connsiteX66" fmla="*/ 249753 w 5511704"/>
+              <a:gd name="connsiteY66" fmla="*/ 4432698 h 6886576"/>
+              <a:gd name="connsiteX67" fmla="*/ 25879 w 5511704"/>
+              <a:gd name="connsiteY67" fmla="*/ 4396979 h 6886576"/>
+              <a:gd name="connsiteX68" fmla="*/ 325347 w 5511704"/>
+              <a:gd name="connsiteY68" fmla="*/ 4632722 h 6886576"/>
+              <a:gd name="connsiteX69" fmla="*/ 84029 w 5511704"/>
+              <a:gd name="connsiteY69" fmla="*/ 4604147 h 6886576"/>
+              <a:gd name="connsiteX70" fmla="*/ 5527 w 5511704"/>
+              <a:gd name="connsiteY70" fmla="*/ 4622007 h 6886576"/>
+              <a:gd name="connsiteX71" fmla="*/ 49139 w 5511704"/>
+              <a:gd name="connsiteY71" fmla="*/ 4697016 h 6886576"/>
+              <a:gd name="connsiteX72" fmla="*/ 226494 w 5511704"/>
+              <a:gd name="connsiteY72" fmla="*/ 4825604 h 6886576"/>
+              <a:gd name="connsiteX73" fmla="*/ 592833 w 5511704"/>
+              <a:gd name="connsiteY73" fmla="*/ 5175647 h 6886576"/>
+              <a:gd name="connsiteX74" fmla="*/ 238123 w 5511704"/>
+              <a:gd name="connsiteY74" fmla="*/ 5014913 h 6886576"/>
+              <a:gd name="connsiteX75" fmla="*/ 610278 w 5511704"/>
+              <a:gd name="connsiteY75" fmla="*/ 5375673 h 6886576"/>
+              <a:gd name="connsiteX76" fmla="*/ 691686 w 5511704"/>
+              <a:gd name="connsiteY76" fmla="*/ 5497116 h 6886576"/>
+              <a:gd name="connsiteX77" fmla="*/ 860319 w 5511704"/>
+              <a:gd name="connsiteY77" fmla="*/ 5793582 h 6886576"/>
+              <a:gd name="connsiteX78" fmla="*/ 851597 w 5511704"/>
+              <a:gd name="connsiteY78" fmla="*/ 5825729 h 6886576"/>
+              <a:gd name="connsiteX79" fmla="*/ 659704 w 5511704"/>
+              <a:gd name="connsiteY79" fmla="*/ 5779295 h 6886576"/>
+              <a:gd name="connsiteX80" fmla="*/ 909746 w 5511704"/>
+              <a:gd name="connsiteY80" fmla="*/ 6029326 h 6886576"/>
+              <a:gd name="connsiteX81" fmla="*/ 1168509 w 5511704"/>
+              <a:gd name="connsiteY81" fmla="*/ 6222207 h 6886576"/>
+              <a:gd name="connsiteX82" fmla="*/ 985339 w 5511704"/>
+              <a:gd name="connsiteY82" fmla="*/ 6193632 h 6886576"/>
+              <a:gd name="connsiteX83" fmla="*/ 732391 w 5511704"/>
+              <a:gd name="connsiteY83" fmla="*/ 6082904 h 6886576"/>
+              <a:gd name="connsiteX84" fmla="*/ 645167 w 5511704"/>
+              <a:gd name="connsiteY84" fmla="*/ 6125766 h 6886576"/>
+              <a:gd name="connsiteX85" fmla="*/ 883579 w 5511704"/>
+              <a:gd name="connsiteY85" fmla="*/ 6307932 h 6886576"/>
+              <a:gd name="connsiteX86" fmla="*/ 1020229 w 5511704"/>
+              <a:gd name="connsiteY86" fmla="*/ 6393657 h 6886576"/>
+              <a:gd name="connsiteX87" fmla="*/ 1075471 w 5511704"/>
+              <a:gd name="connsiteY87" fmla="*/ 6457950 h 6886576"/>
+              <a:gd name="connsiteX88" fmla="*/ 1232473 w 5511704"/>
+              <a:gd name="connsiteY88" fmla="*/ 6686551 h 6886576"/>
+              <a:gd name="connsiteX89" fmla="*/ 1592997 w 5511704"/>
+              <a:gd name="connsiteY89" fmla="*/ 6886576 h 6886576"/>
+              <a:gd name="connsiteX90" fmla="*/ 5511704 w 5511704"/>
+              <a:gd name="connsiteY90" fmla="*/ 6886576 h 6886576"/>
+            </a:gdLst>
+            <a:ahLst/>
+            <a:cxnLst>
+              <a:cxn ang="0">
+                <a:pos x="connsiteX0" y="connsiteY0"/>
+              </a:cxn>
+              <a:cxn ang="0">
+                <a:pos x="connsiteX1" y="connsiteY1"/>
+              </a:cxn>
+              <a:cxn ang="0">
+                <a:pos x="connsiteX2" y="connsiteY2"/>
+              </a:cxn>
+              <a:cxn ang="0">
+                <a:pos x="connsiteX3" y="connsiteY3"/>
+              </a:cxn>
+              <a:cxn ang="0">
+                <a:pos x="connsiteX4" y="connsiteY4"/>
+              </a:cxn>
+              <a:cxn ang="0">
+                <a:pos x="connsiteX5" y="connsiteY5"/>
+              </a:cxn>
+              <a:cxn ang="0">
+                <a:pos x="connsiteX6" y="connsiteY6"/>
+              </a:cxn>
+              <a:cxn ang="0">
+                <a:pos x="connsiteX7" y="connsiteY7"/>
+              </a:cxn>
+              <a:cxn ang="0">
+                <a:pos x="connsiteX8" y="connsiteY8"/>
+              </a:cxn>
+              <a:cxn ang="0">
+                <a:pos x="connsiteX9" y="connsiteY9"/>
+              </a:cxn>
+              <a:cxn ang="0">
+                <a:pos x="connsiteX10" y="connsiteY10"/>
+              </a:cxn>
+              <a:cxn ang="0">
+                <a:pos x="connsiteX11" y="connsiteY11"/>
+              </a:cxn>
+              <a:cxn ang="0">
+                <a:pos x="connsiteX12" y="connsiteY12"/>
+              </a:cxn>
+              <a:cxn ang="0">
+                <a:pos x="connsiteX13" y="connsiteY13"/>
+              </a:cxn>
+              <a:cxn ang="0">
+                <a:pos x="connsiteX14" y="connsiteY14"/>
+              </a:cxn>
+              <a:cxn ang="0">
+                <a:pos x="connsiteX15" y="connsiteY15"/>
+              </a:cxn>
+              <a:cxn ang="0">
+                <a:pos x="connsiteX16" y="connsiteY16"/>
+              </a:cxn>
+              <a:cxn ang="0">
+                <a:pos x="connsiteX17" y="connsiteY17"/>
+              </a:cxn>
+              <a:cxn ang="0">
+                <a:pos x="connsiteX18" y="connsiteY18"/>
+              </a:cxn>
+              <a:cxn ang="0">
+                <a:pos x="connsiteX19" y="connsiteY19"/>
+              </a:cxn>
+              <a:cxn ang="0">
+                <a:pos x="connsiteX20" y="connsiteY20"/>
+              </a:cxn>
+              <a:cxn ang="0">
+                <a:pos x="connsiteX21" y="connsiteY21"/>
+              </a:cxn>
+              <a:cxn ang="0">
+                <a:pos x="connsiteX22" y="connsiteY22"/>
+              </a:cxn>
+              <a:cxn ang="0">
+                <a:pos x="connsiteX23" y="connsiteY23"/>
+              </a:cxn>
+              <a:cxn ang="0">
+                <a:pos x="connsiteX24" y="connsiteY24"/>
+              </a:cxn>
+              <a:cxn ang="0">
+                <a:pos x="connsiteX25" y="connsiteY25"/>
+              </a:cxn>
+              <a:cxn ang="0">
+                <a:pos x="connsiteX26" y="connsiteY26"/>
+              </a:cxn>
+              <a:cxn ang="0">
+                <a:pos x="connsiteX27" y="connsiteY27"/>
+              </a:cxn>
+              <a:cxn ang="0">
+                <a:pos x="connsiteX28" y="connsiteY28"/>
+              </a:cxn>
+              <a:cxn ang="0">
+                <a:pos x="connsiteX29" y="connsiteY29"/>
+              </a:cxn>
+              <a:cxn ang="0">
+                <a:pos x="connsiteX30" y="connsiteY30"/>
+              </a:cxn>
+              <a:cxn ang="0">
+                <a:pos x="connsiteX31" y="connsiteY31"/>
+              </a:cxn>
+              <a:cxn ang="0">
+                <a:pos x="connsiteX32" y="connsiteY32"/>
+              </a:cxn>
+              <a:cxn ang="0">
+                <a:pos x="connsiteX33" y="connsiteY33"/>
+              </a:cxn>
+              <a:cxn ang="0">
+                <a:pos x="connsiteX34" y="connsiteY34"/>
+              </a:cxn>
+              <a:cxn ang="0">
+                <a:pos x="connsiteX35" y="connsiteY35"/>
+              </a:cxn>
+              <a:cxn ang="0">
+                <a:pos x="connsiteX36" y="connsiteY36"/>
+              </a:cxn>
+              <a:cxn ang="0">
+                <a:pos x="connsiteX37" y="connsiteY37"/>
+              </a:cxn>
+              <a:cxn ang="0">
+                <a:pos x="connsiteX38" y="connsiteY38"/>
+              </a:cxn>
+              <a:cxn ang="0">
+                <a:pos x="connsiteX39" y="connsiteY39"/>
+              </a:cxn>
+              <a:cxn ang="0">
+                <a:pos x="connsiteX40" y="connsiteY40"/>
+              </a:cxn>
+              <a:cxn ang="0">
+                <a:pos x="connsiteX41" y="connsiteY41"/>
+              </a:cxn>
+              <a:cxn ang="0">
+                <a:pos x="connsiteX42" y="connsiteY42"/>
+              </a:cxn>
+              <a:cxn ang="0">
+                <a:pos x="connsiteX43" y="connsiteY43"/>
+              </a:cxn>
+              <a:cxn ang="0">
+                <a:pos x="connsiteX44" y="connsiteY44"/>
+              </a:cxn>
+              <a:cxn ang="0">
+                <a:pos x="connsiteX45" y="connsiteY45"/>
+              </a:cxn>
+              <a:cxn ang="0">
+                <a:pos x="connsiteX46" y="connsiteY46"/>
+              </a:cxn>
+              <a:cxn ang="0">
+                <a:pos x="connsiteX47" y="connsiteY47"/>
+              </a:cxn>
+              <a:cxn ang="0">
+                <a:pos x="connsiteX48" y="connsiteY48"/>
+              </a:cxn>
+              <a:cxn ang="0">
+                <a:pos x="connsiteX49" y="connsiteY49"/>
+              </a:cxn>
+              <a:cxn ang="0">
+                <a:pos x="connsiteX50" y="connsiteY50"/>
+              </a:cxn>
+              <a:cxn ang="0">
+                <a:pos x="connsiteX51" y="connsiteY51"/>
+              </a:cxn>
+              <a:cxn ang="0">
+                <a:pos x="connsiteX52" y="connsiteY52"/>
+              </a:cxn>
+              <a:cxn ang="0">
+                <a:pos x="connsiteX53" y="connsiteY53"/>
+              </a:cxn>
+              <a:cxn ang="0">
+                <a:pos x="connsiteX54" y="connsiteY54"/>
+              </a:cxn>
+              <a:cxn ang="0">
+                <a:pos x="connsiteX55" y="connsiteY55"/>
+              </a:cxn>
+              <a:cxn ang="0">
+                <a:pos x="connsiteX56" y="connsiteY56"/>
+              </a:cxn>
+              <a:cxn ang="0">
+                <a:pos x="connsiteX57" y="connsiteY57"/>
+              </a:cxn>
+              <a:cxn ang="0">
+                <a:pos x="connsiteX58" y="connsiteY58"/>
+              </a:cxn>
+              <a:cxn ang="0">
+                <a:pos x="connsiteX59" y="connsiteY59"/>
+              </a:cxn>
+              <a:cxn ang="0">
+                <a:pos x="connsiteX60" y="connsiteY60"/>
+              </a:cxn>
+              <a:cxn ang="0">
+                <a:pos x="connsiteX61" y="connsiteY61"/>
+              </a:cxn>
+              <a:cxn ang="0">
+                <a:pos x="connsiteX62" y="connsiteY62"/>
+              </a:cxn>
+              <a:cxn ang="0">
+                <a:pos x="connsiteX63" y="connsiteY63"/>
+              </a:cxn>
+              <a:cxn ang="0">
+                <a:pos x="connsiteX64" y="connsiteY64"/>
+              </a:cxn>
+              <a:cxn ang="0">
+                <a:pos x="connsiteX65" y="connsiteY65"/>
+              </a:cxn>
+              <a:cxn ang="0">
+                <a:pos x="connsiteX66" y="connsiteY66"/>
+              </a:cxn>
+              <a:cxn ang="0">
+                <a:pos x="connsiteX67" y="connsiteY67"/>
+              </a:cxn>
+              <a:cxn ang="0">
+                <a:pos x="connsiteX68" y="connsiteY68"/>
+              </a:cxn>
+              <a:cxn ang="0">
+                <a:pos x="connsiteX69" y="connsiteY69"/>
+              </a:cxn>
+              <a:cxn ang="0">
+                <a:pos x="connsiteX70" y="connsiteY70"/>
+              </a:cxn>
+              <a:cxn ang="0">
+                <a:pos x="connsiteX71" y="connsiteY71"/>
+              </a:cxn>
+              <a:cxn ang="0">
+                <a:pos x="connsiteX72" y="connsiteY72"/>
+              </a:cxn>
+              <a:cxn ang="0">
+                <a:pos x="connsiteX73" y="connsiteY73"/>
+              </a:cxn>
+              <a:cxn ang="0">
+                <a:pos x="connsiteX74" y="connsiteY74"/>
+              </a:cxn>
+              <a:cxn ang="0">
+                <a:pos x="connsiteX75" y="connsiteY75"/>
+              </a:cxn>
+              <a:cxn ang="0">
+                <a:pos x="connsiteX76" y="connsiteY76"/>
+              </a:cxn>
+              <a:cxn ang="0">
+                <a:pos x="connsiteX77" y="connsiteY77"/>
+              </a:cxn>
+              <a:cxn ang="0">
+                <a:pos x="connsiteX78" y="connsiteY78"/>
+              </a:cxn>
+              <a:cxn ang="0">
+                <a:pos x="connsiteX79" y="connsiteY79"/>
+              </a:cxn>
+              <a:cxn ang="0">
+                <a:pos x="connsiteX80" y="connsiteY80"/>
+              </a:cxn>
+              <a:cxn ang="0">
+                <a:pos x="connsiteX81" y="connsiteY81"/>
+              </a:cxn>
+              <a:cxn ang="0">
+                <a:pos x="connsiteX82" y="connsiteY82"/>
+              </a:cxn>
+              <a:cxn ang="0">
+                <a:pos x="connsiteX83" y="connsiteY83"/>
+              </a:cxn>
+              <a:cxn ang="0">
+                <a:pos x="connsiteX84" y="connsiteY84"/>
+              </a:cxn>
+              <a:cxn ang="0">
+                <a:pos x="connsiteX85" y="connsiteY85"/>
+              </a:cxn>
+              <a:cxn ang="0">
+                <a:pos x="connsiteX86" y="connsiteY86"/>
+              </a:cxn>
+              <a:cxn ang="0">
+                <a:pos x="connsiteX87" y="connsiteY87"/>
+              </a:cxn>
+              <a:cxn ang="0">
+                <a:pos x="connsiteX88" y="connsiteY88"/>
+              </a:cxn>
+              <a:cxn ang="0">
+                <a:pos x="connsiteX89" y="connsiteY89"/>
+              </a:cxn>
+              <a:cxn ang="0">
+                <a:pos x="connsiteX90" y="connsiteY90"/>
+              </a:cxn>
+            </a:cxnLst>
+            <a:rect l="l" t="t" r="r" b="b"/>
+            <a:pathLst>
+              <a:path w="5511704" h="6886576">
+                <a:moveTo>
+                  <a:pt x="5511704" y="0"/>
+                </a:moveTo>
+                <a:lnTo>
+                  <a:pt x="1008599" y="0"/>
+                </a:lnTo>
+                <a:cubicBezTo>
+                  <a:pt x="1110360" y="35719"/>
+                  <a:pt x="1209214" y="78581"/>
+                  <a:pt x="1310975" y="110728"/>
+                </a:cubicBezTo>
+                <a:cubicBezTo>
+                  <a:pt x="1296437" y="146447"/>
+                  <a:pt x="1281900" y="139303"/>
+                  <a:pt x="1267362" y="135731"/>
+                </a:cubicBezTo>
+                <a:cubicBezTo>
+                  <a:pt x="1180139" y="121445"/>
+                  <a:pt x="1090008" y="110728"/>
+                  <a:pt x="1005692" y="71437"/>
+                </a:cubicBezTo>
+                <a:cubicBezTo>
+                  <a:pt x="985339" y="64294"/>
+                  <a:pt x="962080" y="64294"/>
+                  <a:pt x="953358" y="89297"/>
+                </a:cubicBezTo>
+                <a:cubicBezTo>
+                  <a:pt x="938820" y="125016"/>
+                  <a:pt x="959172" y="146447"/>
+                  <a:pt x="979525" y="164307"/>
+                </a:cubicBezTo>
+                <a:cubicBezTo>
+                  <a:pt x="1014414" y="196453"/>
+                  <a:pt x="1055118" y="189310"/>
+                  <a:pt x="1092915" y="192882"/>
+                </a:cubicBezTo>
+                <a:cubicBezTo>
+                  <a:pt x="1197583" y="210741"/>
+                  <a:pt x="1247011" y="260747"/>
+                  <a:pt x="1270270" y="375047"/>
+                </a:cubicBezTo>
+                <a:cubicBezTo>
+                  <a:pt x="1180139" y="328613"/>
+                  <a:pt x="1090008" y="385763"/>
+                  <a:pt x="1002784" y="353615"/>
+                </a:cubicBezTo>
+                <a:cubicBezTo>
+                  <a:pt x="979525" y="346472"/>
+                  <a:pt x="944635" y="357188"/>
+                  <a:pt x="956265" y="396479"/>
+                </a:cubicBezTo>
+                <a:cubicBezTo>
+                  <a:pt x="967894" y="432198"/>
+                  <a:pt x="1005692" y="460772"/>
+                  <a:pt x="938820" y="453629"/>
+                </a:cubicBezTo>
+                <a:cubicBezTo>
+                  <a:pt x="889393" y="450056"/>
+                  <a:pt x="874856" y="407194"/>
+                  <a:pt x="860319" y="360759"/>
+                </a:cubicBezTo>
+                <a:cubicBezTo>
+                  <a:pt x="848689" y="335757"/>
+                  <a:pt x="816707" y="321469"/>
+                  <a:pt x="793447" y="335757"/>
+                </a:cubicBezTo>
+                <a:cubicBezTo>
+                  <a:pt x="764373" y="350044"/>
+                  <a:pt x="773095" y="389335"/>
+                  <a:pt x="773095" y="417910"/>
+                </a:cubicBezTo>
+                <a:cubicBezTo>
+                  <a:pt x="770187" y="471488"/>
+                  <a:pt x="793447" y="496491"/>
+                  <a:pt x="834151" y="507206"/>
+                </a:cubicBezTo>
+                <a:cubicBezTo>
+                  <a:pt x="883579" y="521494"/>
+                  <a:pt x="933005" y="539354"/>
+                  <a:pt x="996969" y="560785"/>
+                </a:cubicBezTo>
+                <a:cubicBezTo>
+                  <a:pt x="927190" y="596503"/>
+                  <a:pt x="874856" y="589360"/>
+                  <a:pt x="822522" y="560785"/>
+                </a:cubicBezTo>
+                <a:cubicBezTo>
+                  <a:pt x="758558" y="528637"/>
+                  <a:pt x="674242" y="485775"/>
+                  <a:pt x="621908" y="525066"/>
+                </a:cubicBezTo>
+                <a:cubicBezTo>
+                  <a:pt x="543407" y="582216"/>
+                  <a:pt x="479443" y="546497"/>
+                  <a:pt x="409664" y="535781"/>
+                </a:cubicBezTo>
+                <a:cubicBezTo>
+                  <a:pt x="264290" y="514350"/>
+                  <a:pt x="354422" y="482204"/>
+                  <a:pt x="209049" y="464344"/>
+                </a:cubicBezTo>
+                <a:cubicBezTo>
+                  <a:pt x="150900" y="457200"/>
+                  <a:pt x="89843" y="428625"/>
+                  <a:pt x="5527" y="467916"/>
+                </a:cubicBezTo>
+                <a:cubicBezTo>
+                  <a:pt x="386404" y="675085"/>
+                  <a:pt x="566666" y="660797"/>
+                  <a:pt x="906838" y="914400"/>
+                </a:cubicBezTo>
+                <a:cubicBezTo>
+                  <a:pt x="892301" y="939404"/>
+                  <a:pt x="877764" y="928688"/>
+                  <a:pt x="863226" y="925116"/>
+                </a:cubicBezTo>
+                <a:cubicBezTo>
+                  <a:pt x="839967" y="921544"/>
+                  <a:pt x="810892" y="907256"/>
+                  <a:pt x="805077" y="953691"/>
+                </a:cubicBezTo>
+                <a:cubicBezTo>
+                  <a:pt x="802169" y="989410"/>
+                  <a:pt x="819615" y="1007269"/>
+                  <a:pt x="848689" y="1010841"/>
+                </a:cubicBezTo>
+                <a:cubicBezTo>
+                  <a:pt x="933005" y="1025129"/>
+                  <a:pt x="1008599" y="1075135"/>
+                  <a:pt x="1084193" y="1117997"/>
+                </a:cubicBezTo>
+                <a:cubicBezTo>
+                  <a:pt x="1119082" y="1135857"/>
+                  <a:pt x="1156879" y="1160860"/>
+                  <a:pt x="1142342" y="1225153"/>
+                </a:cubicBezTo>
+                <a:cubicBezTo>
+                  <a:pt x="1113268" y="1243013"/>
+                  <a:pt x="1092915" y="1218009"/>
+                  <a:pt x="1069655" y="1214438"/>
+                </a:cubicBezTo>
+                <a:cubicBezTo>
+                  <a:pt x="1046396" y="1210866"/>
+                  <a:pt x="991154" y="1225153"/>
+                  <a:pt x="1005692" y="1235869"/>
+                </a:cubicBezTo>
+                <a:cubicBezTo>
+                  <a:pt x="1072563" y="1275159"/>
+                  <a:pt x="950450" y="1371600"/>
+                  <a:pt x="1031858" y="1371600"/>
+                </a:cubicBezTo>
+                <a:cubicBezTo>
+                  <a:pt x="1165601" y="1371600"/>
+                  <a:pt x="1238288" y="1543050"/>
+                  <a:pt x="1366216" y="1546622"/>
+                </a:cubicBezTo>
+                <a:cubicBezTo>
+                  <a:pt x="1386568" y="1546622"/>
+                  <a:pt x="1395290" y="1578770"/>
+                  <a:pt x="1395290" y="1603772"/>
+                </a:cubicBezTo>
+                <a:cubicBezTo>
+                  <a:pt x="1395290" y="1635920"/>
+                  <a:pt x="1374939" y="1639491"/>
+                  <a:pt x="1354586" y="1643063"/>
+                </a:cubicBezTo>
+                <a:cubicBezTo>
+                  <a:pt x="1322604" y="1646635"/>
+                  <a:pt x="1287715" y="1603772"/>
+                  <a:pt x="1247011" y="1664494"/>
+                </a:cubicBezTo>
+                <a:cubicBezTo>
+                  <a:pt x="1322604" y="1700213"/>
+                  <a:pt x="1401105" y="1735932"/>
+                  <a:pt x="1398198" y="1857375"/>
+                </a:cubicBezTo>
+                <a:cubicBezTo>
+                  <a:pt x="1398198" y="1889523"/>
+                  <a:pt x="1430180" y="1903810"/>
+                  <a:pt x="1453440" y="1910954"/>
+                </a:cubicBezTo>
+                <a:cubicBezTo>
+                  <a:pt x="1494144" y="1925241"/>
+                  <a:pt x="1526126" y="1946673"/>
+                  <a:pt x="1549386" y="1993106"/>
+                </a:cubicBezTo>
+                <a:cubicBezTo>
+                  <a:pt x="1549386" y="2003822"/>
+                  <a:pt x="1549386" y="2010966"/>
+                  <a:pt x="1549386" y="2021681"/>
+                </a:cubicBezTo>
+                <a:cubicBezTo>
+                  <a:pt x="1543571" y="2132410"/>
+                  <a:pt x="1485422" y="2128838"/>
+                  <a:pt x="1421458" y="2110978"/>
+                </a:cubicBezTo>
+                <a:cubicBezTo>
+                  <a:pt x="1345864" y="2089547"/>
+                  <a:pt x="1270270" y="2046685"/>
+                  <a:pt x="1188861" y="2085976"/>
+                </a:cubicBezTo>
+                <a:cubicBezTo>
+                  <a:pt x="1302252" y="2139554"/>
+                  <a:pt x="1427272" y="2143126"/>
+                  <a:pt x="1531941" y="2218135"/>
+                </a:cubicBezTo>
+                <a:cubicBezTo>
+                  <a:pt x="1142342" y="2232422"/>
+                  <a:pt x="799262" y="1993106"/>
+                  <a:pt x="421293" y="1900238"/>
+                </a:cubicBezTo>
+                <a:cubicBezTo>
+                  <a:pt x="432923" y="1960960"/>
+                  <a:pt x="464905" y="1975247"/>
+                  <a:pt x="491072" y="1982391"/>
+                </a:cubicBezTo>
+                <a:cubicBezTo>
+                  <a:pt x="630630" y="2028825"/>
+                  <a:pt x="752743" y="2121695"/>
+                  <a:pt x="880671" y="2200276"/>
+                </a:cubicBezTo>
+                <a:cubicBezTo>
+                  <a:pt x="933005" y="2232422"/>
+                  <a:pt x="970802" y="2268142"/>
+                  <a:pt x="991154" y="2336007"/>
+                </a:cubicBezTo>
+                <a:cubicBezTo>
+                  <a:pt x="1008599" y="2400300"/>
+                  <a:pt x="1043489" y="2428875"/>
+                  <a:pt x="1107453" y="2411016"/>
+                </a:cubicBezTo>
+                <a:cubicBezTo>
+                  <a:pt x="1159787" y="2396729"/>
+                  <a:pt x="1215029" y="2403873"/>
+                  <a:pt x="1270270" y="2411016"/>
+                </a:cubicBezTo>
+                <a:cubicBezTo>
+                  <a:pt x="1331326" y="2418160"/>
+                  <a:pt x="1401105" y="2489597"/>
+                  <a:pt x="1386568" y="2528889"/>
+                </a:cubicBezTo>
+                <a:cubicBezTo>
+                  <a:pt x="1357494" y="2593182"/>
+                  <a:pt x="1308067" y="2561035"/>
+                  <a:pt x="1267362" y="2553891"/>
+                </a:cubicBezTo>
+                <a:cubicBezTo>
+                  <a:pt x="1217936" y="2546748"/>
+                  <a:pt x="1127805" y="2528889"/>
+                  <a:pt x="1127805" y="2536032"/>
+                </a:cubicBezTo>
+                <a:cubicBezTo>
+                  <a:pt x="1095822" y="2696766"/>
+                  <a:pt x="1023136" y="2575322"/>
+                  <a:pt x="970802" y="2575322"/>
+                </a:cubicBezTo>
+                <a:cubicBezTo>
+                  <a:pt x="921375" y="2575322"/>
+                  <a:pt x="871949" y="2557463"/>
+                  <a:pt x="825429" y="2543176"/>
+                </a:cubicBezTo>
+                <a:cubicBezTo>
+                  <a:pt x="764373" y="2525316"/>
+                  <a:pt x="709132" y="2557463"/>
+                  <a:pt x="650982" y="2564607"/>
+                </a:cubicBezTo>
+                <a:cubicBezTo>
+                  <a:pt x="598648" y="2571751"/>
+                  <a:pt x="627722" y="2664620"/>
+                  <a:pt x="595740" y="2703909"/>
+                </a:cubicBezTo>
+                <a:cubicBezTo>
+                  <a:pt x="589926" y="2714626"/>
+                  <a:pt x="584111" y="2714626"/>
+                  <a:pt x="578296" y="2714626"/>
+                </a:cubicBezTo>
+                <a:cubicBezTo>
+                  <a:pt x="560851" y="2993232"/>
+                  <a:pt x="255568" y="2925366"/>
+                  <a:pt x="255568" y="2936081"/>
+                </a:cubicBezTo>
+                <a:cubicBezTo>
+                  <a:pt x="229401" y="2953941"/>
+                  <a:pt x="197419" y="2911079"/>
+                  <a:pt x="165437" y="2953941"/>
+                </a:cubicBezTo>
+                <a:cubicBezTo>
+                  <a:pt x="302087" y="3150394"/>
+                  <a:pt x="511425" y="3196828"/>
+                  <a:pt x="697501" y="3343275"/>
+                </a:cubicBezTo>
+                <a:cubicBezTo>
+                  <a:pt x="543407" y="3393282"/>
+                  <a:pt x="453275" y="3221832"/>
+                  <a:pt x="339884" y="3243263"/>
+                </a:cubicBezTo>
+                <a:cubicBezTo>
+                  <a:pt x="284643" y="3296842"/>
+                  <a:pt x="450368" y="3382566"/>
+                  <a:pt x="290458" y="3407569"/>
+                </a:cubicBezTo>
+                <a:cubicBezTo>
+                  <a:pt x="360236" y="3454004"/>
+                  <a:pt x="409664" y="3500439"/>
+                  <a:pt x="459090" y="3554016"/>
+                </a:cubicBezTo>
+                <a:cubicBezTo>
+                  <a:pt x="543407" y="3650457"/>
+                  <a:pt x="560851" y="3714751"/>
+                  <a:pt x="520147" y="3843338"/>
+                </a:cubicBezTo>
+                <a:cubicBezTo>
+                  <a:pt x="493979" y="3929063"/>
+                  <a:pt x="456183" y="4007645"/>
+                  <a:pt x="491072" y="4107657"/>
+                </a:cubicBezTo>
+                <a:cubicBezTo>
+                  <a:pt x="514332" y="4175522"/>
+                  <a:pt x="505609" y="4221957"/>
+                  <a:pt x="418386" y="4189810"/>
+                </a:cubicBezTo>
+                <a:cubicBezTo>
+                  <a:pt x="325347" y="4157663"/>
+                  <a:pt x="290458" y="4218386"/>
+                  <a:pt x="313718" y="4339829"/>
+                </a:cubicBezTo>
+                <a:cubicBezTo>
+                  <a:pt x="328254" y="4418410"/>
+                  <a:pt x="313718" y="4443413"/>
+                  <a:pt x="249753" y="4432698"/>
+                </a:cubicBezTo>
+                <a:cubicBezTo>
+                  <a:pt x="179975" y="4421982"/>
+                  <a:pt x="113103" y="4371976"/>
+                  <a:pt x="25879" y="4396979"/>
+                </a:cubicBezTo>
+                <a:cubicBezTo>
+                  <a:pt x="95658" y="4539854"/>
+                  <a:pt x="243939" y="4496991"/>
+                  <a:pt x="325347" y="4632722"/>
+                </a:cubicBezTo>
+                <a:cubicBezTo>
+                  <a:pt x="229401" y="4632722"/>
+                  <a:pt x="153807" y="4632722"/>
+                  <a:pt x="84029" y="4604147"/>
+                </a:cubicBezTo>
+                <a:cubicBezTo>
+                  <a:pt x="54954" y="4593433"/>
+                  <a:pt x="22972" y="4579145"/>
+                  <a:pt x="5527" y="4622007"/>
+                </a:cubicBezTo>
+                <a:cubicBezTo>
+                  <a:pt x="-14826" y="4672014"/>
+                  <a:pt x="25879" y="4689872"/>
+                  <a:pt x="49139" y="4697016"/>
+                </a:cubicBezTo>
+                <a:cubicBezTo>
+                  <a:pt x="116011" y="4722019"/>
+                  <a:pt x="168344" y="4779170"/>
+                  <a:pt x="226494" y="4825604"/>
+                </a:cubicBezTo>
+                <a:cubicBezTo>
+                  <a:pt x="351514" y="4925616"/>
+                  <a:pt x="488165" y="5011341"/>
+                  <a:pt x="592833" y="5175647"/>
+                </a:cubicBezTo>
+                <a:cubicBezTo>
+                  <a:pt x="461997" y="5132785"/>
+                  <a:pt x="363144" y="5032772"/>
+                  <a:pt x="238123" y="5014913"/>
+                </a:cubicBezTo>
+                <a:cubicBezTo>
+                  <a:pt x="345700" y="5164932"/>
+                  <a:pt x="482350" y="5264944"/>
+                  <a:pt x="610278" y="5375673"/>
+                </a:cubicBezTo>
+                <a:cubicBezTo>
+                  <a:pt x="648075" y="5407819"/>
+                  <a:pt x="685872" y="5429250"/>
+                  <a:pt x="691686" y="5497116"/>
+                </a:cubicBezTo>
+                <a:cubicBezTo>
+                  <a:pt x="709132" y="5629276"/>
+                  <a:pt x="755650" y="5736432"/>
+                  <a:pt x="860319" y="5793582"/>
+                </a:cubicBezTo>
+                <a:cubicBezTo>
+                  <a:pt x="860319" y="5793582"/>
+                  <a:pt x="854504" y="5815013"/>
+                  <a:pt x="851597" y="5825729"/>
+                </a:cubicBezTo>
+                <a:cubicBezTo>
+                  <a:pt x="787632" y="5829301"/>
+                  <a:pt x="738206" y="5750720"/>
+                  <a:pt x="659704" y="5779295"/>
+                </a:cubicBezTo>
+                <a:cubicBezTo>
+                  <a:pt x="738206" y="5886451"/>
+                  <a:pt x="802169" y="5979319"/>
+                  <a:pt x="909746" y="6029326"/>
+                </a:cubicBezTo>
+                <a:cubicBezTo>
+                  <a:pt x="996969" y="6068616"/>
+                  <a:pt x="1104545" y="6093620"/>
+                  <a:pt x="1168509" y="6222207"/>
+                </a:cubicBezTo>
+                <a:cubicBezTo>
+                  <a:pt x="1095822" y="6247210"/>
+                  <a:pt x="1040581" y="6215063"/>
+                  <a:pt x="985339" y="6193632"/>
+                </a:cubicBezTo>
+                <a:cubicBezTo>
+                  <a:pt x="901023" y="6157913"/>
+                  <a:pt x="816707" y="6118623"/>
+                  <a:pt x="732391" y="6082904"/>
+                </a:cubicBezTo>
+                <a:cubicBezTo>
+                  <a:pt x="700408" y="6068616"/>
+                  <a:pt x="665519" y="6061472"/>
+                  <a:pt x="645167" y="6125766"/>
+                </a:cubicBezTo>
+                <a:cubicBezTo>
+                  <a:pt x="752743" y="6140053"/>
+                  <a:pt x="816707" y="6225779"/>
+                  <a:pt x="883579" y="6307932"/>
+                </a:cubicBezTo>
+                <a:cubicBezTo>
+                  <a:pt x="921375" y="6354366"/>
+                  <a:pt x="953358" y="6415088"/>
+                  <a:pt x="1020229" y="6393657"/>
+                </a:cubicBezTo>
+                <a:cubicBezTo>
+                  <a:pt x="1055118" y="6382942"/>
+                  <a:pt x="1078378" y="6415088"/>
+                  <a:pt x="1075471" y="6457950"/>
+                </a:cubicBezTo>
+                <a:cubicBezTo>
+                  <a:pt x="1060933" y="6607970"/>
+                  <a:pt x="1145250" y="6657976"/>
+                  <a:pt x="1232473" y="6686551"/>
+                </a:cubicBezTo>
+                <a:cubicBezTo>
+                  <a:pt x="1360401" y="6729413"/>
+                  <a:pt x="1473792" y="6815138"/>
+                  <a:pt x="1592997" y="6886576"/>
+                </a:cubicBezTo>
+                <a:lnTo>
+                  <a:pt x="5511704" y="6886576"/>
+                </a:lnTo>
+                <a:close/>
+              </a:path>
+            </a:pathLst>
+          </a:custGeom>
+          <a:solidFill>
+            <a:schemeClr val="bg2">
+              <a:alpha val="50000"/>
+            </a:schemeClr>
+          </a:solidFill>
+          <a:ln w="32707" cap="flat">
+            <a:noFill/>
+            <a:prstDash val="solid"/>
+            <a:miter/>
+          </a:ln>
+        </p:spPr>
+        <p:txBody>
+          <a:bodyPr rtlCol="0" anchor="ctr"/>
+          <a:lstStyle/>
+          <a:p>
+            <a:endParaRPr lang="en-US" dirty="0"/>
+          </a:p>
+        </p:txBody>
+      </p:sp>
       <p:sp>
         <p:nvSpPr>
           <p:cNvPr id="2" name="Title 1">
             <a:extLst>
               <a:ext uri="{FF2B5EF4-FFF2-40B4-BE49-F238E27FC236}">
-                <a16:creationId xmlns:a16="http://schemas.microsoft.com/office/drawing/2014/main" id="{AA30BB7C-B1E0-2F52-829F-51B3BDDD2672}"/>
+                <a16:creationId xmlns:a16="http://schemas.microsoft.com/office/drawing/2014/main" id="{6B1CCDC1-BF5F-5A59-C4E3-57FA515A2479}"/>
               </a:ext>
             </a:extLst>
           </p:cNvPr>
@@ -4033,15 +9252,31 @@
             <p:ph type="title"/>
           </p:nvPr>
         </p:nvSpPr>
-        <p:spPr/>
+        <p:spPr>
+          <a:xfrm>
+            <a:off x="838200" y="713312"/>
+            <a:ext cx="4038600" cy="5431376"/>
+          </a:xfrm>
+        </p:spPr>
         <p:txBody>
-          <a:bodyPr/>
+          <a:bodyPr>
+            <a:normAutofit/>
+          </a:bodyPr>
           <a:lstStyle/>
           <a:p>
             <a:r>
-              <a:rPr lang="en-CH" dirty="0"/>
-              <a:t>AWS Direct Connect Transit VIF</a:t>
-            </a:r>
+              <a:rPr lang="en-GB" dirty="0"/>
+              <a:t>What is AWS Direct Connect </a:t>
+            </a:r>
+            <a:r>
+              <a:rPr lang="en-GB" dirty="0" err="1"/>
+              <a:t>SiteLink</a:t>
+            </a:r>
+            <a:r>
+              <a:rPr lang="en-GB" dirty="0"/>
+              <a:t>?</a:t>
+            </a:r>
+            <a:endParaRPr lang="en-CH" dirty="0"/>
           </a:p>
         </p:txBody>
       </p:sp>
@@ -4050,7 +9285,7 @@
           <p:cNvPr id="3" name="Content Placeholder 2">
             <a:extLst>
               <a:ext uri="{FF2B5EF4-FFF2-40B4-BE49-F238E27FC236}">
-                <a16:creationId xmlns:a16="http://schemas.microsoft.com/office/drawing/2014/main" id="{546414F7-121D-39E3-69A2-8B50AD46967F}"/>
+                <a16:creationId xmlns:a16="http://schemas.microsoft.com/office/drawing/2014/main" id="{E30B80DC-B87D-1183-6DD7-0458E078A33F}"/>
               </a:ext>
             </a:extLst>
           </p:cNvPr>
@@ -4061,104 +9296,47 @@
             <p:ph idx="1"/>
           </p:nvPr>
         </p:nvSpPr>
-        <p:spPr/>
+        <p:spPr>
+          <a:xfrm>
+            <a:off x="6095999" y="713313"/>
+            <a:ext cx="5257801" cy="5431376"/>
+          </a:xfrm>
+        </p:spPr>
         <p:txBody>
-          <a:bodyPr/>
+          <a:bodyPr anchor="ctr">
+            <a:normAutofit/>
+          </a:bodyPr>
           <a:lstStyle/>
           <a:p>
-            <a:endParaRPr lang="en-CH"/>
-          </a:p>
-        </p:txBody>
-      </p:sp>
-    </p:spTree>
-    <p:extLst>
-      <p:ext uri="{BB962C8B-B14F-4D97-AF65-F5344CB8AC3E}">
-        <p14:creationId xmlns:p14="http://schemas.microsoft.com/office/powerpoint/2010/main" val="2091654983"/>
-      </p:ext>
-    </p:extLst>
-  </p:cSld>
-  <p:clrMapOvr>
-    <a:masterClrMapping/>
-  </p:clrMapOvr>
-</p:sld>
-</file>
-
-<file path=ppt/slides/slide8.xml><?xml version="1.0" encoding="utf-8"?>
-<p:sld xmlns:a="http://schemas.openxmlformats.org/drawingml/2006/main" xmlns:r="http://schemas.openxmlformats.org/officeDocument/2006/relationships" xmlns:p="http://schemas.openxmlformats.org/presentationml/2006/main">
-  <p:cSld>
-    <p:spTree>
-      <p:nvGrpSpPr>
-        <p:cNvPr id="1" name=""/>
-        <p:cNvGrpSpPr/>
-        <p:nvPr/>
-      </p:nvGrpSpPr>
-      <p:grpSpPr>
-        <a:xfrm>
-          <a:off x="0" y="0"/>
-          <a:ext cx="0" cy="0"/>
-          <a:chOff x="0" y="0"/>
-          <a:chExt cx="0" cy="0"/>
-        </a:xfrm>
-      </p:grpSpPr>
-      <p:sp>
-        <p:nvSpPr>
-          <p:cNvPr id="2" name="Title 1">
-            <a:extLst>
-              <a:ext uri="{FF2B5EF4-FFF2-40B4-BE49-F238E27FC236}">
-                <a16:creationId xmlns:a16="http://schemas.microsoft.com/office/drawing/2014/main" id="{6B1CCDC1-BF5F-5A59-C4E3-57FA515A2479}"/>
-              </a:ext>
-            </a:extLst>
-          </p:cNvPr>
-          <p:cNvSpPr>
-            <a:spLocks noGrp="1"/>
-          </p:cNvSpPr>
-          <p:nvPr>
-            <p:ph type="title"/>
-          </p:nvPr>
-        </p:nvSpPr>
-        <p:spPr/>
-        <p:txBody>
-          <a:bodyPr/>
-          <a:lstStyle/>
-          <a:p>
-            <a:r>
-              <a:rPr lang="en-GB" dirty="0"/>
-              <a:t>What is AWS Direct Connect </a:t>
-            </a:r>
-            <a:r>
-              <a:rPr lang="en-GB" dirty="0" err="1"/>
-              <a:t>SiteLink</a:t>
-            </a:r>
-            <a:r>
-              <a:rPr lang="en-GB" dirty="0"/>
-              <a:t>?</a:t>
-            </a:r>
-            <a:endParaRPr lang="en-CH" dirty="0"/>
-          </a:p>
-        </p:txBody>
-      </p:sp>
-      <p:sp>
-        <p:nvSpPr>
-          <p:cNvPr id="3" name="Content Placeholder 2">
-            <a:extLst>
-              <a:ext uri="{FF2B5EF4-FFF2-40B4-BE49-F238E27FC236}">
-                <a16:creationId xmlns:a16="http://schemas.microsoft.com/office/drawing/2014/main" id="{E30B80DC-B87D-1183-6DD7-0458E078A33F}"/>
-              </a:ext>
-            </a:extLst>
-          </p:cNvPr>
-          <p:cNvSpPr>
-            <a:spLocks noGrp="1"/>
-          </p:cNvSpPr>
-          <p:nvPr>
-            <p:ph idx="1"/>
-          </p:nvPr>
-        </p:nvSpPr>
-        <p:spPr/>
-        <p:txBody>
-          <a:bodyPr/>
-          <a:lstStyle/>
-          <a:p>
-            <a:endParaRPr lang="en-CH" dirty="0"/>
+            <a:r>
+              <a:rPr lang="en-GB" sz="2000" b="1" dirty="0">
+                <a:highlight>
+                  <a:srgbClr val="FFFF00"/>
+                </a:highlight>
+              </a:rPr>
+              <a:t>Connects on-premises networks through the AWS global network backbone</a:t>
+            </a:r>
+          </a:p>
+          <a:p>
+            <a:r>
+              <a:rPr lang="en-GB" sz="2000" dirty="0">
+                <a:hlinkClick r:id="rId2"/>
+              </a:rPr>
+              <a:t>https://aws.amazon.com/blogs/networking-and-content-delivery/advanced-routing-scenarios-with-aws-direct-connect-sitelink/</a:t>
+            </a:r>
+            <a:endParaRPr lang="en-GB" sz="2000" dirty="0"/>
+          </a:p>
+          <a:p>
+            <a:r>
+              <a:rPr lang="en-GB" sz="2000" dirty="0">
+                <a:hlinkClick r:id="rId3"/>
+              </a:rPr>
+              <a:t>https://docs.aws.amazon.com/architecture-diagrams/latest/routing-scenarios-with-aws-direct-connect-sitelink/routing-scenarios-with-aws-direct-connect-sitelink.html</a:t>
+            </a:r>
+            <a:endParaRPr lang="en-GB" sz="2000" dirty="0"/>
+          </a:p>
+          <a:p>
+            <a:endParaRPr lang="en-CH" sz="2000" dirty="0"/>
           </a:p>
         </p:txBody>
       </p:sp>
